--- a/IETF 102 PCE WG PCECC.pptx
+++ b/IETF 102 PCE WG PCECC.pptx
@@ -11,12 +11,12 @@
     <p:sldId id="256" r:id="rId2"/>
     <p:sldId id="257" r:id="rId3"/>
     <p:sldId id="260" r:id="rId4"/>
-    <p:sldId id="261" r:id="rId5"/>
-    <p:sldId id="265" r:id="rId6"/>
-    <p:sldId id="266" r:id="rId7"/>
+    <p:sldId id="274" r:id="rId5"/>
+    <p:sldId id="275" r:id="rId6"/>
+    <p:sldId id="276" r:id="rId7"/>
     <p:sldId id="264" r:id="rId8"/>
-    <p:sldId id="267" r:id="rId9"/>
-    <p:sldId id="268" r:id="rId10"/>
+    <p:sldId id="277" r:id="rId9"/>
+    <p:sldId id="278" r:id="rId10"/>
     <p:sldId id="263" r:id="rId11"/>
     <p:sldId id="269" r:id="rId12"/>
     <p:sldId id="262" r:id="rId13"/>
@@ -2783,6 +2783,13 @@
         </dgm:presLayoutVars>
       </dgm:prSet>
       <dgm:spPr/>
+      <dgm:t>
+        <a:bodyPr/>
+        <a:lstStyle/>
+        <a:p>
+          <a:endParaRPr lang="en-IN"/>
+        </a:p>
+      </dgm:t>
     </dgm:pt>
     <dgm:pt modelId="{CA467AFF-A7F2-4409-8AF0-C6DBD63F774C}" type="pres">
       <dgm:prSet presAssocID="{093447AA-BCC2-4D1F-8512-C3526F46355F}" presName="node" presStyleLbl="node1" presStyleIdx="0" presStyleCnt="4">
@@ -2858,15 +2865,15 @@
     </dgm:pt>
   </dgm:ptLst>
   <dgm:cxnLst>
+    <dgm:cxn modelId="{6C25D6BF-251F-4FBC-AB68-B9429C939C56}" type="presOf" srcId="{093447AA-BCC2-4D1F-8512-C3526F46355F}" destId="{CA467AFF-A7F2-4409-8AF0-C6DBD63F774C}" srcOrd="0" destOrd="0" presId="urn:microsoft.com/office/officeart/2005/8/layout/default"/>
+    <dgm:cxn modelId="{BB8ADB76-6A18-4053-B49E-CC4D6FF4428E}" type="presOf" srcId="{16099C0D-5015-4AEA-A6E3-523DCBE0C577}" destId="{386AED59-E1BD-4FFE-8913-B8E245873AB6}" srcOrd="0" destOrd="0" presId="urn:microsoft.com/office/officeart/2005/8/layout/default"/>
     <dgm:cxn modelId="{9A84B3EC-EC3F-481B-B0E1-C159BF22F510}" srcId="{16099C0D-5015-4AEA-A6E3-523DCBE0C577}" destId="{E4996654-7997-4F43-8484-E28103BD5A09}" srcOrd="3" destOrd="0" parTransId="{FE5D95FE-DE71-440F-8C51-3708FC54EDB9}" sibTransId="{3A330CD1-9FF8-40D3-BF4D-C806C4ED6D39}"/>
+    <dgm:cxn modelId="{2A0EB27A-32A7-4C31-9D86-85662BDCED66}" type="presOf" srcId="{E4996654-7997-4F43-8484-E28103BD5A09}" destId="{0723DF50-FB98-4689-AB04-ACAD518A15B4}" srcOrd="0" destOrd="0" presId="urn:microsoft.com/office/officeart/2005/8/layout/default"/>
+    <dgm:cxn modelId="{B5ADF827-C89B-4E18-B768-AE7FE91971D9}" type="presOf" srcId="{479DCEF1-D8A2-41E7-A55A-5DDE995F7597}" destId="{72E1F698-B3D3-4D11-AAEC-4C03C295F6A2}" srcOrd="0" destOrd="0" presId="urn:microsoft.com/office/officeart/2005/8/layout/default"/>
+    <dgm:cxn modelId="{A1C8108F-AF7C-4E2B-B416-97E81970019B}" srcId="{16099C0D-5015-4AEA-A6E3-523DCBE0C577}" destId="{093447AA-BCC2-4D1F-8512-C3526F46355F}" srcOrd="0" destOrd="0" parTransId="{4F285111-B977-4371-9325-84F1B60C37C3}" sibTransId="{BC461F43-9939-4196-928E-D85D72CD78DB}"/>
     <dgm:cxn modelId="{D86F7993-FBAC-450D-8650-705785104C6C}" type="presOf" srcId="{472039B0-7D70-480D-A0F2-A6ADF66B58AA}" destId="{9B88960A-EB65-4596-84DB-10BC1A8A44BF}" srcOrd="0" destOrd="0" presId="urn:microsoft.com/office/officeart/2005/8/layout/default"/>
-    <dgm:cxn modelId="{BB8ADB76-6A18-4053-B49E-CC4D6FF4428E}" type="presOf" srcId="{16099C0D-5015-4AEA-A6E3-523DCBE0C577}" destId="{386AED59-E1BD-4FFE-8913-B8E245873AB6}" srcOrd="0" destOrd="0" presId="urn:microsoft.com/office/officeart/2005/8/layout/default"/>
-    <dgm:cxn modelId="{B5ADF827-C89B-4E18-B768-AE7FE91971D9}" type="presOf" srcId="{479DCEF1-D8A2-41E7-A55A-5DDE995F7597}" destId="{72E1F698-B3D3-4D11-AAEC-4C03C295F6A2}" srcOrd="0" destOrd="0" presId="urn:microsoft.com/office/officeart/2005/8/layout/default"/>
-    <dgm:cxn modelId="{2A0EB27A-32A7-4C31-9D86-85662BDCED66}" type="presOf" srcId="{E4996654-7997-4F43-8484-E28103BD5A09}" destId="{0723DF50-FB98-4689-AB04-ACAD518A15B4}" srcOrd="0" destOrd="0" presId="urn:microsoft.com/office/officeart/2005/8/layout/default"/>
-    <dgm:cxn modelId="{6C25D6BF-251F-4FBC-AB68-B9429C939C56}" type="presOf" srcId="{093447AA-BCC2-4D1F-8512-C3526F46355F}" destId="{CA467AFF-A7F2-4409-8AF0-C6DBD63F774C}" srcOrd="0" destOrd="0" presId="urn:microsoft.com/office/officeart/2005/8/layout/default"/>
-    <dgm:cxn modelId="{A1C8108F-AF7C-4E2B-B416-97E81970019B}" srcId="{16099C0D-5015-4AEA-A6E3-523DCBE0C577}" destId="{093447AA-BCC2-4D1F-8512-C3526F46355F}" srcOrd="0" destOrd="0" parTransId="{4F285111-B977-4371-9325-84F1B60C37C3}" sibTransId="{BC461F43-9939-4196-928E-D85D72CD78DB}"/>
+    <dgm:cxn modelId="{5E99A757-6902-4744-A105-B6C261319630}" srcId="{16099C0D-5015-4AEA-A6E3-523DCBE0C577}" destId="{479DCEF1-D8A2-41E7-A55A-5DDE995F7597}" srcOrd="2" destOrd="0" parTransId="{8F8E7BA0-8CFC-4713-8486-BB94504F7484}" sibTransId="{0379783D-357A-4568-949E-FE2CEA0BFF30}"/>
     <dgm:cxn modelId="{467BE3E2-2286-4651-9D12-155A6564FFD9}" srcId="{16099C0D-5015-4AEA-A6E3-523DCBE0C577}" destId="{472039B0-7D70-480D-A0F2-A6ADF66B58AA}" srcOrd="1" destOrd="0" parTransId="{36A0FB25-E68A-4197-BDA9-7ADC0525EB61}" sibTransId="{4898462F-26A8-4C07-B74E-5DC2281B3AEE}"/>
-    <dgm:cxn modelId="{5E99A757-6902-4744-A105-B6C261319630}" srcId="{16099C0D-5015-4AEA-A6E3-523DCBE0C577}" destId="{479DCEF1-D8A2-41E7-A55A-5DDE995F7597}" srcOrd="2" destOrd="0" parTransId="{8F8E7BA0-8CFC-4713-8486-BB94504F7484}" sibTransId="{0379783D-357A-4568-949E-FE2CEA0BFF30}"/>
     <dgm:cxn modelId="{B438D359-FC4F-4E44-BCD3-EE5AE33E263E}" type="presParOf" srcId="{386AED59-E1BD-4FFE-8913-B8E245873AB6}" destId="{CA467AFF-A7F2-4409-8AF0-C6DBD63F774C}" srcOrd="0" destOrd="0" presId="urn:microsoft.com/office/officeart/2005/8/layout/default"/>
     <dgm:cxn modelId="{164574E8-C006-4F06-A882-D68812F33B1A}" type="presParOf" srcId="{386AED59-E1BD-4FFE-8913-B8E245873AB6}" destId="{CCB6C4F6-7B9D-43FD-8455-135BFBC8EAFF}" srcOrd="1" destOrd="0" presId="urn:microsoft.com/office/officeart/2005/8/layout/default"/>
     <dgm:cxn modelId="{3B46DC27-347E-4AE1-B339-17841D4E3A82}" type="presParOf" srcId="{386AED59-E1BD-4FFE-8913-B8E245873AB6}" destId="{9B88960A-EB65-4596-84DB-10BC1A8A44BF}" srcOrd="2" destOrd="0" presId="urn:microsoft.com/office/officeart/2005/8/layout/default"/>
@@ -3203,6 +3210,13 @@
         </dgm:presLayoutVars>
       </dgm:prSet>
       <dgm:spPr/>
+      <dgm:t>
+        <a:bodyPr/>
+        <a:lstStyle/>
+        <a:p>
+          <a:endParaRPr lang="en-IN"/>
+        </a:p>
+      </dgm:t>
     </dgm:pt>
     <dgm:pt modelId="{3DEE8FE7-D01C-457B-A0A2-D2ACF766706A}" type="pres">
       <dgm:prSet presAssocID="{3DF4A13F-0371-419C-A8E4-B22EE4101623}" presName="parentText" presStyleLbl="node1" presStyleIdx="0" presStyleCnt="4">
@@ -3212,6 +3226,13 @@
         </dgm:presLayoutVars>
       </dgm:prSet>
       <dgm:spPr/>
+      <dgm:t>
+        <a:bodyPr/>
+        <a:lstStyle/>
+        <a:p>
+          <a:endParaRPr lang="en-IN"/>
+        </a:p>
+      </dgm:t>
     </dgm:pt>
     <dgm:pt modelId="{22D84795-F686-44CC-AA0B-901BEB468E51}" type="pres">
       <dgm:prSet presAssocID="{3DF4A13F-0371-419C-A8E4-B22EE4101623}" presName="childText" presStyleLbl="revTx" presStyleIdx="0" presStyleCnt="3">
@@ -3220,6 +3241,13 @@
         </dgm:presLayoutVars>
       </dgm:prSet>
       <dgm:spPr/>
+      <dgm:t>
+        <a:bodyPr/>
+        <a:lstStyle/>
+        <a:p>
+          <a:endParaRPr lang="en-IN"/>
+        </a:p>
+      </dgm:t>
     </dgm:pt>
     <dgm:pt modelId="{21513174-913E-468F-828F-7E2BD80121F5}" type="pres">
       <dgm:prSet presAssocID="{F0C0AF74-76ED-44A1-AB16-8233B79BEF28}" presName="parentText" presStyleLbl="node1" presStyleIdx="1" presStyleCnt="4">
@@ -3229,6 +3257,13 @@
         </dgm:presLayoutVars>
       </dgm:prSet>
       <dgm:spPr/>
+      <dgm:t>
+        <a:bodyPr/>
+        <a:lstStyle/>
+        <a:p>
+          <a:endParaRPr lang="en-IN"/>
+        </a:p>
+      </dgm:t>
     </dgm:pt>
     <dgm:pt modelId="{81561B1C-D48E-4D2C-A704-E70F9EAFE99B}" type="pres">
       <dgm:prSet presAssocID="{F0C0AF74-76ED-44A1-AB16-8233B79BEF28}" presName="childText" presStyleLbl="revTx" presStyleIdx="1" presStyleCnt="3">
@@ -3237,6 +3272,13 @@
         </dgm:presLayoutVars>
       </dgm:prSet>
       <dgm:spPr/>
+      <dgm:t>
+        <a:bodyPr/>
+        <a:lstStyle/>
+        <a:p>
+          <a:endParaRPr lang="en-IN"/>
+        </a:p>
+      </dgm:t>
     </dgm:pt>
     <dgm:pt modelId="{FB5E88B5-3C36-4979-A4BE-491F6F4CF6B2}" type="pres">
       <dgm:prSet presAssocID="{E8475D63-B333-4DB2-9006-55A594602AF8}" presName="parentText" presStyleLbl="node1" presStyleIdx="2" presStyleCnt="4">
@@ -3246,6 +3288,13 @@
         </dgm:presLayoutVars>
       </dgm:prSet>
       <dgm:spPr/>
+      <dgm:t>
+        <a:bodyPr/>
+        <a:lstStyle/>
+        <a:p>
+          <a:endParaRPr lang="en-IN"/>
+        </a:p>
+      </dgm:t>
     </dgm:pt>
     <dgm:pt modelId="{E9A2FF43-5D6D-4F58-A7BC-CED3E48A1D8E}" type="pres">
       <dgm:prSet presAssocID="{B3ECB9C9-AE05-4E28-8556-6D1BE3762861}" presName="spacer" presStyleCnt="0"/>
@@ -3259,6 +3308,13 @@
         </dgm:presLayoutVars>
       </dgm:prSet>
       <dgm:spPr/>
+      <dgm:t>
+        <a:bodyPr/>
+        <a:lstStyle/>
+        <a:p>
+          <a:endParaRPr lang="en-IN"/>
+        </a:p>
+      </dgm:t>
     </dgm:pt>
     <dgm:pt modelId="{41124AA7-EAB6-4A71-BB7E-4BB0146F5B52}" type="pres">
       <dgm:prSet presAssocID="{6B4D07DE-7A8C-4AC9-8430-40CDA8D0128E}" presName="childText" presStyleLbl="revTx" presStyleIdx="2" presStyleCnt="3">
@@ -3267,26 +3323,33 @@
         </dgm:presLayoutVars>
       </dgm:prSet>
       <dgm:spPr/>
+      <dgm:t>
+        <a:bodyPr/>
+        <a:lstStyle/>
+        <a:p>
+          <a:endParaRPr lang="en-IN"/>
+        </a:p>
+      </dgm:t>
     </dgm:pt>
   </dgm:ptLst>
   <dgm:cxnLst>
+    <dgm:cxn modelId="{08BBFCFA-6017-4C68-A90B-DB509DAEA4FD}" type="presOf" srcId="{6B4D07DE-7A8C-4AC9-8430-40CDA8D0128E}" destId="{6FC91DE7-DE40-4D1D-8262-54406765625A}" srcOrd="0" destOrd="0" presId="urn:microsoft.com/office/officeart/2005/8/layout/vList2"/>
+    <dgm:cxn modelId="{DA7F0D12-B56D-4D3F-9D94-88812E581365}" type="presOf" srcId="{3DF4A13F-0371-419C-A8E4-B22EE4101623}" destId="{3DEE8FE7-D01C-457B-A0A2-D2ACF766706A}" srcOrd="0" destOrd="0" presId="urn:microsoft.com/office/officeart/2005/8/layout/vList2"/>
+    <dgm:cxn modelId="{B58A4F9A-7A17-4F90-8D64-53B1858717B1}" srcId="{490DCC94-C8B3-477F-AE01-80F952E9FD90}" destId="{F0C0AF74-76ED-44A1-AB16-8233B79BEF28}" srcOrd="1" destOrd="0" parTransId="{2D9BA4E6-CE45-43C3-A8A9-F8FB169F358F}" sibTransId="{541412CE-9224-4204-9EDF-2384D85CD5B2}"/>
+    <dgm:cxn modelId="{2D078403-AC21-44E2-B715-16F0425AFC4C}" type="presOf" srcId="{6A6140D8-45FD-4FDA-89D8-30A2DD556CC2}" destId="{41124AA7-EAB6-4A71-BB7E-4BB0146F5B52}" srcOrd="0" destOrd="0" presId="urn:microsoft.com/office/officeart/2005/8/layout/vList2"/>
+    <dgm:cxn modelId="{5EDBE72F-2789-4F58-9C82-46974DF6B358}" type="presOf" srcId="{2074FC63-107E-4573-85A1-F37C7E6AC092}" destId="{22D84795-F686-44CC-AA0B-901BEB468E51}" srcOrd="0" destOrd="0" presId="urn:microsoft.com/office/officeart/2005/8/layout/vList2"/>
     <dgm:cxn modelId="{22D73C66-C5E4-4A1A-9631-1D93D0DFEF73}" type="presOf" srcId="{A7A1C825-0F71-45D9-B57D-742F412752ED}" destId="{81561B1C-D48E-4D2C-A704-E70F9EAFE99B}" srcOrd="0" destOrd="1" presId="urn:microsoft.com/office/officeart/2005/8/layout/vList2"/>
+    <dgm:cxn modelId="{411C5E08-41A8-4996-BAB4-360566CDEF19}" srcId="{490DCC94-C8B3-477F-AE01-80F952E9FD90}" destId="{6B4D07DE-7A8C-4AC9-8430-40CDA8D0128E}" srcOrd="3" destOrd="0" parTransId="{56EA03A2-F7AF-4532-A5DC-3E28CD029403}" sibTransId="{78131182-CDC6-43FB-BEEF-EA0FFD4B56C6}"/>
+    <dgm:cxn modelId="{9779F550-A004-498B-B8B5-E64867DE9451}" type="presOf" srcId="{E8475D63-B333-4DB2-9006-55A594602AF8}" destId="{FB5E88B5-3C36-4979-A4BE-491F6F4CF6B2}" srcOrd="0" destOrd="0" presId="urn:microsoft.com/office/officeart/2005/8/layout/vList2"/>
+    <dgm:cxn modelId="{75C4B26A-F219-4E85-AABE-5697E6ADD2E8}" srcId="{F0C0AF74-76ED-44A1-AB16-8233B79BEF28}" destId="{33DC4D38-CACC-40E2-8D02-A33A85326F28}" srcOrd="0" destOrd="0" parTransId="{F8658213-8D49-45D8-844D-5A846FB257AC}" sibTransId="{780DCFF9-D65A-4158-B65E-C01DD3FAE718}"/>
+    <dgm:cxn modelId="{B3C5AF4F-724E-4D9D-AE82-6EBB43A9F4A5}" srcId="{490DCC94-C8B3-477F-AE01-80F952E9FD90}" destId="{E8475D63-B333-4DB2-9006-55A594602AF8}" srcOrd="2" destOrd="0" parTransId="{15BD9C17-1CDF-42F7-9AF8-5EA9CD357BD6}" sibTransId="{B3ECB9C9-AE05-4E28-8556-6D1BE3762861}"/>
+    <dgm:cxn modelId="{5DDA0F3E-6EAA-4954-8749-23DC4D20FFBE}" srcId="{6B4D07DE-7A8C-4AC9-8430-40CDA8D0128E}" destId="{6A6140D8-45FD-4FDA-89D8-30A2DD556CC2}" srcOrd="0" destOrd="0" parTransId="{3E6144F8-F2AF-48D6-9AA0-FC7F244AF7B2}" sibTransId="{092C7B3A-7AD7-4C75-8F55-2ABBC4D257BF}"/>
     <dgm:cxn modelId="{F4F8F76E-ECD1-45FF-9E57-421C473E1BCF}" type="presOf" srcId="{F0C0AF74-76ED-44A1-AB16-8233B79BEF28}" destId="{21513174-913E-468F-828F-7E2BD80121F5}" srcOrd="0" destOrd="0" presId="urn:microsoft.com/office/officeart/2005/8/layout/vList2"/>
+    <dgm:cxn modelId="{1E283707-D408-4E11-A1E3-FA0918B01E3E}" srcId="{3DF4A13F-0371-419C-A8E4-B22EE4101623}" destId="{2074FC63-107E-4573-85A1-F37C7E6AC092}" srcOrd="0" destOrd="0" parTransId="{B7BD6423-745A-4D8B-9D76-D3D05F7DF648}" sibTransId="{F80BD823-2A79-44F7-B100-8CEC1F8392D4}"/>
+    <dgm:cxn modelId="{F0D738AF-45DB-44AB-B04B-75E83186599C}" srcId="{F0C0AF74-76ED-44A1-AB16-8233B79BEF28}" destId="{A7A1C825-0F71-45D9-B57D-742F412752ED}" srcOrd="1" destOrd="0" parTransId="{6961E08A-3E4B-4386-BB6E-DD66ED2647BE}" sibTransId="{0CB5AC42-1CB0-414E-A241-6F944C405820}"/>
+    <dgm:cxn modelId="{441AA5F9-5D30-416B-811F-43B3766AB133}" type="presOf" srcId="{33DC4D38-CACC-40E2-8D02-A33A85326F28}" destId="{81561B1C-D48E-4D2C-A704-E70F9EAFE99B}" srcOrd="0" destOrd="0" presId="urn:microsoft.com/office/officeart/2005/8/layout/vList2"/>
     <dgm:cxn modelId="{02A3756D-7DEF-44F6-BD24-9E37D97EC7D5}" type="presOf" srcId="{490DCC94-C8B3-477F-AE01-80F952E9FD90}" destId="{EC31B20F-DD12-42F5-9D6A-D268048289AA}" srcOrd="0" destOrd="0" presId="urn:microsoft.com/office/officeart/2005/8/layout/vList2"/>
     <dgm:cxn modelId="{3D4FC559-81F4-4990-98A1-8FF83EA818B9}" srcId="{490DCC94-C8B3-477F-AE01-80F952E9FD90}" destId="{3DF4A13F-0371-419C-A8E4-B22EE4101623}" srcOrd="0" destOrd="0" parTransId="{E629B7BD-FC6F-44EC-9E44-D56280A6DE9D}" sibTransId="{30AB71E1-7EE0-48A7-AC9E-8AE683788C59}"/>
-    <dgm:cxn modelId="{08BBFCFA-6017-4C68-A90B-DB509DAEA4FD}" type="presOf" srcId="{6B4D07DE-7A8C-4AC9-8430-40CDA8D0128E}" destId="{6FC91DE7-DE40-4D1D-8262-54406765625A}" srcOrd="0" destOrd="0" presId="urn:microsoft.com/office/officeart/2005/8/layout/vList2"/>
-    <dgm:cxn modelId="{441AA5F9-5D30-416B-811F-43B3766AB133}" type="presOf" srcId="{33DC4D38-CACC-40E2-8D02-A33A85326F28}" destId="{81561B1C-D48E-4D2C-A704-E70F9EAFE99B}" srcOrd="0" destOrd="0" presId="urn:microsoft.com/office/officeart/2005/8/layout/vList2"/>
-    <dgm:cxn modelId="{75C4B26A-F219-4E85-AABE-5697E6ADD2E8}" srcId="{F0C0AF74-76ED-44A1-AB16-8233B79BEF28}" destId="{33DC4D38-CACC-40E2-8D02-A33A85326F28}" srcOrd="0" destOrd="0" parTransId="{F8658213-8D49-45D8-844D-5A846FB257AC}" sibTransId="{780DCFF9-D65A-4158-B65E-C01DD3FAE718}"/>
-    <dgm:cxn modelId="{1E283707-D408-4E11-A1E3-FA0918B01E3E}" srcId="{3DF4A13F-0371-419C-A8E4-B22EE4101623}" destId="{2074FC63-107E-4573-85A1-F37C7E6AC092}" srcOrd="0" destOrd="0" parTransId="{B7BD6423-745A-4D8B-9D76-D3D05F7DF648}" sibTransId="{F80BD823-2A79-44F7-B100-8CEC1F8392D4}"/>
-    <dgm:cxn modelId="{9779F550-A004-498B-B8B5-E64867DE9451}" type="presOf" srcId="{E8475D63-B333-4DB2-9006-55A594602AF8}" destId="{FB5E88B5-3C36-4979-A4BE-491F6F4CF6B2}" srcOrd="0" destOrd="0" presId="urn:microsoft.com/office/officeart/2005/8/layout/vList2"/>
-    <dgm:cxn modelId="{DA7F0D12-B56D-4D3F-9D94-88812E581365}" type="presOf" srcId="{3DF4A13F-0371-419C-A8E4-B22EE4101623}" destId="{3DEE8FE7-D01C-457B-A0A2-D2ACF766706A}" srcOrd="0" destOrd="0" presId="urn:microsoft.com/office/officeart/2005/8/layout/vList2"/>
-    <dgm:cxn modelId="{B58A4F9A-7A17-4F90-8D64-53B1858717B1}" srcId="{490DCC94-C8B3-477F-AE01-80F952E9FD90}" destId="{F0C0AF74-76ED-44A1-AB16-8233B79BEF28}" srcOrd="1" destOrd="0" parTransId="{2D9BA4E6-CE45-43C3-A8A9-F8FB169F358F}" sibTransId="{541412CE-9224-4204-9EDF-2384D85CD5B2}"/>
-    <dgm:cxn modelId="{5EDBE72F-2789-4F58-9C82-46974DF6B358}" type="presOf" srcId="{2074FC63-107E-4573-85A1-F37C7E6AC092}" destId="{22D84795-F686-44CC-AA0B-901BEB468E51}" srcOrd="0" destOrd="0" presId="urn:microsoft.com/office/officeart/2005/8/layout/vList2"/>
-    <dgm:cxn modelId="{B3C5AF4F-724E-4D9D-AE82-6EBB43A9F4A5}" srcId="{490DCC94-C8B3-477F-AE01-80F952E9FD90}" destId="{E8475D63-B333-4DB2-9006-55A594602AF8}" srcOrd="2" destOrd="0" parTransId="{15BD9C17-1CDF-42F7-9AF8-5EA9CD357BD6}" sibTransId="{B3ECB9C9-AE05-4E28-8556-6D1BE3762861}"/>
-    <dgm:cxn modelId="{F0D738AF-45DB-44AB-B04B-75E83186599C}" srcId="{F0C0AF74-76ED-44A1-AB16-8233B79BEF28}" destId="{A7A1C825-0F71-45D9-B57D-742F412752ED}" srcOrd="1" destOrd="0" parTransId="{6961E08A-3E4B-4386-BB6E-DD66ED2647BE}" sibTransId="{0CB5AC42-1CB0-414E-A241-6F944C405820}"/>
-    <dgm:cxn modelId="{2D078403-AC21-44E2-B715-16F0425AFC4C}" type="presOf" srcId="{6A6140D8-45FD-4FDA-89D8-30A2DD556CC2}" destId="{41124AA7-EAB6-4A71-BB7E-4BB0146F5B52}" srcOrd="0" destOrd="0" presId="urn:microsoft.com/office/officeart/2005/8/layout/vList2"/>
-    <dgm:cxn modelId="{411C5E08-41A8-4996-BAB4-360566CDEF19}" srcId="{490DCC94-C8B3-477F-AE01-80F952E9FD90}" destId="{6B4D07DE-7A8C-4AC9-8430-40CDA8D0128E}" srcOrd="3" destOrd="0" parTransId="{56EA03A2-F7AF-4532-A5DC-3E28CD029403}" sibTransId="{78131182-CDC6-43FB-BEEF-EA0FFD4B56C6}"/>
-    <dgm:cxn modelId="{5DDA0F3E-6EAA-4954-8749-23DC4D20FFBE}" srcId="{6B4D07DE-7A8C-4AC9-8430-40CDA8D0128E}" destId="{6A6140D8-45FD-4FDA-89D8-30A2DD556CC2}" srcOrd="0" destOrd="0" parTransId="{3E6144F8-F2AF-48D6-9AA0-FC7F244AF7B2}" sibTransId="{092C7B3A-7AD7-4C75-8F55-2ABBC4D257BF}"/>
     <dgm:cxn modelId="{849220AD-7914-45EC-8874-EEDEC01F671A}" type="presParOf" srcId="{EC31B20F-DD12-42F5-9D6A-D268048289AA}" destId="{3DEE8FE7-D01C-457B-A0A2-D2ACF766706A}" srcOrd="0" destOrd="0" presId="urn:microsoft.com/office/officeart/2005/8/layout/vList2"/>
     <dgm:cxn modelId="{0485053A-EC3C-471C-A621-70570D8C4DBC}" type="presParOf" srcId="{EC31B20F-DD12-42F5-9D6A-D268048289AA}" destId="{22D84795-F686-44CC-AA0B-901BEB468E51}" srcOrd="1" destOrd="0" presId="urn:microsoft.com/office/officeart/2005/8/layout/vList2"/>
     <dgm:cxn modelId="{4831E637-01B1-4795-B0B8-C1B44E210E17}" type="presParOf" srcId="{EC31B20F-DD12-42F5-9D6A-D268048289AA}" destId="{21513174-913E-468F-828F-7E2BD80121F5}" srcOrd="2" destOrd="0" presId="urn:microsoft.com/office/officeart/2005/8/layout/vList2"/>
@@ -7998,7 +8061,7 @@
           <a:p>
             <a:fld id="{F52C3705-8057-4FD2-A295-59C3CA3BF46D}" type="datetimeFigureOut">
               <a:rPr lang="en-US" smtClean="0"/>
-              <a:t>7/11/2018</a:t>
+              <a:t>7/13/2018</a:t>
             </a:fld>
             <a:endParaRPr lang="en-US"/>
           </a:p>
@@ -8578,7 +8641,7 @@
           <a:p>
             <a:fld id="{C2AE7AE1-9631-4E25-B751-AB2D9590637F}" type="datetime1">
               <a:rPr lang="en-US" smtClean="0"/>
-              <a:t>7/11/2018</a:t>
+              <a:t>7/13/2018</a:t>
             </a:fld>
             <a:endParaRPr lang="en-US" dirty="0"/>
           </a:p>
@@ -8785,7 +8848,7 @@
           <a:p>
             <a:fld id="{4E207B08-32D0-4934-98B1-A4E4CC5E6DDD}" type="datetime1">
               <a:rPr lang="en-US" smtClean="0"/>
-              <a:t>7/11/2018</a:t>
+              <a:t>7/13/2018</a:t>
             </a:fld>
             <a:endParaRPr lang="en-US" dirty="0"/>
           </a:p>
@@ -9042,7 +9105,7 @@
           <a:p>
             <a:fld id="{3185E607-2BE9-484E-9931-FCB892DDCE82}" type="datetime1">
               <a:rPr lang="en-US" smtClean="0"/>
-              <a:t>7/11/2018</a:t>
+              <a:t>7/13/2018</a:t>
             </a:fld>
             <a:endParaRPr lang="en-US" dirty="0"/>
           </a:p>
@@ -9211,7 +9274,7 @@
           <a:p>
             <a:fld id="{2CC59CAC-E758-42C6-AF98-BF2D3C72F9D1}" type="datetime1">
               <a:rPr lang="en-US" smtClean="0"/>
-              <a:t>7/11/2018</a:t>
+              <a:t>7/13/2018</a:t>
             </a:fld>
             <a:endParaRPr lang="en-US" dirty="0"/>
           </a:p>
@@ -9547,7 +9610,7 @@
           <a:p>
             <a:fld id="{F39A3C71-D731-45B9-86F2-E9E80E7879B2}" type="datetime1">
               <a:rPr lang="en-US" smtClean="0"/>
-              <a:t>7/11/2018</a:t>
+              <a:t>7/13/2018</a:t>
             </a:fld>
             <a:endParaRPr lang="en-US" dirty="0"/>
           </a:p>
@@ -9821,7 +9884,7 @@
           <a:p>
             <a:fld id="{0FCE5C1D-E914-4EE9-A7A5-414A9EC535ED}" type="datetime1">
               <a:rPr lang="en-US" smtClean="0"/>
-              <a:t>7/11/2018</a:t>
+              <a:t>7/13/2018</a:t>
             </a:fld>
             <a:endParaRPr lang="en-US" dirty="0"/>
           </a:p>
@@ -10199,7 +10262,7 @@
           <a:p>
             <a:fld id="{03E42A0A-A982-43DC-8FBB-0756FD78B049}" type="datetime1">
               <a:rPr lang="en-US" smtClean="0"/>
-              <a:t>7/11/2018</a:t>
+              <a:t>7/13/2018</a:t>
             </a:fld>
             <a:endParaRPr lang="en-US" dirty="0"/>
           </a:p>
@@ -10316,7 +10379,7 @@
           <a:p>
             <a:fld id="{91F731E5-2983-488F-80E9-86D0A0D214CE}" type="datetime1">
               <a:rPr lang="en-US" smtClean="0"/>
-              <a:t>7/11/2018</a:t>
+              <a:t>7/13/2018</a:t>
             </a:fld>
             <a:endParaRPr lang="en-US" dirty="0"/>
           </a:p>
@@ -10488,7 +10551,7 @@
           <a:p>
             <a:fld id="{9E3908E5-1FDA-47D5-AECA-0CBC8E54586D}" type="datetime1">
               <a:rPr lang="en-US" smtClean="0"/>
-              <a:t>7/11/2018</a:t>
+              <a:t>7/13/2018</a:t>
             </a:fld>
             <a:endParaRPr lang="en-US" dirty="0"/>
           </a:p>
@@ -10844,7 +10907,7 @@
           <a:p>
             <a:fld id="{BC92BC67-1FA8-4478-870F-1E0341F113C4}" type="datetime1">
               <a:rPr lang="en-US" smtClean="0"/>
-              <a:t>7/11/2018</a:t>
+              <a:t>7/13/2018</a:t>
             </a:fld>
             <a:endParaRPr lang="en-US" dirty="0"/>
           </a:p>
@@ -11223,7 +11286,7 @@
           <a:p>
             <a:fld id="{8ACCA567-8DB3-47DF-A779-FD978051B02B}" type="datetime1">
               <a:rPr lang="en-US" smtClean="0"/>
-              <a:t>7/11/2018</a:t>
+              <a:t>7/13/2018</a:t>
             </a:fld>
             <a:endParaRPr lang="en-US" dirty="0"/>
           </a:p>
@@ -11511,7 +11574,7 @@
           <a:p>
             <a:fld id="{59E94B34-E109-408F-96E2-98864825D2C0}" type="datetime1">
               <a:rPr lang="en-US" smtClean="0"/>
-              <a:t>7/11/2018</a:t>
+              <a:t>7/13/2018</a:t>
             </a:fld>
             <a:endParaRPr lang="en-US" dirty="0"/>
           </a:p>
@@ -12373,11 +12436,7 @@
           <a:p>
             <a:r>
               <a:rPr lang="en-US" dirty="0" smtClean="0"/>
-              <a:t>Re-delegation </a:t>
-            </a:r>
-            <a:r>
-              <a:rPr lang="en-US" dirty="0" smtClean="0"/>
-              <a:t>and Cleanup</a:t>
+              <a:t>Re-delegation and Cleanup</a:t>
             </a:r>
             <a:endParaRPr lang="en-US" dirty="0"/>
           </a:p>
@@ -12519,7 +12578,6 @@
               <a:rPr lang="en-US" dirty="0"/>
               <a:t>removal of CCI as one of the behaviors applied on expiration of the State Timeout Interval timer.</a:t>
             </a:r>
-            <a:endParaRPr lang="en-US" dirty="0"/>
           </a:p>
         </p:txBody>
       </p:sp>
@@ -12823,7 +12881,6 @@
               <a:rPr lang="en-US" dirty="0"/>
               <a:t>PCEs MUST have a common view of all SR SIDs allocated in the domain.</a:t>
             </a:r>
-            <a:endParaRPr lang="en-US" dirty="0"/>
           </a:p>
         </p:txBody>
       </p:sp>
@@ -15622,13 +15679,13 @@
         </p:nvSpPr>
         <p:spPr>
           <a:xfrm>
-            <a:off x="1097280" y="1845733"/>
-            <a:ext cx="4998720" cy="4487689"/>
+            <a:off x="1097280" y="1845734"/>
+            <a:ext cx="4998720" cy="4023360"/>
           </a:xfrm>
         </p:spPr>
         <p:txBody>
           <a:bodyPr>
-            <a:normAutofit/>
+            <a:normAutofit lnSpcReduction="10000"/>
           </a:bodyPr>
           <a:lstStyle/>
           <a:p>
@@ -15741,30 +15798,6 @@
           </a:p>
         </p:txBody>
       </p:sp>
-      <p:pic>
-        <p:nvPicPr>
-          <p:cNvPr id="5" name="Picture 4"/>
-          <p:cNvPicPr>
-            <a:picLocks noChangeAspect="1"/>
-          </p:cNvPicPr>
-          <p:nvPr/>
-        </p:nvPicPr>
-        <p:blipFill>
-          <a:blip r:embed="rId2"/>
-          <a:stretch>
-            <a:fillRect/>
-          </a:stretch>
-        </p:blipFill>
-        <p:spPr>
-          <a:xfrm>
-            <a:off x="6581123" y="1976036"/>
-            <a:ext cx="5305425" cy="4657725"/>
-          </a:xfrm>
-          <a:prstGeom prst="rect">
-            <a:avLst/>
-          </a:prstGeom>
-        </p:spPr>
-      </p:pic>
       <p:sp>
         <p:nvSpPr>
           <p:cNvPr id="8" name="Footer Placeholder 7"/>
@@ -15811,10 +15844,1355 @@
           </a:p>
         </p:txBody>
       </p:sp>
+      <p:sp>
+        <p:nvSpPr>
+          <p:cNvPr id="4" name="Rounded Rectangle 3"/>
+          <p:cNvSpPr/>
+          <p:nvPr/>
+        </p:nvSpPr>
+        <p:spPr>
+          <a:xfrm>
+            <a:off x="6096000" y="2674037"/>
+            <a:ext cx="847288" cy="503340"/>
+          </a:xfrm>
+          <a:prstGeom prst="roundRect">
+            <a:avLst/>
+          </a:prstGeom>
+        </p:spPr>
+        <p:style>
+          <a:lnRef idx="2">
+            <a:schemeClr val="accent2">
+              <a:shade val="50000"/>
+            </a:schemeClr>
+          </a:lnRef>
+          <a:fillRef idx="1">
+            <a:schemeClr val="accent2"/>
+          </a:fillRef>
+          <a:effectRef idx="0">
+            <a:schemeClr val="accent2"/>
+          </a:effectRef>
+          <a:fontRef idx="minor">
+            <a:schemeClr val="lt1"/>
+          </a:fontRef>
+        </p:style>
+        <p:txBody>
+          <a:bodyPr rtlCol="0" anchor="ctr"/>
+          <a:lstStyle/>
+          <a:p>
+            <a:pPr algn="ctr"/>
+            <a:r>
+              <a:rPr lang="en-US" dirty="0" smtClean="0"/>
+              <a:t>Egress</a:t>
+            </a:r>
+            <a:endParaRPr lang="en-IN" dirty="0"/>
+          </a:p>
+        </p:txBody>
+      </p:sp>
+      <p:sp>
+        <p:nvSpPr>
+          <p:cNvPr id="10" name="Rounded Rectangle 9"/>
+          <p:cNvSpPr/>
+          <p:nvPr/>
+        </p:nvSpPr>
+        <p:spPr>
+          <a:xfrm>
+            <a:off x="6685786" y="2259885"/>
+            <a:ext cx="938169" cy="503340"/>
+          </a:xfrm>
+          <a:prstGeom prst="roundRect">
+            <a:avLst/>
+          </a:prstGeom>
+        </p:spPr>
+        <p:style>
+          <a:lnRef idx="2">
+            <a:schemeClr val="accent3">
+              <a:shade val="50000"/>
+            </a:schemeClr>
+          </a:lnRef>
+          <a:fillRef idx="1">
+            <a:schemeClr val="accent3"/>
+          </a:fillRef>
+          <a:effectRef idx="0">
+            <a:schemeClr val="accent3"/>
+          </a:effectRef>
+          <a:fontRef idx="minor">
+            <a:schemeClr val="lt1"/>
+          </a:fontRef>
+        </p:style>
+        <p:txBody>
+          <a:bodyPr rtlCol="0" anchor="ctr"/>
+          <a:lstStyle/>
+          <a:p>
+            <a:pPr algn="ctr"/>
+            <a:r>
+              <a:rPr lang="en-US" dirty="0" smtClean="0"/>
+              <a:t>Transit</a:t>
+            </a:r>
+            <a:endParaRPr lang="en-IN" dirty="0"/>
+          </a:p>
+        </p:txBody>
+      </p:sp>
+      <p:sp>
+        <p:nvSpPr>
+          <p:cNvPr id="11" name="Rounded Rectangle 10"/>
+          <p:cNvSpPr/>
+          <p:nvPr/>
+        </p:nvSpPr>
+        <p:spPr>
+          <a:xfrm>
+            <a:off x="7375320" y="1845733"/>
+            <a:ext cx="938169" cy="503340"/>
+          </a:xfrm>
+          <a:prstGeom prst="roundRect">
+            <a:avLst/>
+          </a:prstGeom>
+        </p:spPr>
+        <p:style>
+          <a:lnRef idx="2">
+            <a:schemeClr val="accent4">
+              <a:shade val="50000"/>
+            </a:schemeClr>
+          </a:lnRef>
+          <a:fillRef idx="1">
+            <a:schemeClr val="accent4"/>
+          </a:fillRef>
+          <a:effectRef idx="0">
+            <a:schemeClr val="accent4"/>
+          </a:effectRef>
+          <a:fontRef idx="minor">
+            <a:schemeClr val="lt1"/>
+          </a:fontRef>
+        </p:style>
+        <p:txBody>
+          <a:bodyPr rot="0" spcFirstLastPara="0" vert="horz" wrap="square" lIns="91440" tIns="45720" rIns="91440" bIns="45720" numCol="1" spcCol="0" rtlCol="0" fromWordArt="0" anchor="ctr" anchorCtr="0" forceAA="0" compatLnSpc="1">
+            <a:prstTxWarp prst="textNoShape">
+              <a:avLst/>
+            </a:prstTxWarp>
+            <a:noAutofit/>
+          </a:bodyPr>
+          <a:lstStyle>
+            <a:defPPr>
+              <a:defRPr lang="en-US"/>
+            </a:defPPr>
+            <a:lvl1pPr marL="0" algn="l" defTabSz="457200" rtl="0" eaLnBrk="1" latinLnBrk="0" hangingPunct="1">
+              <a:defRPr sz="1800" kern="1200">
+                <a:solidFill>
+                  <a:schemeClr val="lt1"/>
+                </a:solidFill>
+                <a:latin typeface="+mn-lt"/>
+                <a:ea typeface="+mn-ea"/>
+                <a:cs typeface="+mn-cs"/>
+              </a:defRPr>
+            </a:lvl1pPr>
+            <a:lvl2pPr marL="457200" algn="l" defTabSz="457200" rtl="0" eaLnBrk="1" latinLnBrk="0" hangingPunct="1">
+              <a:defRPr sz="1800" kern="1200">
+                <a:solidFill>
+                  <a:schemeClr val="lt1"/>
+                </a:solidFill>
+                <a:latin typeface="+mn-lt"/>
+                <a:ea typeface="+mn-ea"/>
+                <a:cs typeface="+mn-cs"/>
+              </a:defRPr>
+            </a:lvl2pPr>
+            <a:lvl3pPr marL="914400" algn="l" defTabSz="457200" rtl="0" eaLnBrk="1" latinLnBrk="0" hangingPunct="1">
+              <a:defRPr sz="1800" kern="1200">
+                <a:solidFill>
+                  <a:schemeClr val="lt1"/>
+                </a:solidFill>
+                <a:latin typeface="+mn-lt"/>
+                <a:ea typeface="+mn-ea"/>
+                <a:cs typeface="+mn-cs"/>
+              </a:defRPr>
+            </a:lvl3pPr>
+            <a:lvl4pPr marL="1371600" algn="l" defTabSz="457200" rtl="0" eaLnBrk="1" latinLnBrk="0" hangingPunct="1">
+              <a:defRPr sz="1800" kern="1200">
+                <a:solidFill>
+                  <a:schemeClr val="lt1"/>
+                </a:solidFill>
+                <a:latin typeface="+mn-lt"/>
+                <a:ea typeface="+mn-ea"/>
+                <a:cs typeface="+mn-cs"/>
+              </a:defRPr>
+            </a:lvl4pPr>
+            <a:lvl5pPr marL="1828800" algn="l" defTabSz="457200" rtl="0" eaLnBrk="1" latinLnBrk="0" hangingPunct="1">
+              <a:defRPr sz="1800" kern="1200">
+                <a:solidFill>
+                  <a:schemeClr val="lt1"/>
+                </a:solidFill>
+                <a:latin typeface="+mn-lt"/>
+                <a:ea typeface="+mn-ea"/>
+                <a:cs typeface="+mn-cs"/>
+              </a:defRPr>
+            </a:lvl5pPr>
+            <a:lvl6pPr marL="2286000" algn="l" defTabSz="457200" rtl="0" eaLnBrk="1" latinLnBrk="0" hangingPunct="1">
+              <a:defRPr sz="1800" kern="1200">
+                <a:solidFill>
+                  <a:schemeClr val="lt1"/>
+                </a:solidFill>
+                <a:latin typeface="+mn-lt"/>
+                <a:ea typeface="+mn-ea"/>
+                <a:cs typeface="+mn-cs"/>
+              </a:defRPr>
+            </a:lvl6pPr>
+            <a:lvl7pPr marL="2743200" algn="l" defTabSz="457200" rtl="0" eaLnBrk="1" latinLnBrk="0" hangingPunct="1">
+              <a:defRPr sz="1800" kern="1200">
+                <a:solidFill>
+                  <a:schemeClr val="lt1"/>
+                </a:solidFill>
+                <a:latin typeface="+mn-lt"/>
+                <a:ea typeface="+mn-ea"/>
+                <a:cs typeface="+mn-cs"/>
+              </a:defRPr>
+            </a:lvl7pPr>
+            <a:lvl8pPr marL="3200400" algn="l" defTabSz="457200" rtl="0" eaLnBrk="1" latinLnBrk="0" hangingPunct="1">
+              <a:defRPr sz="1800" kern="1200">
+                <a:solidFill>
+                  <a:schemeClr val="lt1"/>
+                </a:solidFill>
+                <a:latin typeface="+mn-lt"/>
+                <a:ea typeface="+mn-ea"/>
+                <a:cs typeface="+mn-cs"/>
+              </a:defRPr>
+            </a:lvl8pPr>
+            <a:lvl9pPr marL="3657600" algn="l" defTabSz="457200" rtl="0" eaLnBrk="1" latinLnBrk="0" hangingPunct="1">
+              <a:defRPr sz="1800" kern="1200">
+                <a:solidFill>
+                  <a:schemeClr val="lt1"/>
+                </a:solidFill>
+                <a:latin typeface="+mn-lt"/>
+                <a:ea typeface="+mn-ea"/>
+                <a:cs typeface="+mn-cs"/>
+              </a:defRPr>
+            </a:lvl9pPr>
+          </a:lstStyle>
+          <a:p>
+            <a:pPr algn="ctr"/>
+            <a:r>
+              <a:rPr lang="en-US" dirty="0" smtClean="0"/>
+              <a:t>Ingress</a:t>
+            </a:r>
+            <a:endParaRPr lang="en-IN" dirty="0"/>
+          </a:p>
+        </p:txBody>
+      </p:sp>
+      <p:sp>
+        <p:nvSpPr>
+          <p:cNvPr id="12" name="Rounded Rectangle 11"/>
+          <p:cNvSpPr/>
+          <p:nvPr/>
+        </p:nvSpPr>
+        <p:spPr>
+          <a:xfrm>
+            <a:off x="11122123" y="1845733"/>
+            <a:ext cx="938169" cy="503340"/>
+          </a:xfrm>
+          <a:prstGeom prst="roundRect">
+            <a:avLst/>
+          </a:prstGeom>
+        </p:spPr>
+        <p:style>
+          <a:lnRef idx="2">
+            <a:schemeClr val="accent1">
+              <a:shade val="50000"/>
+            </a:schemeClr>
+          </a:lnRef>
+          <a:fillRef idx="1">
+            <a:schemeClr val="accent1"/>
+          </a:fillRef>
+          <a:effectRef idx="0">
+            <a:schemeClr val="accent1"/>
+          </a:effectRef>
+          <a:fontRef idx="minor">
+            <a:schemeClr val="lt1"/>
+          </a:fontRef>
+        </p:style>
+        <p:txBody>
+          <a:bodyPr rot="0" spcFirstLastPara="0" vert="horz" wrap="square" lIns="91440" tIns="45720" rIns="91440" bIns="45720" numCol="1" spcCol="0" rtlCol="0" fromWordArt="0" anchor="ctr" anchorCtr="0" forceAA="0" compatLnSpc="1">
+            <a:prstTxWarp prst="textNoShape">
+              <a:avLst/>
+            </a:prstTxWarp>
+            <a:noAutofit/>
+          </a:bodyPr>
+          <a:lstStyle>
+            <a:defPPr>
+              <a:defRPr lang="en-US"/>
+            </a:defPPr>
+            <a:lvl1pPr marL="0" algn="l" defTabSz="457200" rtl="0" eaLnBrk="1" latinLnBrk="0" hangingPunct="1">
+              <a:defRPr sz="1800" kern="1200">
+                <a:solidFill>
+                  <a:schemeClr val="lt1"/>
+                </a:solidFill>
+                <a:latin typeface="+mn-lt"/>
+                <a:ea typeface="+mn-ea"/>
+                <a:cs typeface="+mn-cs"/>
+              </a:defRPr>
+            </a:lvl1pPr>
+            <a:lvl2pPr marL="457200" algn="l" defTabSz="457200" rtl="0" eaLnBrk="1" latinLnBrk="0" hangingPunct="1">
+              <a:defRPr sz="1800" kern="1200">
+                <a:solidFill>
+                  <a:schemeClr val="lt1"/>
+                </a:solidFill>
+                <a:latin typeface="+mn-lt"/>
+                <a:ea typeface="+mn-ea"/>
+                <a:cs typeface="+mn-cs"/>
+              </a:defRPr>
+            </a:lvl2pPr>
+            <a:lvl3pPr marL="914400" algn="l" defTabSz="457200" rtl="0" eaLnBrk="1" latinLnBrk="0" hangingPunct="1">
+              <a:defRPr sz="1800" kern="1200">
+                <a:solidFill>
+                  <a:schemeClr val="lt1"/>
+                </a:solidFill>
+                <a:latin typeface="+mn-lt"/>
+                <a:ea typeface="+mn-ea"/>
+                <a:cs typeface="+mn-cs"/>
+              </a:defRPr>
+            </a:lvl3pPr>
+            <a:lvl4pPr marL="1371600" algn="l" defTabSz="457200" rtl="0" eaLnBrk="1" latinLnBrk="0" hangingPunct="1">
+              <a:defRPr sz="1800" kern="1200">
+                <a:solidFill>
+                  <a:schemeClr val="lt1"/>
+                </a:solidFill>
+                <a:latin typeface="+mn-lt"/>
+                <a:ea typeface="+mn-ea"/>
+                <a:cs typeface="+mn-cs"/>
+              </a:defRPr>
+            </a:lvl4pPr>
+            <a:lvl5pPr marL="1828800" algn="l" defTabSz="457200" rtl="0" eaLnBrk="1" latinLnBrk="0" hangingPunct="1">
+              <a:defRPr sz="1800" kern="1200">
+                <a:solidFill>
+                  <a:schemeClr val="lt1"/>
+                </a:solidFill>
+                <a:latin typeface="+mn-lt"/>
+                <a:ea typeface="+mn-ea"/>
+                <a:cs typeface="+mn-cs"/>
+              </a:defRPr>
+            </a:lvl5pPr>
+            <a:lvl6pPr marL="2286000" algn="l" defTabSz="457200" rtl="0" eaLnBrk="1" latinLnBrk="0" hangingPunct="1">
+              <a:defRPr sz="1800" kern="1200">
+                <a:solidFill>
+                  <a:schemeClr val="lt1"/>
+                </a:solidFill>
+                <a:latin typeface="+mn-lt"/>
+                <a:ea typeface="+mn-ea"/>
+                <a:cs typeface="+mn-cs"/>
+              </a:defRPr>
+            </a:lvl6pPr>
+            <a:lvl7pPr marL="2743200" algn="l" defTabSz="457200" rtl="0" eaLnBrk="1" latinLnBrk="0" hangingPunct="1">
+              <a:defRPr sz="1800" kern="1200">
+                <a:solidFill>
+                  <a:schemeClr val="lt1"/>
+                </a:solidFill>
+                <a:latin typeface="+mn-lt"/>
+                <a:ea typeface="+mn-ea"/>
+                <a:cs typeface="+mn-cs"/>
+              </a:defRPr>
+            </a:lvl7pPr>
+            <a:lvl8pPr marL="3200400" algn="l" defTabSz="457200" rtl="0" eaLnBrk="1" latinLnBrk="0" hangingPunct="1">
+              <a:defRPr sz="1800" kern="1200">
+                <a:solidFill>
+                  <a:schemeClr val="lt1"/>
+                </a:solidFill>
+                <a:latin typeface="+mn-lt"/>
+                <a:ea typeface="+mn-ea"/>
+                <a:cs typeface="+mn-cs"/>
+              </a:defRPr>
+            </a:lvl8pPr>
+            <a:lvl9pPr marL="3657600" algn="l" defTabSz="457200" rtl="0" eaLnBrk="1" latinLnBrk="0" hangingPunct="1">
+              <a:defRPr sz="1800" kern="1200">
+                <a:solidFill>
+                  <a:schemeClr val="lt1"/>
+                </a:solidFill>
+                <a:latin typeface="+mn-lt"/>
+                <a:ea typeface="+mn-ea"/>
+                <a:cs typeface="+mn-cs"/>
+              </a:defRPr>
+            </a:lvl9pPr>
+          </a:lstStyle>
+          <a:p>
+            <a:pPr algn="ctr"/>
+            <a:r>
+              <a:rPr lang="en-US" dirty="0" smtClean="0"/>
+              <a:t>PCE</a:t>
+            </a:r>
+            <a:endParaRPr lang="en-IN" dirty="0"/>
+          </a:p>
+        </p:txBody>
+      </p:sp>
+      <p:cxnSp>
+        <p:nvCxnSpPr>
+          <p:cNvPr id="7" name="Straight Connector 6"/>
+          <p:cNvCxnSpPr>
+            <a:stCxn id="12" idx="2"/>
+          </p:cNvCxnSpPr>
+          <p:nvPr/>
+        </p:nvCxnSpPr>
+        <p:spPr>
+          <a:xfrm flipH="1">
+            <a:off x="11591207" y="2349073"/>
+            <a:ext cx="1" cy="3825224"/>
+          </a:xfrm>
+          <a:prstGeom prst="line">
+            <a:avLst/>
+          </a:prstGeom>
+        </p:spPr>
+        <p:style>
+          <a:lnRef idx="1">
+            <a:schemeClr val="accent1"/>
+          </a:lnRef>
+          <a:fillRef idx="0">
+            <a:schemeClr val="accent1"/>
+          </a:fillRef>
+          <a:effectRef idx="0">
+            <a:schemeClr val="accent1"/>
+          </a:effectRef>
+          <a:fontRef idx="minor">
+            <a:schemeClr val="tx1"/>
+          </a:fontRef>
+        </p:style>
+      </p:cxnSp>
+      <p:cxnSp>
+        <p:nvCxnSpPr>
+          <p:cNvPr id="14" name="Straight Connector 13"/>
+          <p:cNvCxnSpPr/>
+          <p:nvPr/>
+        </p:nvCxnSpPr>
+        <p:spPr>
+          <a:xfrm flipH="1">
+            <a:off x="7844403" y="2328051"/>
+            <a:ext cx="1" cy="3825224"/>
+          </a:xfrm>
+          <a:prstGeom prst="line">
+            <a:avLst/>
+          </a:prstGeom>
+        </p:spPr>
+        <p:style>
+          <a:lnRef idx="1">
+            <a:schemeClr val="accent1"/>
+          </a:lnRef>
+          <a:fillRef idx="0">
+            <a:schemeClr val="accent1"/>
+          </a:fillRef>
+          <a:effectRef idx="0">
+            <a:schemeClr val="accent1"/>
+          </a:effectRef>
+          <a:fontRef idx="minor">
+            <a:schemeClr val="tx1"/>
+          </a:fontRef>
+        </p:style>
+      </p:cxnSp>
+      <p:cxnSp>
+        <p:nvCxnSpPr>
+          <p:cNvPr id="15" name="Straight Connector 14"/>
+          <p:cNvCxnSpPr>
+            <a:stCxn id="10" idx="2"/>
+          </p:cNvCxnSpPr>
+          <p:nvPr/>
+        </p:nvCxnSpPr>
+        <p:spPr>
+          <a:xfrm>
+            <a:off x="7154871" y="2763225"/>
+            <a:ext cx="18526" cy="3390050"/>
+          </a:xfrm>
+          <a:prstGeom prst="line">
+            <a:avLst/>
+          </a:prstGeom>
+        </p:spPr>
+        <p:style>
+          <a:lnRef idx="1">
+            <a:schemeClr val="accent1"/>
+          </a:lnRef>
+          <a:fillRef idx="0">
+            <a:schemeClr val="accent1"/>
+          </a:fillRef>
+          <a:effectRef idx="0">
+            <a:schemeClr val="accent1"/>
+          </a:effectRef>
+          <a:fontRef idx="minor">
+            <a:schemeClr val="tx1"/>
+          </a:fontRef>
+        </p:style>
+      </p:cxnSp>
+      <p:cxnSp>
+        <p:nvCxnSpPr>
+          <p:cNvPr id="19" name="Straight Connector 18"/>
+          <p:cNvCxnSpPr/>
+          <p:nvPr/>
+        </p:nvCxnSpPr>
+        <p:spPr>
+          <a:xfrm>
+            <a:off x="6504117" y="3177377"/>
+            <a:ext cx="15527" cy="2975898"/>
+          </a:xfrm>
+          <a:prstGeom prst="line">
+            <a:avLst/>
+          </a:prstGeom>
+        </p:spPr>
+        <p:style>
+          <a:lnRef idx="1">
+            <a:schemeClr val="accent1"/>
+          </a:lnRef>
+          <a:fillRef idx="0">
+            <a:schemeClr val="accent1"/>
+          </a:fillRef>
+          <a:effectRef idx="0">
+            <a:schemeClr val="accent1"/>
+          </a:effectRef>
+          <a:fontRef idx="minor">
+            <a:schemeClr val="tx1"/>
+          </a:fontRef>
+        </p:style>
+      </p:cxnSp>
+      <p:cxnSp>
+        <p:nvCxnSpPr>
+          <p:cNvPr id="22" name="Straight Arrow Connector 21"/>
+          <p:cNvCxnSpPr/>
+          <p:nvPr/>
+        </p:nvCxnSpPr>
+        <p:spPr>
+          <a:xfrm>
+            <a:off x="7844403" y="2674037"/>
+            <a:ext cx="3746804" cy="0"/>
+          </a:xfrm>
+          <a:prstGeom prst="straightConnector1">
+            <a:avLst/>
+          </a:prstGeom>
+          <a:ln>
+            <a:tailEnd type="triangle"/>
+          </a:ln>
+        </p:spPr>
+        <p:style>
+          <a:lnRef idx="1">
+            <a:schemeClr val="accent1"/>
+          </a:lnRef>
+          <a:fillRef idx="0">
+            <a:schemeClr val="accent1"/>
+          </a:fillRef>
+          <a:effectRef idx="0">
+            <a:schemeClr val="accent1"/>
+          </a:effectRef>
+          <a:fontRef idx="minor">
+            <a:schemeClr val="tx1"/>
+          </a:fontRef>
+        </p:style>
+      </p:cxnSp>
+      <p:cxnSp>
+        <p:nvCxnSpPr>
+          <p:cNvPr id="24" name="Straight Arrow Connector 23"/>
+          <p:cNvCxnSpPr/>
+          <p:nvPr/>
+        </p:nvCxnSpPr>
+        <p:spPr>
+          <a:xfrm flipH="1">
+            <a:off x="6504117" y="3429000"/>
+            <a:ext cx="5087090" cy="0"/>
+          </a:xfrm>
+          <a:prstGeom prst="straightConnector1">
+            <a:avLst/>
+          </a:prstGeom>
+          <a:ln>
+            <a:tailEnd type="triangle"/>
+          </a:ln>
+        </p:spPr>
+        <p:style>
+          <a:lnRef idx="1">
+            <a:schemeClr val="accent1"/>
+          </a:lnRef>
+          <a:fillRef idx="0">
+            <a:schemeClr val="accent1"/>
+          </a:fillRef>
+          <a:effectRef idx="0">
+            <a:schemeClr val="accent1"/>
+          </a:effectRef>
+          <a:fontRef idx="minor">
+            <a:schemeClr val="tx1"/>
+          </a:fontRef>
+        </p:style>
+      </p:cxnSp>
+      <p:cxnSp>
+        <p:nvCxnSpPr>
+          <p:cNvPr id="26" name="Straight Arrow Connector 25"/>
+          <p:cNvCxnSpPr/>
+          <p:nvPr/>
+        </p:nvCxnSpPr>
+        <p:spPr>
+          <a:xfrm>
+            <a:off x="6504117" y="3647552"/>
+            <a:ext cx="5087090" cy="10048"/>
+          </a:xfrm>
+          <a:prstGeom prst="straightConnector1">
+            <a:avLst/>
+          </a:prstGeom>
+          <a:ln>
+            <a:tailEnd type="triangle"/>
+          </a:ln>
+        </p:spPr>
+        <p:style>
+          <a:lnRef idx="1">
+            <a:schemeClr val="accent1"/>
+          </a:lnRef>
+          <a:fillRef idx="0">
+            <a:schemeClr val="accent1"/>
+          </a:fillRef>
+          <a:effectRef idx="0">
+            <a:schemeClr val="accent1"/>
+          </a:effectRef>
+          <a:fontRef idx="minor">
+            <a:schemeClr val="tx1"/>
+          </a:fontRef>
+        </p:style>
+      </p:cxnSp>
+      <p:cxnSp>
+        <p:nvCxnSpPr>
+          <p:cNvPr id="27" name="Straight Arrow Connector 26"/>
+          <p:cNvCxnSpPr/>
+          <p:nvPr/>
+        </p:nvCxnSpPr>
+        <p:spPr>
+          <a:xfrm flipH="1" flipV="1">
+            <a:off x="7173397" y="4139921"/>
+            <a:ext cx="4417810" cy="24284"/>
+          </a:xfrm>
+          <a:prstGeom prst="straightConnector1">
+            <a:avLst/>
+          </a:prstGeom>
+          <a:ln>
+            <a:tailEnd type="triangle"/>
+          </a:ln>
+        </p:spPr>
+        <p:style>
+          <a:lnRef idx="1">
+            <a:schemeClr val="accent1"/>
+          </a:lnRef>
+          <a:fillRef idx="0">
+            <a:schemeClr val="accent1"/>
+          </a:fillRef>
+          <a:effectRef idx="0">
+            <a:schemeClr val="accent1"/>
+          </a:effectRef>
+          <a:fontRef idx="minor">
+            <a:schemeClr val="tx1"/>
+          </a:fontRef>
+        </p:style>
+      </p:cxnSp>
+      <p:cxnSp>
+        <p:nvCxnSpPr>
+          <p:cNvPr id="29" name="Straight Arrow Connector 28"/>
+          <p:cNvCxnSpPr/>
+          <p:nvPr/>
+        </p:nvCxnSpPr>
+        <p:spPr>
+          <a:xfrm>
+            <a:off x="7173397" y="4413256"/>
+            <a:ext cx="4417810" cy="15767"/>
+          </a:xfrm>
+          <a:prstGeom prst="straightConnector1">
+            <a:avLst/>
+          </a:prstGeom>
+          <a:ln>
+            <a:tailEnd type="triangle"/>
+          </a:ln>
+        </p:spPr>
+        <p:style>
+          <a:lnRef idx="1">
+            <a:schemeClr val="accent1"/>
+          </a:lnRef>
+          <a:fillRef idx="0">
+            <a:schemeClr val="accent1"/>
+          </a:fillRef>
+          <a:effectRef idx="0">
+            <a:schemeClr val="accent1"/>
+          </a:effectRef>
+          <a:fontRef idx="minor">
+            <a:schemeClr val="tx1"/>
+          </a:fontRef>
+        </p:style>
+      </p:cxnSp>
+      <p:cxnSp>
+        <p:nvCxnSpPr>
+          <p:cNvPr id="31" name="Straight Arrow Connector 30"/>
+          <p:cNvCxnSpPr/>
+          <p:nvPr/>
+        </p:nvCxnSpPr>
+        <p:spPr>
+          <a:xfrm flipH="1" flipV="1">
+            <a:off x="7844403" y="4872348"/>
+            <a:ext cx="3746804" cy="14092"/>
+          </a:xfrm>
+          <a:prstGeom prst="straightConnector1">
+            <a:avLst/>
+          </a:prstGeom>
+          <a:ln>
+            <a:tailEnd type="triangle"/>
+          </a:ln>
+        </p:spPr>
+        <p:style>
+          <a:lnRef idx="1">
+            <a:schemeClr val="accent1"/>
+          </a:lnRef>
+          <a:fillRef idx="0">
+            <a:schemeClr val="accent1"/>
+          </a:fillRef>
+          <a:effectRef idx="0">
+            <a:schemeClr val="accent1"/>
+          </a:effectRef>
+          <a:fontRef idx="minor">
+            <a:schemeClr val="tx1"/>
+          </a:fontRef>
+        </p:style>
+      </p:cxnSp>
+      <p:cxnSp>
+        <p:nvCxnSpPr>
+          <p:cNvPr id="34" name="Straight Arrow Connector 33"/>
+          <p:cNvCxnSpPr/>
+          <p:nvPr/>
+        </p:nvCxnSpPr>
+        <p:spPr>
+          <a:xfrm flipV="1">
+            <a:off x="7844403" y="5071162"/>
+            <a:ext cx="3746804" cy="8160"/>
+          </a:xfrm>
+          <a:prstGeom prst="straightConnector1">
+            <a:avLst/>
+          </a:prstGeom>
+          <a:ln>
+            <a:tailEnd type="triangle"/>
+          </a:ln>
+        </p:spPr>
+        <p:style>
+          <a:lnRef idx="1">
+            <a:schemeClr val="accent1"/>
+          </a:lnRef>
+          <a:fillRef idx="0">
+            <a:schemeClr val="accent1"/>
+          </a:fillRef>
+          <a:effectRef idx="0">
+            <a:schemeClr val="accent1"/>
+          </a:effectRef>
+          <a:fontRef idx="minor">
+            <a:schemeClr val="tx1"/>
+          </a:fontRef>
+        </p:style>
+      </p:cxnSp>
+      <p:cxnSp>
+        <p:nvCxnSpPr>
+          <p:cNvPr id="38" name="Straight Arrow Connector 37"/>
+          <p:cNvCxnSpPr/>
+          <p:nvPr/>
+        </p:nvCxnSpPr>
+        <p:spPr>
+          <a:xfrm flipH="1" flipV="1">
+            <a:off x="7844403" y="5612498"/>
+            <a:ext cx="3746804" cy="14092"/>
+          </a:xfrm>
+          <a:prstGeom prst="straightConnector1">
+            <a:avLst/>
+          </a:prstGeom>
+          <a:ln>
+            <a:tailEnd type="triangle"/>
+          </a:ln>
+        </p:spPr>
+        <p:style>
+          <a:lnRef idx="1">
+            <a:schemeClr val="accent1"/>
+          </a:lnRef>
+          <a:fillRef idx="0">
+            <a:schemeClr val="accent1"/>
+          </a:fillRef>
+          <a:effectRef idx="0">
+            <a:schemeClr val="accent1"/>
+          </a:effectRef>
+          <a:fontRef idx="minor">
+            <a:schemeClr val="tx1"/>
+          </a:fontRef>
+        </p:style>
+      </p:cxnSp>
+      <p:sp>
+        <p:nvSpPr>
+          <p:cNvPr id="39" name="TextBox 38"/>
+          <p:cNvSpPr txBox="1"/>
+          <p:nvPr/>
+        </p:nvSpPr>
+        <p:spPr>
+          <a:xfrm>
+            <a:off x="8400422" y="2329732"/>
+            <a:ext cx="2755258" cy="369332"/>
+          </a:xfrm>
+          <a:prstGeom prst="rect">
+            <a:avLst/>
+          </a:prstGeom>
+          <a:noFill/>
+        </p:spPr>
+        <p:txBody>
+          <a:bodyPr wrap="square" rtlCol="0">
+            <a:spAutoFit/>
+          </a:bodyPr>
+          <a:lstStyle/>
+          <a:p>
+            <a:r>
+              <a:rPr lang="en-US" dirty="0" err="1" smtClean="0"/>
+              <a:t>PCRpt</a:t>
+            </a:r>
+            <a:r>
+              <a:rPr lang="en-US" dirty="0" smtClean="0"/>
+              <a:t>, PLSP-ID=1,PST,D=1</a:t>
+            </a:r>
+            <a:endParaRPr lang="en-IN" dirty="0"/>
+          </a:p>
+        </p:txBody>
+      </p:sp>
+      <p:sp>
+        <p:nvSpPr>
+          <p:cNvPr id="40" name="TextBox 39"/>
+          <p:cNvSpPr txBox="1"/>
+          <p:nvPr/>
+        </p:nvSpPr>
+        <p:spPr>
+          <a:xfrm>
+            <a:off x="11676185" y="2592475"/>
+            <a:ext cx="515815" cy="400110"/>
+          </a:xfrm>
+          <a:prstGeom prst="rect">
+            <a:avLst/>
+          </a:prstGeom>
+          <a:noFill/>
+        </p:spPr>
+        <p:txBody>
+          <a:bodyPr wrap="square" rtlCol="0">
+            <a:spAutoFit/>
+          </a:bodyPr>
+          <a:lstStyle/>
+          <a:p>
+            <a:r>
+              <a:rPr lang="en-US" sz="1000" dirty="0" smtClean="0"/>
+              <a:t>PCECC LSP</a:t>
+            </a:r>
+            <a:endParaRPr lang="en-IN" sz="1000" dirty="0"/>
+          </a:p>
+        </p:txBody>
+      </p:sp>
+      <p:sp>
+        <p:nvSpPr>
+          <p:cNvPr id="41" name="TextBox 40"/>
+          <p:cNvSpPr txBox="1"/>
+          <p:nvPr/>
+        </p:nvSpPr>
+        <p:spPr>
+          <a:xfrm>
+            <a:off x="7844402" y="3045115"/>
+            <a:ext cx="3075797" cy="369332"/>
+          </a:xfrm>
+          <a:prstGeom prst="rect">
+            <a:avLst/>
+          </a:prstGeom>
+          <a:noFill/>
+        </p:spPr>
+        <p:txBody>
+          <a:bodyPr wrap="square" rtlCol="0">
+            <a:spAutoFit/>
+          </a:bodyPr>
+          <a:lstStyle/>
+          <a:p>
+            <a:r>
+              <a:rPr lang="en-US" dirty="0" err="1" smtClean="0"/>
+              <a:t>PCInitiate</a:t>
+            </a:r>
+            <a:r>
+              <a:rPr lang="en-US" dirty="0" smtClean="0"/>
+              <a:t>, CC-ID=X, PLSP-ID=1</a:t>
+            </a:r>
+            <a:endParaRPr lang="en-IN" dirty="0"/>
+          </a:p>
+        </p:txBody>
+      </p:sp>
+      <p:sp>
+        <p:nvSpPr>
+          <p:cNvPr id="42" name="TextBox 41"/>
+          <p:cNvSpPr txBox="1"/>
+          <p:nvPr/>
+        </p:nvSpPr>
+        <p:spPr>
+          <a:xfrm>
+            <a:off x="6504116" y="3663482"/>
+            <a:ext cx="515815" cy="246221"/>
+          </a:xfrm>
+          <a:prstGeom prst="rect">
+            <a:avLst/>
+          </a:prstGeom>
+          <a:noFill/>
+        </p:spPr>
+        <p:txBody>
+          <a:bodyPr wrap="square" rtlCol="0">
+            <a:spAutoFit/>
+          </a:bodyPr>
+          <a:lstStyle/>
+          <a:p>
+            <a:r>
+              <a:rPr lang="en-US" sz="1000" dirty="0" err="1" smtClean="0"/>
+              <a:t>PCRpt</a:t>
+            </a:r>
+            <a:endParaRPr lang="en-IN" sz="1000" dirty="0"/>
+          </a:p>
+        </p:txBody>
+      </p:sp>
+      <p:sp>
+        <p:nvSpPr>
+          <p:cNvPr id="43" name="TextBox 42"/>
+          <p:cNvSpPr txBox="1"/>
+          <p:nvPr/>
+        </p:nvSpPr>
+        <p:spPr>
+          <a:xfrm>
+            <a:off x="7844402" y="3770586"/>
+            <a:ext cx="3075797" cy="369332"/>
+          </a:xfrm>
+          <a:prstGeom prst="rect">
+            <a:avLst/>
+          </a:prstGeom>
+          <a:noFill/>
+        </p:spPr>
+        <p:txBody>
+          <a:bodyPr wrap="square" rtlCol="0">
+            <a:spAutoFit/>
+          </a:bodyPr>
+          <a:lstStyle/>
+          <a:p>
+            <a:r>
+              <a:rPr lang="en-US" dirty="0" err="1" smtClean="0"/>
+              <a:t>PCInitiate</a:t>
+            </a:r>
+            <a:r>
+              <a:rPr lang="en-US" dirty="0" smtClean="0"/>
+              <a:t>, CC-ID=Y, PLSP-ID=1</a:t>
+            </a:r>
+            <a:endParaRPr lang="en-IN" dirty="0"/>
+          </a:p>
+        </p:txBody>
+      </p:sp>
+      <p:sp>
+        <p:nvSpPr>
+          <p:cNvPr id="44" name="TextBox 43"/>
+          <p:cNvSpPr txBox="1"/>
+          <p:nvPr/>
+        </p:nvSpPr>
+        <p:spPr>
+          <a:xfrm>
+            <a:off x="7196836" y="4429023"/>
+            <a:ext cx="515815" cy="246221"/>
+          </a:xfrm>
+          <a:prstGeom prst="rect">
+            <a:avLst/>
+          </a:prstGeom>
+          <a:noFill/>
+        </p:spPr>
+        <p:txBody>
+          <a:bodyPr wrap="square" rtlCol="0">
+            <a:spAutoFit/>
+          </a:bodyPr>
+          <a:lstStyle/>
+          <a:p>
+            <a:r>
+              <a:rPr lang="en-US" sz="1000" dirty="0" err="1" smtClean="0"/>
+              <a:t>PCRpt</a:t>
+            </a:r>
+            <a:endParaRPr lang="en-IN" sz="1000" dirty="0"/>
+          </a:p>
+        </p:txBody>
+      </p:sp>
+      <p:sp>
+        <p:nvSpPr>
+          <p:cNvPr id="45" name="TextBox 41"/>
+          <p:cNvSpPr txBox="1"/>
+          <p:nvPr/>
+        </p:nvSpPr>
+        <p:spPr>
+          <a:xfrm>
+            <a:off x="7851294" y="5106954"/>
+            <a:ext cx="515815" cy="246221"/>
+          </a:xfrm>
+          <a:prstGeom prst="rect">
+            <a:avLst/>
+          </a:prstGeom>
+          <a:noFill/>
+        </p:spPr>
+        <p:txBody>
+          <a:bodyPr wrap="square" rtlCol="0">
+            <a:spAutoFit/>
+          </a:bodyPr>
+          <a:lstStyle>
+            <a:defPPr>
+              <a:defRPr lang="en-US"/>
+            </a:defPPr>
+            <a:lvl1pPr marL="0" algn="l" defTabSz="457200" rtl="0" eaLnBrk="1" latinLnBrk="0" hangingPunct="1">
+              <a:defRPr sz="1800" kern="1200">
+                <a:solidFill>
+                  <a:schemeClr val="tx1"/>
+                </a:solidFill>
+                <a:latin typeface="+mn-lt"/>
+                <a:ea typeface="+mn-ea"/>
+                <a:cs typeface="+mn-cs"/>
+              </a:defRPr>
+            </a:lvl1pPr>
+            <a:lvl2pPr marL="457200" algn="l" defTabSz="457200" rtl="0" eaLnBrk="1" latinLnBrk="0" hangingPunct="1">
+              <a:defRPr sz="1800" kern="1200">
+                <a:solidFill>
+                  <a:schemeClr val="tx1"/>
+                </a:solidFill>
+                <a:latin typeface="+mn-lt"/>
+                <a:ea typeface="+mn-ea"/>
+                <a:cs typeface="+mn-cs"/>
+              </a:defRPr>
+            </a:lvl2pPr>
+            <a:lvl3pPr marL="914400" algn="l" defTabSz="457200" rtl="0" eaLnBrk="1" latinLnBrk="0" hangingPunct="1">
+              <a:defRPr sz="1800" kern="1200">
+                <a:solidFill>
+                  <a:schemeClr val="tx1"/>
+                </a:solidFill>
+                <a:latin typeface="+mn-lt"/>
+                <a:ea typeface="+mn-ea"/>
+                <a:cs typeface="+mn-cs"/>
+              </a:defRPr>
+            </a:lvl3pPr>
+            <a:lvl4pPr marL="1371600" algn="l" defTabSz="457200" rtl="0" eaLnBrk="1" latinLnBrk="0" hangingPunct="1">
+              <a:defRPr sz="1800" kern="1200">
+                <a:solidFill>
+                  <a:schemeClr val="tx1"/>
+                </a:solidFill>
+                <a:latin typeface="+mn-lt"/>
+                <a:ea typeface="+mn-ea"/>
+                <a:cs typeface="+mn-cs"/>
+              </a:defRPr>
+            </a:lvl4pPr>
+            <a:lvl5pPr marL="1828800" algn="l" defTabSz="457200" rtl="0" eaLnBrk="1" latinLnBrk="0" hangingPunct="1">
+              <a:defRPr sz="1800" kern="1200">
+                <a:solidFill>
+                  <a:schemeClr val="tx1"/>
+                </a:solidFill>
+                <a:latin typeface="+mn-lt"/>
+                <a:ea typeface="+mn-ea"/>
+                <a:cs typeface="+mn-cs"/>
+              </a:defRPr>
+            </a:lvl5pPr>
+            <a:lvl6pPr marL="2286000" algn="l" defTabSz="457200" rtl="0" eaLnBrk="1" latinLnBrk="0" hangingPunct="1">
+              <a:defRPr sz="1800" kern="1200">
+                <a:solidFill>
+                  <a:schemeClr val="tx1"/>
+                </a:solidFill>
+                <a:latin typeface="+mn-lt"/>
+                <a:ea typeface="+mn-ea"/>
+                <a:cs typeface="+mn-cs"/>
+              </a:defRPr>
+            </a:lvl6pPr>
+            <a:lvl7pPr marL="2743200" algn="l" defTabSz="457200" rtl="0" eaLnBrk="1" latinLnBrk="0" hangingPunct="1">
+              <a:defRPr sz="1800" kern="1200">
+                <a:solidFill>
+                  <a:schemeClr val="tx1"/>
+                </a:solidFill>
+                <a:latin typeface="+mn-lt"/>
+                <a:ea typeface="+mn-ea"/>
+                <a:cs typeface="+mn-cs"/>
+              </a:defRPr>
+            </a:lvl7pPr>
+            <a:lvl8pPr marL="3200400" algn="l" defTabSz="457200" rtl="0" eaLnBrk="1" latinLnBrk="0" hangingPunct="1">
+              <a:defRPr sz="1800" kern="1200">
+                <a:solidFill>
+                  <a:schemeClr val="tx1"/>
+                </a:solidFill>
+                <a:latin typeface="+mn-lt"/>
+                <a:ea typeface="+mn-ea"/>
+                <a:cs typeface="+mn-cs"/>
+              </a:defRPr>
+            </a:lvl8pPr>
+            <a:lvl9pPr marL="3657600" algn="l" defTabSz="457200" rtl="0" eaLnBrk="1" latinLnBrk="0" hangingPunct="1">
+              <a:defRPr sz="1800" kern="1200">
+                <a:solidFill>
+                  <a:schemeClr val="tx1"/>
+                </a:solidFill>
+                <a:latin typeface="+mn-lt"/>
+                <a:ea typeface="+mn-ea"/>
+                <a:cs typeface="+mn-cs"/>
+              </a:defRPr>
+            </a:lvl9pPr>
+          </a:lstStyle>
+          <a:p>
+            <a:r>
+              <a:rPr lang="en-US" sz="1000" dirty="0" err="1" smtClean="0"/>
+              <a:t>PCRpt</a:t>
+            </a:r>
+            <a:endParaRPr lang="en-IN" sz="1000" dirty="0"/>
+          </a:p>
+        </p:txBody>
+      </p:sp>
+      <p:sp>
+        <p:nvSpPr>
+          <p:cNvPr id="46" name="TextBox 45"/>
+          <p:cNvSpPr txBox="1"/>
+          <p:nvPr/>
+        </p:nvSpPr>
+        <p:spPr>
+          <a:xfrm>
+            <a:off x="7858964" y="4517108"/>
+            <a:ext cx="3075797" cy="369332"/>
+          </a:xfrm>
+          <a:prstGeom prst="rect">
+            <a:avLst/>
+          </a:prstGeom>
+          <a:noFill/>
+        </p:spPr>
+        <p:txBody>
+          <a:bodyPr wrap="square" rtlCol="0">
+            <a:spAutoFit/>
+          </a:bodyPr>
+          <a:lstStyle/>
+          <a:p>
+            <a:r>
+              <a:rPr lang="en-US" dirty="0" err="1" smtClean="0"/>
+              <a:t>PCInitiate</a:t>
+            </a:r>
+            <a:r>
+              <a:rPr lang="en-US" dirty="0" smtClean="0"/>
+              <a:t>, CC-ID=Z, PLSP-ID=1</a:t>
+            </a:r>
+            <a:endParaRPr lang="en-IN" dirty="0"/>
+          </a:p>
+        </p:txBody>
+      </p:sp>
+      <p:sp>
+        <p:nvSpPr>
+          <p:cNvPr id="47" name="TextBox 46"/>
+          <p:cNvSpPr txBox="1"/>
+          <p:nvPr/>
+        </p:nvSpPr>
+        <p:spPr>
+          <a:xfrm rot="16200000">
+            <a:off x="10966169" y="4044733"/>
+            <a:ext cx="1816239" cy="584775"/>
+          </a:xfrm>
+          <a:prstGeom prst="rect">
+            <a:avLst/>
+          </a:prstGeom>
+          <a:noFill/>
+        </p:spPr>
+        <p:txBody>
+          <a:bodyPr wrap="square" rtlCol="0">
+            <a:spAutoFit/>
+          </a:bodyPr>
+          <a:lstStyle/>
+          <a:p>
+            <a:pPr algn="ctr"/>
+            <a:r>
+              <a:rPr lang="en-US" sz="1600" dirty="0" smtClean="0"/>
+              <a:t>Label Download</a:t>
+            </a:r>
+          </a:p>
+          <a:p>
+            <a:pPr algn="ctr"/>
+            <a:r>
+              <a:rPr lang="en-US" sz="1600" dirty="0"/>
+              <a:t>a</a:t>
+            </a:r>
+            <a:r>
+              <a:rPr lang="en-US" sz="1600" dirty="0" smtClean="0"/>
+              <a:t>long the path</a:t>
+            </a:r>
+            <a:endParaRPr lang="en-IN" sz="1600" dirty="0"/>
+          </a:p>
+        </p:txBody>
+      </p:sp>
+      <p:sp>
+        <p:nvSpPr>
+          <p:cNvPr id="48" name="TextBox 47"/>
+          <p:cNvSpPr txBox="1"/>
+          <p:nvPr/>
+        </p:nvSpPr>
+        <p:spPr>
+          <a:xfrm>
+            <a:off x="7858964" y="5275097"/>
+            <a:ext cx="3075797" cy="369332"/>
+          </a:xfrm>
+          <a:prstGeom prst="rect">
+            <a:avLst/>
+          </a:prstGeom>
+          <a:noFill/>
+        </p:spPr>
+        <p:txBody>
+          <a:bodyPr wrap="square" rtlCol="0">
+            <a:spAutoFit/>
+          </a:bodyPr>
+          <a:lstStyle/>
+          <a:p>
+            <a:r>
+              <a:rPr lang="en-US" dirty="0" err="1" smtClean="0"/>
+              <a:t>PCUpd</a:t>
+            </a:r>
+            <a:r>
+              <a:rPr lang="en-US" dirty="0" smtClean="0"/>
+              <a:t>, PLSP-ID=1,PST,D=1</a:t>
+            </a:r>
+            <a:endParaRPr lang="en-IN" dirty="0"/>
+          </a:p>
+        </p:txBody>
+      </p:sp>
+      <p:cxnSp>
+        <p:nvCxnSpPr>
+          <p:cNvPr id="49" name="Straight Arrow Connector 48"/>
+          <p:cNvCxnSpPr/>
+          <p:nvPr/>
+        </p:nvCxnSpPr>
+        <p:spPr>
+          <a:xfrm flipV="1">
+            <a:off x="7844403" y="5848355"/>
+            <a:ext cx="3746804" cy="8160"/>
+          </a:xfrm>
+          <a:prstGeom prst="straightConnector1">
+            <a:avLst/>
+          </a:prstGeom>
+          <a:ln>
+            <a:tailEnd type="triangle"/>
+          </a:ln>
+        </p:spPr>
+        <p:style>
+          <a:lnRef idx="1">
+            <a:schemeClr val="accent1"/>
+          </a:lnRef>
+          <a:fillRef idx="0">
+            <a:schemeClr val="accent1"/>
+          </a:fillRef>
+          <a:effectRef idx="0">
+            <a:schemeClr val="accent1"/>
+          </a:effectRef>
+          <a:fontRef idx="minor">
+            <a:schemeClr val="tx1"/>
+          </a:fontRef>
+        </p:style>
+      </p:cxnSp>
+      <p:sp>
+        <p:nvSpPr>
+          <p:cNvPr id="50" name="TextBox 41"/>
+          <p:cNvSpPr txBox="1"/>
+          <p:nvPr/>
+        </p:nvSpPr>
+        <p:spPr>
+          <a:xfrm>
+            <a:off x="7851294" y="5884147"/>
+            <a:ext cx="515815" cy="246221"/>
+          </a:xfrm>
+          <a:prstGeom prst="rect">
+            <a:avLst/>
+          </a:prstGeom>
+          <a:noFill/>
+        </p:spPr>
+        <p:txBody>
+          <a:bodyPr wrap="square" rtlCol="0">
+            <a:spAutoFit/>
+          </a:bodyPr>
+          <a:lstStyle>
+            <a:defPPr>
+              <a:defRPr lang="en-US"/>
+            </a:defPPr>
+            <a:lvl1pPr marL="0" algn="l" defTabSz="457200" rtl="0" eaLnBrk="1" latinLnBrk="0" hangingPunct="1">
+              <a:defRPr sz="1800" kern="1200">
+                <a:solidFill>
+                  <a:schemeClr val="tx1"/>
+                </a:solidFill>
+                <a:latin typeface="+mn-lt"/>
+                <a:ea typeface="+mn-ea"/>
+                <a:cs typeface="+mn-cs"/>
+              </a:defRPr>
+            </a:lvl1pPr>
+            <a:lvl2pPr marL="457200" algn="l" defTabSz="457200" rtl="0" eaLnBrk="1" latinLnBrk="0" hangingPunct="1">
+              <a:defRPr sz="1800" kern="1200">
+                <a:solidFill>
+                  <a:schemeClr val="tx1"/>
+                </a:solidFill>
+                <a:latin typeface="+mn-lt"/>
+                <a:ea typeface="+mn-ea"/>
+                <a:cs typeface="+mn-cs"/>
+              </a:defRPr>
+            </a:lvl2pPr>
+            <a:lvl3pPr marL="914400" algn="l" defTabSz="457200" rtl="0" eaLnBrk="1" latinLnBrk="0" hangingPunct="1">
+              <a:defRPr sz="1800" kern="1200">
+                <a:solidFill>
+                  <a:schemeClr val="tx1"/>
+                </a:solidFill>
+                <a:latin typeface="+mn-lt"/>
+                <a:ea typeface="+mn-ea"/>
+                <a:cs typeface="+mn-cs"/>
+              </a:defRPr>
+            </a:lvl3pPr>
+            <a:lvl4pPr marL="1371600" algn="l" defTabSz="457200" rtl="0" eaLnBrk="1" latinLnBrk="0" hangingPunct="1">
+              <a:defRPr sz="1800" kern="1200">
+                <a:solidFill>
+                  <a:schemeClr val="tx1"/>
+                </a:solidFill>
+                <a:latin typeface="+mn-lt"/>
+                <a:ea typeface="+mn-ea"/>
+                <a:cs typeface="+mn-cs"/>
+              </a:defRPr>
+            </a:lvl4pPr>
+            <a:lvl5pPr marL="1828800" algn="l" defTabSz="457200" rtl="0" eaLnBrk="1" latinLnBrk="0" hangingPunct="1">
+              <a:defRPr sz="1800" kern="1200">
+                <a:solidFill>
+                  <a:schemeClr val="tx1"/>
+                </a:solidFill>
+                <a:latin typeface="+mn-lt"/>
+                <a:ea typeface="+mn-ea"/>
+                <a:cs typeface="+mn-cs"/>
+              </a:defRPr>
+            </a:lvl5pPr>
+            <a:lvl6pPr marL="2286000" algn="l" defTabSz="457200" rtl="0" eaLnBrk="1" latinLnBrk="0" hangingPunct="1">
+              <a:defRPr sz="1800" kern="1200">
+                <a:solidFill>
+                  <a:schemeClr val="tx1"/>
+                </a:solidFill>
+                <a:latin typeface="+mn-lt"/>
+                <a:ea typeface="+mn-ea"/>
+                <a:cs typeface="+mn-cs"/>
+              </a:defRPr>
+            </a:lvl6pPr>
+            <a:lvl7pPr marL="2743200" algn="l" defTabSz="457200" rtl="0" eaLnBrk="1" latinLnBrk="0" hangingPunct="1">
+              <a:defRPr sz="1800" kern="1200">
+                <a:solidFill>
+                  <a:schemeClr val="tx1"/>
+                </a:solidFill>
+                <a:latin typeface="+mn-lt"/>
+                <a:ea typeface="+mn-ea"/>
+                <a:cs typeface="+mn-cs"/>
+              </a:defRPr>
+            </a:lvl7pPr>
+            <a:lvl8pPr marL="3200400" algn="l" defTabSz="457200" rtl="0" eaLnBrk="1" latinLnBrk="0" hangingPunct="1">
+              <a:defRPr sz="1800" kern="1200">
+                <a:solidFill>
+                  <a:schemeClr val="tx1"/>
+                </a:solidFill>
+                <a:latin typeface="+mn-lt"/>
+                <a:ea typeface="+mn-ea"/>
+                <a:cs typeface="+mn-cs"/>
+              </a:defRPr>
+            </a:lvl8pPr>
+            <a:lvl9pPr marL="3657600" algn="l" defTabSz="457200" rtl="0" eaLnBrk="1" latinLnBrk="0" hangingPunct="1">
+              <a:defRPr sz="1800" kern="1200">
+                <a:solidFill>
+                  <a:schemeClr val="tx1"/>
+                </a:solidFill>
+                <a:latin typeface="+mn-lt"/>
+                <a:ea typeface="+mn-ea"/>
+                <a:cs typeface="+mn-cs"/>
+              </a:defRPr>
+            </a:lvl9pPr>
+          </a:lstStyle>
+          <a:p>
+            <a:r>
+              <a:rPr lang="en-US" sz="1000" dirty="0" err="1" smtClean="0"/>
+              <a:t>PCRpt</a:t>
+            </a:r>
+            <a:endParaRPr lang="en-IN" sz="1000" dirty="0"/>
+          </a:p>
+        </p:txBody>
+      </p:sp>
     </p:spTree>
     <p:extLst>
       <p:ext uri="{BB962C8B-B14F-4D97-AF65-F5344CB8AC3E}">
-        <p14:creationId xmlns:p14="http://schemas.microsoft.com/office/powerpoint/2010/main" val="2105493241"/>
+        <p14:creationId xmlns:p14="http://schemas.microsoft.com/office/powerpoint/2010/main" val="1448789651"/>
       </p:ext>
     </p:extLst>
   </p:cSld>
@@ -15969,30 +17347,6 @@
           </a:p>
         </p:txBody>
       </p:sp>
-      <p:pic>
-        <p:nvPicPr>
-          <p:cNvPr id="4" name="Picture 3"/>
-          <p:cNvPicPr>
-            <a:picLocks noChangeAspect="1"/>
-          </p:cNvPicPr>
-          <p:nvPr/>
-        </p:nvPicPr>
-        <p:blipFill>
-          <a:blip r:embed="rId2"/>
-          <a:stretch>
-            <a:fillRect/>
-          </a:stretch>
-        </p:blipFill>
-        <p:spPr>
-          <a:xfrm>
-            <a:off x="6518610" y="1845733"/>
-            <a:ext cx="5314950" cy="4819650"/>
-          </a:xfrm>
-          <a:prstGeom prst="rect">
-            <a:avLst/>
-          </a:prstGeom>
-        </p:spPr>
-      </p:pic>
       <p:sp>
         <p:nvSpPr>
           <p:cNvPr id="6" name="Footer Placeholder 5"/>
@@ -16039,10 +17393,1493 @@
           </a:p>
         </p:txBody>
       </p:sp>
+      <p:sp>
+        <p:nvSpPr>
+          <p:cNvPr id="8" name="Rounded Rectangle 7"/>
+          <p:cNvSpPr/>
+          <p:nvPr/>
+        </p:nvSpPr>
+        <p:spPr>
+          <a:xfrm>
+            <a:off x="6096000" y="2674037"/>
+            <a:ext cx="847288" cy="503340"/>
+          </a:xfrm>
+          <a:prstGeom prst="roundRect">
+            <a:avLst/>
+          </a:prstGeom>
+        </p:spPr>
+        <p:style>
+          <a:lnRef idx="2">
+            <a:schemeClr val="accent2">
+              <a:shade val="50000"/>
+            </a:schemeClr>
+          </a:lnRef>
+          <a:fillRef idx="1">
+            <a:schemeClr val="accent2"/>
+          </a:fillRef>
+          <a:effectRef idx="0">
+            <a:schemeClr val="accent2"/>
+          </a:effectRef>
+          <a:fontRef idx="minor">
+            <a:schemeClr val="lt1"/>
+          </a:fontRef>
+        </p:style>
+        <p:txBody>
+          <a:bodyPr rtlCol="0" anchor="ctr"/>
+          <a:lstStyle/>
+          <a:p>
+            <a:pPr algn="ctr"/>
+            <a:r>
+              <a:rPr lang="en-US" dirty="0" smtClean="0"/>
+              <a:t>Egress</a:t>
+            </a:r>
+            <a:endParaRPr lang="en-IN" dirty="0"/>
+          </a:p>
+        </p:txBody>
+      </p:sp>
+      <p:sp>
+        <p:nvSpPr>
+          <p:cNvPr id="9" name="Rounded Rectangle 8"/>
+          <p:cNvSpPr/>
+          <p:nvPr/>
+        </p:nvSpPr>
+        <p:spPr>
+          <a:xfrm>
+            <a:off x="6685786" y="2259885"/>
+            <a:ext cx="938169" cy="503340"/>
+          </a:xfrm>
+          <a:prstGeom prst="roundRect">
+            <a:avLst/>
+          </a:prstGeom>
+        </p:spPr>
+        <p:style>
+          <a:lnRef idx="2">
+            <a:schemeClr val="accent3">
+              <a:shade val="50000"/>
+            </a:schemeClr>
+          </a:lnRef>
+          <a:fillRef idx="1">
+            <a:schemeClr val="accent3"/>
+          </a:fillRef>
+          <a:effectRef idx="0">
+            <a:schemeClr val="accent3"/>
+          </a:effectRef>
+          <a:fontRef idx="minor">
+            <a:schemeClr val="lt1"/>
+          </a:fontRef>
+        </p:style>
+        <p:txBody>
+          <a:bodyPr rtlCol="0" anchor="ctr"/>
+          <a:lstStyle/>
+          <a:p>
+            <a:pPr algn="ctr"/>
+            <a:r>
+              <a:rPr lang="en-US" dirty="0" smtClean="0"/>
+              <a:t>Transit</a:t>
+            </a:r>
+            <a:endParaRPr lang="en-IN" dirty="0"/>
+          </a:p>
+        </p:txBody>
+      </p:sp>
+      <p:sp>
+        <p:nvSpPr>
+          <p:cNvPr id="10" name="Rounded Rectangle 9"/>
+          <p:cNvSpPr/>
+          <p:nvPr/>
+        </p:nvSpPr>
+        <p:spPr>
+          <a:xfrm>
+            <a:off x="7375320" y="1845733"/>
+            <a:ext cx="938169" cy="503340"/>
+          </a:xfrm>
+          <a:prstGeom prst="roundRect">
+            <a:avLst/>
+          </a:prstGeom>
+        </p:spPr>
+        <p:style>
+          <a:lnRef idx="2">
+            <a:schemeClr val="accent4">
+              <a:shade val="50000"/>
+            </a:schemeClr>
+          </a:lnRef>
+          <a:fillRef idx="1">
+            <a:schemeClr val="accent4"/>
+          </a:fillRef>
+          <a:effectRef idx="0">
+            <a:schemeClr val="accent4"/>
+          </a:effectRef>
+          <a:fontRef idx="minor">
+            <a:schemeClr val="lt1"/>
+          </a:fontRef>
+        </p:style>
+        <p:txBody>
+          <a:bodyPr rot="0" spcFirstLastPara="0" vert="horz" wrap="square" lIns="91440" tIns="45720" rIns="91440" bIns="45720" numCol="1" spcCol="0" rtlCol="0" fromWordArt="0" anchor="ctr" anchorCtr="0" forceAA="0" compatLnSpc="1">
+            <a:prstTxWarp prst="textNoShape">
+              <a:avLst/>
+            </a:prstTxWarp>
+            <a:noAutofit/>
+          </a:bodyPr>
+          <a:lstStyle>
+            <a:defPPr>
+              <a:defRPr lang="en-US"/>
+            </a:defPPr>
+            <a:lvl1pPr marL="0" algn="l" defTabSz="457200" rtl="0" eaLnBrk="1" latinLnBrk="0" hangingPunct="1">
+              <a:defRPr sz="1800" kern="1200">
+                <a:solidFill>
+                  <a:schemeClr val="lt1"/>
+                </a:solidFill>
+                <a:latin typeface="+mn-lt"/>
+                <a:ea typeface="+mn-ea"/>
+                <a:cs typeface="+mn-cs"/>
+              </a:defRPr>
+            </a:lvl1pPr>
+            <a:lvl2pPr marL="457200" algn="l" defTabSz="457200" rtl="0" eaLnBrk="1" latinLnBrk="0" hangingPunct="1">
+              <a:defRPr sz="1800" kern="1200">
+                <a:solidFill>
+                  <a:schemeClr val="lt1"/>
+                </a:solidFill>
+                <a:latin typeface="+mn-lt"/>
+                <a:ea typeface="+mn-ea"/>
+                <a:cs typeface="+mn-cs"/>
+              </a:defRPr>
+            </a:lvl2pPr>
+            <a:lvl3pPr marL="914400" algn="l" defTabSz="457200" rtl="0" eaLnBrk="1" latinLnBrk="0" hangingPunct="1">
+              <a:defRPr sz="1800" kern="1200">
+                <a:solidFill>
+                  <a:schemeClr val="lt1"/>
+                </a:solidFill>
+                <a:latin typeface="+mn-lt"/>
+                <a:ea typeface="+mn-ea"/>
+                <a:cs typeface="+mn-cs"/>
+              </a:defRPr>
+            </a:lvl3pPr>
+            <a:lvl4pPr marL="1371600" algn="l" defTabSz="457200" rtl="0" eaLnBrk="1" latinLnBrk="0" hangingPunct="1">
+              <a:defRPr sz="1800" kern="1200">
+                <a:solidFill>
+                  <a:schemeClr val="lt1"/>
+                </a:solidFill>
+                <a:latin typeface="+mn-lt"/>
+                <a:ea typeface="+mn-ea"/>
+                <a:cs typeface="+mn-cs"/>
+              </a:defRPr>
+            </a:lvl4pPr>
+            <a:lvl5pPr marL="1828800" algn="l" defTabSz="457200" rtl="0" eaLnBrk="1" latinLnBrk="0" hangingPunct="1">
+              <a:defRPr sz="1800" kern="1200">
+                <a:solidFill>
+                  <a:schemeClr val="lt1"/>
+                </a:solidFill>
+                <a:latin typeface="+mn-lt"/>
+                <a:ea typeface="+mn-ea"/>
+                <a:cs typeface="+mn-cs"/>
+              </a:defRPr>
+            </a:lvl5pPr>
+            <a:lvl6pPr marL="2286000" algn="l" defTabSz="457200" rtl="0" eaLnBrk="1" latinLnBrk="0" hangingPunct="1">
+              <a:defRPr sz="1800" kern="1200">
+                <a:solidFill>
+                  <a:schemeClr val="lt1"/>
+                </a:solidFill>
+                <a:latin typeface="+mn-lt"/>
+                <a:ea typeface="+mn-ea"/>
+                <a:cs typeface="+mn-cs"/>
+              </a:defRPr>
+            </a:lvl6pPr>
+            <a:lvl7pPr marL="2743200" algn="l" defTabSz="457200" rtl="0" eaLnBrk="1" latinLnBrk="0" hangingPunct="1">
+              <a:defRPr sz="1800" kern="1200">
+                <a:solidFill>
+                  <a:schemeClr val="lt1"/>
+                </a:solidFill>
+                <a:latin typeface="+mn-lt"/>
+                <a:ea typeface="+mn-ea"/>
+                <a:cs typeface="+mn-cs"/>
+              </a:defRPr>
+            </a:lvl7pPr>
+            <a:lvl8pPr marL="3200400" algn="l" defTabSz="457200" rtl="0" eaLnBrk="1" latinLnBrk="0" hangingPunct="1">
+              <a:defRPr sz="1800" kern="1200">
+                <a:solidFill>
+                  <a:schemeClr val="lt1"/>
+                </a:solidFill>
+                <a:latin typeface="+mn-lt"/>
+                <a:ea typeface="+mn-ea"/>
+                <a:cs typeface="+mn-cs"/>
+              </a:defRPr>
+            </a:lvl8pPr>
+            <a:lvl9pPr marL="3657600" algn="l" defTabSz="457200" rtl="0" eaLnBrk="1" latinLnBrk="0" hangingPunct="1">
+              <a:defRPr sz="1800" kern="1200">
+                <a:solidFill>
+                  <a:schemeClr val="lt1"/>
+                </a:solidFill>
+                <a:latin typeface="+mn-lt"/>
+                <a:ea typeface="+mn-ea"/>
+                <a:cs typeface="+mn-cs"/>
+              </a:defRPr>
+            </a:lvl9pPr>
+          </a:lstStyle>
+          <a:p>
+            <a:pPr algn="ctr"/>
+            <a:r>
+              <a:rPr lang="en-US" dirty="0" smtClean="0"/>
+              <a:t>Ingress</a:t>
+            </a:r>
+            <a:endParaRPr lang="en-IN" dirty="0"/>
+          </a:p>
+        </p:txBody>
+      </p:sp>
+      <p:sp>
+        <p:nvSpPr>
+          <p:cNvPr id="11" name="Rounded Rectangle 10"/>
+          <p:cNvSpPr/>
+          <p:nvPr/>
+        </p:nvSpPr>
+        <p:spPr>
+          <a:xfrm>
+            <a:off x="11122123" y="1845733"/>
+            <a:ext cx="938169" cy="503340"/>
+          </a:xfrm>
+          <a:prstGeom prst="roundRect">
+            <a:avLst/>
+          </a:prstGeom>
+        </p:spPr>
+        <p:style>
+          <a:lnRef idx="2">
+            <a:schemeClr val="accent1">
+              <a:shade val="50000"/>
+            </a:schemeClr>
+          </a:lnRef>
+          <a:fillRef idx="1">
+            <a:schemeClr val="accent1"/>
+          </a:fillRef>
+          <a:effectRef idx="0">
+            <a:schemeClr val="accent1"/>
+          </a:effectRef>
+          <a:fontRef idx="minor">
+            <a:schemeClr val="lt1"/>
+          </a:fontRef>
+        </p:style>
+        <p:txBody>
+          <a:bodyPr rot="0" spcFirstLastPara="0" vert="horz" wrap="square" lIns="91440" tIns="45720" rIns="91440" bIns="45720" numCol="1" spcCol="0" rtlCol="0" fromWordArt="0" anchor="ctr" anchorCtr="0" forceAA="0" compatLnSpc="1">
+            <a:prstTxWarp prst="textNoShape">
+              <a:avLst/>
+            </a:prstTxWarp>
+            <a:noAutofit/>
+          </a:bodyPr>
+          <a:lstStyle>
+            <a:defPPr>
+              <a:defRPr lang="en-US"/>
+            </a:defPPr>
+            <a:lvl1pPr marL="0" algn="l" defTabSz="457200" rtl="0" eaLnBrk="1" latinLnBrk="0" hangingPunct="1">
+              <a:defRPr sz="1800" kern="1200">
+                <a:solidFill>
+                  <a:schemeClr val="lt1"/>
+                </a:solidFill>
+                <a:latin typeface="+mn-lt"/>
+                <a:ea typeface="+mn-ea"/>
+                <a:cs typeface="+mn-cs"/>
+              </a:defRPr>
+            </a:lvl1pPr>
+            <a:lvl2pPr marL="457200" algn="l" defTabSz="457200" rtl="0" eaLnBrk="1" latinLnBrk="0" hangingPunct="1">
+              <a:defRPr sz="1800" kern="1200">
+                <a:solidFill>
+                  <a:schemeClr val="lt1"/>
+                </a:solidFill>
+                <a:latin typeface="+mn-lt"/>
+                <a:ea typeface="+mn-ea"/>
+                <a:cs typeface="+mn-cs"/>
+              </a:defRPr>
+            </a:lvl2pPr>
+            <a:lvl3pPr marL="914400" algn="l" defTabSz="457200" rtl="0" eaLnBrk="1" latinLnBrk="0" hangingPunct="1">
+              <a:defRPr sz="1800" kern="1200">
+                <a:solidFill>
+                  <a:schemeClr val="lt1"/>
+                </a:solidFill>
+                <a:latin typeface="+mn-lt"/>
+                <a:ea typeface="+mn-ea"/>
+                <a:cs typeface="+mn-cs"/>
+              </a:defRPr>
+            </a:lvl3pPr>
+            <a:lvl4pPr marL="1371600" algn="l" defTabSz="457200" rtl="0" eaLnBrk="1" latinLnBrk="0" hangingPunct="1">
+              <a:defRPr sz="1800" kern="1200">
+                <a:solidFill>
+                  <a:schemeClr val="lt1"/>
+                </a:solidFill>
+                <a:latin typeface="+mn-lt"/>
+                <a:ea typeface="+mn-ea"/>
+                <a:cs typeface="+mn-cs"/>
+              </a:defRPr>
+            </a:lvl4pPr>
+            <a:lvl5pPr marL="1828800" algn="l" defTabSz="457200" rtl="0" eaLnBrk="1" latinLnBrk="0" hangingPunct="1">
+              <a:defRPr sz="1800" kern="1200">
+                <a:solidFill>
+                  <a:schemeClr val="lt1"/>
+                </a:solidFill>
+                <a:latin typeface="+mn-lt"/>
+                <a:ea typeface="+mn-ea"/>
+                <a:cs typeface="+mn-cs"/>
+              </a:defRPr>
+            </a:lvl5pPr>
+            <a:lvl6pPr marL="2286000" algn="l" defTabSz="457200" rtl="0" eaLnBrk="1" latinLnBrk="0" hangingPunct="1">
+              <a:defRPr sz="1800" kern="1200">
+                <a:solidFill>
+                  <a:schemeClr val="lt1"/>
+                </a:solidFill>
+                <a:latin typeface="+mn-lt"/>
+                <a:ea typeface="+mn-ea"/>
+                <a:cs typeface="+mn-cs"/>
+              </a:defRPr>
+            </a:lvl6pPr>
+            <a:lvl7pPr marL="2743200" algn="l" defTabSz="457200" rtl="0" eaLnBrk="1" latinLnBrk="0" hangingPunct="1">
+              <a:defRPr sz="1800" kern="1200">
+                <a:solidFill>
+                  <a:schemeClr val="lt1"/>
+                </a:solidFill>
+                <a:latin typeface="+mn-lt"/>
+                <a:ea typeface="+mn-ea"/>
+                <a:cs typeface="+mn-cs"/>
+              </a:defRPr>
+            </a:lvl7pPr>
+            <a:lvl8pPr marL="3200400" algn="l" defTabSz="457200" rtl="0" eaLnBrk="1" latinLnBrk="0" hangingPunct="1">
+              <a:defRPr sz="1800" kern="1200">
+                <a:solidFill>
+                  <a:schemeClr val="lt1"/>
+                </a:solidFill>
+                <a:latin typeface="+mn-lt"/>
+                <a:ea typeface="+mn-ea"/>
+                <a:cs typeface="+mn-cs"/>
+              </a:defRPr>
+            </a:lvl8pPr>
+            <a:lvl9pPr marL="3657600" algn="l" defTabSz="457200" rtl="0" eaLnBrk="1" latinLnBrk="0" hangingPunct="1">
+              <a:defRPr sz="1800" kern="1200">
+                <a:solidFill>
+                  <a:schemeClr val="lt1"/>
+                </a:solidFill>
+                <a:latin typeface="+mn-lt"/>
+                <a:ea typeface="+mn-ea"/>
+                <a:cs typeface="+mn-cs"/>
+              </a:defRPr>
+            </a:lvl9pPr>
+          </a:lstStyle>
+          <a:p>
+            <a:pPr algn="ctr"/>
+            <a:r>
+              <a:rPr lang="en-US" dirty="0" smtClean="0"/>
+              <a:t>PCE</a:t>
+            </a:r>
+            <a:endParaRPr lang="en-IN" dirty="0"/>
+          </a:p>
+        </p:txBody>
+      </p:sp>
+      <p:cxnSp>
+        <p:nvCxnSpPr>
+          <p:cNvPr id="12" name="Straight Connector 11"/>
+          <p:cNvCxnSpPr>
+            <a:stCxn id="11" idx="2"/>
+          </p:cNvCxnSpPr>
+          <p:nvPr/>
+        </p:nvCxnSpPr>
+        <p:spPr>
+          <a:xfrm flipH="1">
+            <a:off x="11591207" y="2349073"/>
+            <a:ext cx="1" cy="3825224"/>
+          </a:xfrm>
+          <a:prstGeom prst="line">
+            <a:avLst/>
+          </a:prstGeom>
+        </p:spPr>
+        <p:style>
+          <a:lnRef idx="1">
+            <a:schemeClr val="accent1"/>
+          </a:lnRef>
+          <a:fillRef idx="0">
+            <a:schemeClr val="accent1"/>
+          </a:fillRef>
+          <a:effectRef idx="0">
+            <a:schemeClr val="accent1"/>
+          </a:effectRef>
+          <a:fontRef idx="minor">
+            <a:schemeClr val="tx1"/>
+          </a:fontRef>
+        </p:style>
+      </p:cxnSp>
+      <p:cxnSp>
+        <p:nvCxnSpPr>
+          <p:cNvPr id="13" name="Straight Connector 12"/>
+          <p:cNvCxnSpPr/>
+          <p:nvPr/>
+        </p:nvCxnSpPr>
+        <p:spPr>
+          <a:xfrm flipH="1">
+            <a:off x="7844403" y="2328051"/>
+            <a:ext cx="1" cy="3825224"/>
+          </a:xfrm>
+          <a:prstGeom prst="line">
+            <a:avLst/>
+          </a:prstGeom>
+        </p:spPr>
+        <p:style>
+          <a:lnRef idx="1">
+            <a:schemeClr val="accent1"/>
+          </a:lnRef>
+          <a:fillRef idx="0">
+            <a:schemeClr val="accent1"/>
+          </a:fillRef>
+          <a:effectRef idx="0">
+            <a:schemeClr val="accent1"/>
+          </a:effectRef>
+          <a:fontRef idx="minor">
+            <a:schemeClr val="tx1"/>
+          </a:fontRef>
+        </p:style>
+      </p:cxnSp>
+      <p:cxnSp>
+        <p:nvCxnSpPr>
+          <p:cNvPr id="14" name="Straight Connector 13"/>
+          <p:cNvCxnSpPr>
+            <a:stCxn id="9" idx="2"/>
+          </p:cNvCxnSpPr>
+          <p:nvPr/>
+        </p:nvCxnSpPr>
+        <p:spPr>
+          <a:xfrm>
+            <a:off x="7154871" y="2763225"/>
+            <a:ext cx="18526" cy="3390050"/>
+          </a:xfrm>
+          <a:prstGeom prst="line">
+            <a:avLst/>
+          </a:prstGeom>
+        </p:spPr>
+        <p:style>
+          <a:lnRef idx="1">
+            <a:schemeClr val="accent1"/>
+          </a:lnRef>
+          <a:fillRef idx="0">
+            <a:schemeClr val="accent1"/>
+          </a:fillRef>
+          <a:effectRef idx="0">
+            <a:schemeClr val="accent1"/>
+          </a:effectRef>
+          <a:fontRef idx="minor">
+            <a:schemeClr val="tx1"/>
+          </a:fontRef>
+        </p:style>
+      </p:cxnSp>
+      <p:cxnSp>
+        <p:nvCxnSpPr>
+          <p:cNvPr id="15" name="Straight Connector 14"/>
+          <p:cNvCxnSpPr/>
+          <p:nvPr/>
+        </p:nvCxnSpPr>
+        <p:spPr>
+          <a:xfrm>
+            <a:off x="6504117" y="3177377"/>
+            <a:ext cx="15527" cy="2975898"/>
+          </a:xfrm>
+          <a:prstGeom prst="line">
+            <a:avLst/>
+          </a:prstGeom>
+        </p:spPr>
+        <p:style>
+          <a:lnRef idx="1">
+            <a:schemeClr val="accent1"/>
+          </a:lnRef>
+          <a:fillRef idx="0">
+            <a:schemeClr val="accent1"/>
+          </a:fillRef>
+          <a:effectRef idx="0">
+            <a:schemeClr val="accent1"/>
+          </a:effectRef>
+          <a:fontRef idx="minor">
+            <a:schemeClr val="tx1"/>
+          </a:fontRef>
+        </p:style>
+      </p:cxnSp>
+      <p:cxnSp>
+        <p:nvCxnSpPr>
+          <p:cNvPr id="16" name="Straight Arrow Connector 15"/>
+          <p:cNvCxnSpPr/>
+          <p:nvPr/>
+        </p:nvCxnSpPr>
+        <p:spPr>
+          <a:xfrm>
+            <a:off x="7844403" y="2935294"/>
+            <a:ext cx="3746804" cy="0"/>
+          </a:xfrm>
+          <a:prstGeom prst="straightConnector1">
+            <a:avLst/>
+          </a:prstGeom>
+          <a:ln>
+            <a:tailEnd type="triangle"/>
+          </a:ln>
+        </p:spPr>
+        <p:style>
+          <a:lnRef idx="1">
+            <a:schemeClr val="accent1"/>
+          </a:lnRef>
+          <a:fillRef idx="0">
+            <a:schemeClr val="accent1"/>
+          </a:fillRef>
+          <a:effectRef idx="0">
+            <a:schemeClr val="accent1"/>
+          </a:effectRef>
+          <a:fontRef idx="minor">
+            <a:schemeClr val="tx1"/>
+          </a:fontRef>
+        </p:style>
+      </p:cxnSp>
+      <p:cxnSp>
+        <p:nvCxnSpPr>
+          <p:cNvPr id="17" name="Straight Arrow Connector 16"/>
+          <p:cNvCxnSpPr/>
+          <p:nvPr/>
+        </p:nvCxnSpPr>
+        <p:spPr>
+          <a:xfrm flipH="1">
+            <a:off x="6504117" y="3429000"/>
+            <a:ext cx="5087090" cy="0"/>
+          </a:xfrm>
+          <a:prstGeom prst="straightConnector1">
+            <a:avLst/>
+          </a:prstGeom>
+          <a:ln>
+            <a:tailEnd type="triangle"/>
+          </a:ln>
+        </p:spPr>
+        <p:style>
+          <a:lnRef idx="1">
+            <a:schemeClr val="accent1"/>
+          </a:lnRef>
+          <a:fillRef idx="0">
+            <a:schemeClr val="accent1"/>
+          </a:fillRef>
+          <a:effectRef idx="0">
+            <a:schemeClr val="accent1"/>
+          </a:effectRef>
+          <a:fontRef idx="minor">
+            <a:schemeClr val="tx1"/>
+          </a:fontRef>
+        </p:style>
+      </p:cxnSp>
+      <p:cxnSp>
+        <p:nvCxnSpPr>
+          <p:cNvPr id="18" name="Straight Arrow Connector 17"/>
+          <p:cNvCxnSpPr/>
+          <p:nvPr/>
+        </p:nvCxnSpPr>
+        <p:spPr>
+          <a:xfrm>
+            <a:off x="6504117" y="3647552"/>
+            <a:ext cx="5087090" cy="10048"/>
+          </a:xfrm>
+          <a:prstGeom prst="straightConnector1">
+            <a:avLst/>
+          </a:prstGeom>
+          <a:ln>
+            <a:tailEnd type="triangle"/>
+          </a:ln>
+        </p:spPr>
+        <p:style>
+          <a:lnRef idx="1">
+            <a:schemeClr val="accent1"/>
+          </a:lnRef>
+          <a:fillRef idx="0">
+            <a:schemeClr val="accent1"/>
+          </a:fillRef>
+          <a:effectRef idx="0">
+            <a:schemeClr val="accent1"/>
+          </a:effectRef>
+          <a:fontRef idx="minor">
+            <a:schemeClr val="tx1"/>
+          </a:fontRef>
+        </p:style>
+      </p:cxnSp>
+      <p:cxnSp>
+        <p:nvCxnSpPr>
+          <p:cNvPr id="19" name="Straight Arrow Connector 18"/>
+          <p:cNvCxnSpPr/>
+          <p:nvPr/>
+        </p:nvCxnSpPr>
+        <p:spPr>
+          <a:xfrm flipH="1" flipV="1">
+            <a:off x="7173397" y="4139921"/>
+            <a:ext cx="4417810" cy="24284"/>
+          </a:xfrm>
+          <a:prstGeom prst="straightConnector1">
+            <a:avLst/>
+          </a:prstGeom>
+          <a:ln>
+            <a:tailEnd type="triangle"/>
+          </a:ln>
+        </p:spPr>
+        <p:style>
+          <a:lnRef idx="1">
+            <a:schemeClr val="accent1"/>
+          </a:lnRef>
+          <a:fillRef idx="0">
+            <a:schemeClr val="accent1"/>
+          </a:fillRef>
+          <a:effectRef idx="0">
+            <a:schemeClr val="accent1"/>
+          </a:effectRef>
+          <a:fontRef idx="minor">
+            <a:schemeClr val="tx1"/>
+          </a:fontRef>
+        </p:style>
+      </p:cxnSp>
+      <p:cxnSp>
+        <p:nvCxnSpPr>
+          <p:cNvPr id="20" name="Straight Arrow Connector 19"/>
+          <p:cNvCxnSpPr/>
+          <p:nvPr/>
+        </p:nvCxnSpPr>
+        <p:spPr>
+          <a:xfrm>
+            <a:off x="7173397" y="4413256"/>
+            <a:ext cx="4417810" cy="15767"/>
+          </a:xfrm>
+          <a:prstGeom prst="straightConnector1">
+            <a:avLst/>
+          </a:prstGeom>
+          <a:ln>
+            <a:tailEnd type="triangle"/>
+          </a:ln>
+        </p:spPr>
+        <p:style>
+          <a:lnRef idx="1">
+            <a:schemeClr val="accent1"/>
+          </a:lnRef>
+          <a:fillRef idx="0">
+            <a:schemeClr val="accent1"/>
+          </a:fillRef>
+          <a:effectRef idx="0">
+            <a:schemeClr val="accent1"/>
+          </a:effectRef>
+          <a:fontRef idx="minor">
+            <a:schemeClr val="tx1"/>
+          </a:fontRef>
+        </p:style>
+      </p:cxnSp>
+      <p:cxnSp>
+        <p:nvCxnSpPr>
+          <p:cNvPr id="21" name="Straight Arrow Connector 20"/>
+          <p:cNvCxnSpPr/>
+          <p:nvPr/>
+        </p:nvCxnSpPr>
+        <p:spPr>
+          <a:xfrm flipH="1" flipV="1">
+            <a:off x="7844403" y="4872348"/>
+            <a:ext cx="3746804" cy="14092"/>
+          </a:xfrm>
+          <a:prstGeom prst="straightConnector1">
+            <a:avLst/>
+          </a:prstGeom>
+          <a:ln>
+            <a:tailEnd type="triangle"/>
+          </a:ln>
+        </p:spPr>
+        <p:style>
+          <a:lnRef idx="1">
+            <a:schemeClr val="accent1"/>
+          </a:lnRef>
+          <a:fillRef idx="0">
+            <a:schemeClr val="accent1"/>
+          </a:fillRef>
+          <a:effectRef idx="0">
+            <a:schemeClr val="accent1"/>
+          </a:effectRef>
+          <a:fontRef idx="minor">
+            <a:schemeClr val="tx1"/>
+          </a:fontRef>
+        </p:style>
+      </p:cxnSp>
+      <p:cxnSp>
+        <p:nvCxnSpPr>
+          <p:cNvPr id="22" name="Straight Arrow Connector 21"/>
+          <p:cNvCxnSpPr/>
+          <p:nvPr/>
+        </p:nvCxnSpPr>
+        <p:spPr>
+          <a:xfrm flipV="1">
+            <a:off x="7844403" y="5071162"/>
+            <a:ext cx="3746804" cy="8160"/>
+          </a:xfrm>
+          <a:prstGeom prst="straightConnector1">
+            <a:avLst/>
+          </a:prstGeom>
+          <a:ln>
+            <a:tailEnd type="triangle"/>
+          </a:ln>
+        </p:spPr>
+        <p:style>
+          <a:lnRef idx="1">
+            <a:schemeClr val="accent1"/>
+          </a:lnRef>
+          <a:fillRef idx="0">
+            <a:schemeClr val="accent1"/>
+          </a:fillRef>
+          <a:effectRef idx="0">
+            <a:schemeClr val="accent1"/>
+          </a:effectRef>
+          <a:fontRef idx="minor">
+            <a:schemeClr val="tx1"/>
+          </a:fontRef>
+        </p:style>
+      </p:cxnSp>
+      <p:cxnSp>
+        <p:nvCxnSpPr>
+          <p:cNvPr id="23" name="Straight Arrow Connector 22"/>
+          <p:cNvCxnSpPr/>
+          <p:nvPr/>
+        </p:nvCxnSpPr>
+        <p:spPr>
+          <a:xfrm flipH="1" flipV="1">
+            <a:off x="7844403" y="5612498"/>
+            <a:ext cx="3746804" cy="14092"/>
+          </a:xfrm>
+          <a:prstGeom prst="straightConnector1">
+            <a:avLst/>
+          </a:prstGeom>
+          <a:ln>
+            <a:tailEnd type="triangle"/>
+          </a:ln>
+        </p:spPr>
+        <p:style>
+          <a:lnRef idx="1">
+            <a:schemeClr val="accent1"/>
+          </a:lnRef>
+          <a:fillRef idx="0">
+            <a:schemeClr val="accent1"/>
+          </a:fillRef>
+          <a:effectRef idx="0">
+            <a:schemeClr val="accent1"/>
+          </a:effectRef>
+          <a:fontRef idx="minor">
+            <a:schemeClr val="tx1"/>
+          </a:fontRef>
+        </p:style>
+      </p:cxnSp>
+      <p:sp>
+        <p:nvSpPr>
+          <p:cNvPr id="24" name="TextBox 23"/>
+          <p:cNvSpPr txBox="1"/>
+          <p:nvPr/>
+        </p:nvSpPr>
+        <p:spPr>
+          <a:xfrm>
+            <a:off x="8400422" y="2590989"/>
+            <a:ext cx="3051790" cy="369332"/>
+          </a:xfrm>
+          <a:prstGeom prst="rect">
+            <a:avLst/>
+          </a:prstGeom>
+          <a:noFill/>
+        </p:spPr>
+        <p:txBody>
+          <a:bodyPr wrap="square" rtlCol="0">
+            <a:spAutoFit/>
+          </a:bodyPr>
+          <a:lstStyle/>
+          <a:p>
+            <a:r>
+              <a:rPr lang="en-US" dirty="0" err="1" smtClean="0"/>
+              <a:t>PCRpt</a:t>
+            </a:r>
+            <a:r>
+              <a:rPr lang="en-US" dirty="0" smtClean="0"/>
+              <a:t>, PLSP-ID=2,PST,D=1,C=1</a:t>
+            </a:r>
+            <a:endParaRPr lang="en-IN" dirty="0"/>
+          </a:p>
+        </p:txBody>
+      </p:sp>
+      <p:sp>
+        <p:nvSpPr>
+          <p:cNvPr id="25" name="TextBox 24"/>
+          <p:cNvSpPr txBox="1"/>
+          <p:nvPr/>
+        </p:nvSpPr>
+        <p:spPr>
+          <a:xfrm>
+            <a:off x="11635250" y="2466009"/>
+            <a:ext cx="515815" cy="707886"/>
+          </a:xfrm>
+          <a:prstGeom prst="rect">
+            <a:avLst/>
+          </a:prstGeom>
+          <a:noFill/>
+        </p:spPr>
+        <p:txBody>
+          <a:bodyPr wrap="square" rtlCol="0">
+            <a:spAutoFit/>
+          </a:bodyPr>
+          <a:lstStyle/>
+          <a:p>
+            <a:r>
+              <a:rPr lang="en-US" sz="1000" dirty="0" smtClean="0"/>
+              <a:t>PCE </a:t>
+            </a:r>
+            <a:r>
+              <a:rPr lang="en-US" sz="1000" dirty="0" err="1" smtClean="0"/>
+              <a:t>Init</a:t>
+            </a:r>
+            <a:endParaRPr lang="en-US" sz="1000" dirty="0" smtClean="0"/>
+          </a:p>
+          <a:p>
+            <a:r>
+              <a:rPr lang="en-US" sz="1000" dirty="0" smtClean="0"/>
+              <a:t>PCECC LSP</a:t>
+            </a:r>
+            <a:endParaRPr lang="en-IN" sz="1000" dirty="0"/>
+          </a:p>
+        </p:txBody>
+      </p:sp>
+      <p:sp>
+        <p:nvSpPr>
+          <p:cNvPr id="26" name="TextBox 25"/>
+          <p:cNvSpPr txBox="1"/>
+          <p:nvPr/>
+        </p:nvSpPr>
+        <p:spPr>
+          <a:xfrm>
+            <a:off x="7844402" y="3045115"/>
+            <a:ext cx="3075797" cy="369332"/>
+          </a:xfrm>
+          <a:prstGeom prst="rect">
+            <a:avLst/>
+          </a:prstGeom>
+          <a:noFill/>
+        </p:spPr>
+        <p:txBody>
+          <a:bodyPr wrap="square" rtlCol="0">
+            <a:spAutoFit/>
+          </a:bodyPr>
+          <a:lstStyle/>
+          <a:p>
+            <a:r>
+              <a:rPr lang="en-US" dirty="0" err="1" smtClean="0"/>
+              <a:t>PCInitiate</a:t>
+            </a:r>
+            <a:r>
+              <a:rPr lang="en-US" dirty="0" smtClean="0"/>
+              <a:t>, CC-ID=X, PLSP-ID=2</a:t>
+            </a:r>
+            <a:endParaRPr lang="en-IN" dirty="0"/>
+          </a:p>
+        </p:txBody>
+      </p:sp>
+      <p:sp>
+        <p:nvSpPr>
+          <p:cNvPr id="27" name="TextBox 26"/>
+          <p:cNvSpPr txBox="1"/>
+          <p:nvPr/>
+        </p:nvSpPr>
+        <p:spPr>
+          <a:xfrm>
+            <a:off x="6504116" y="3663482"/>
+            <a:ext cx="515815" cy="246221"/>
+          </a:xfrm>
+          <a:prstGeom prst="rect">
+            <a:avLst/>
+          </a:prstGeom>
+          <a:noFill/>
+        </p:spPr>
+        <p:txBody>
+          <a:bodyPr wrap="square" rtlCol="0">
+            <a:spAutoFit/>
+          </a:bodyPr>
+          <a:lstStyle/>
+          <a:p>
+            <a:r>
+              <a:rPr lang="en-US" sz="1000" dirty="0" err="1" smtClean="0"/>
+              <a:t>PCRpt</a:t>
+            </a:r>
+            <a:endParaRPr lang="en-IN" sz="1000" dirty="0"/>
+          </a:p>
+        </p:txBody>
+      </p:sp>
+      <p:sp>
+        <p:nvSpPr>
+          <p:cNvPr id="28" name="TextBox 27"/>
+          <p:cNvSpPr txBox="1"/>
+          <p:nvPr/>
+        </p:nvSpPr>
+        <p:spPr>
+          <a:xfrm>
+            <a:off x="7844402" y="3770586"/>
+            <a:ext cx="3075797" cy="369332"/>
+          </a:xfrm>
+          <a:prstGeom prst="rect">
+            <a:avLst/>
+          </a:prstGeom>
+          <a:noFill/>
+        </p:spPr>
+        <p:txBody>
+          <a:bodyPr wrap="square" rtlCol="0">
+            <a:spAutoFit/>
+          </a:bodyPr>
+          <a:lstStyle/>
+          <a:p>
+            <a:r>
+              <a:rPr lang="en-US" dirty="0" err="1" smtClean="0"/>
+              <a:t>PCInitiate</a:t>
+            </a:r>
+            <a:r>
+              <a:rPr lang="en-US" dirty="0" smtClean="0"/>
+              <a:t>, CC-ID=Y, PLSP-ID=2</a:t>
+            </a:r>
+            <a:endParaRPr lang="en-IN" dirty="0"/>
+          </a:p>
+        </p:txBody>
+      </p:sp>
+      <p:sp>
+        <p:nvSpPr>
+          <p:cNvPr id="29" name="TextBox 28"/>
+          <p:cNvSpPr txBox="1"/>
+          <p:nvPr/>
+        </p:nvSpPr>
+        <p:spPr>
+          <a:xfrm>
+            <a:off x="7196836" y="4429023"/>
+            <a:ext cx="515815" cy="246221"/>
+          </a:xfrm>
+          <a:prstGeom prst="rect">
+            <a:avLst/>
+          </a:prstGeom>
+          <a:noFill/>
+        </p:spPr>
+        <p:txBody>
+          <a:bodyPr wrap="square" rtlCol="0">
+            <a:spAutoFit/>
+          </a:bodyPr>
+          <a:lstStyle/>
+          <a:p>
+            <a:r>
+              <a:rPr lang="en-US" sz="1000" dirty="0" err="1" smtClean="0"/>
+              <a:t>PCRpt</a:t>
+            </a:r>
+            <a:endParaRPr lang="en-IN" sz="1000" dirty="0"/>
+          </a:p>
+        </p:txBody>
+      </p:sp>
+      <p:sp>
+        <p:nvSpPr>
+          <p:cNvPr id="30" name="TextBox 41"/>
+          <p:cNvSpPr txBox="1"/>
+          <p:nvPr/>
+        </p:nvSpPr>
+        <p:spPr>
+          <a:xfrm>
+            <a:off x="7851294" y="5106954"/>
+            <a:ext cx="515815" cy="246221"/>
+          </a:xfrm>
+          <a:prstGeom prst="rect">
+            <a:avLst/>
+          </a:prstGeom>
+          <a:noFill/>
+        </p:spPr>
+        <p:txBody>
+          <a:bodyPr wrap="square" rtlCol="0">
+            <a:spAutoFit/>
+          </a:bodyPr>
+          <a:lstStyle>
+            <a:defPPr>
+              <a:defRPr lang="en-US"/>
+            </a:defPPr>
+            <a:lvl1pPr marL="0" algn="l" defTabSz="457200" rtl="0" eaLnBrk="1" latinLnBrk="0" hangingPunct="1">
+              <a:defRPr sz="1800" kern="1200">
+                <a:solidFill>
+                  <a:schemeClr val="tx1"/>
+                </a:solidFill>
+                <a:latin typeface="+mn-lt"/>
+                <a:ea typeface="+mn-ea"/>
+                <a:cs typeface="+mn-cs"/>
+              </a:defRPr>
+            </a:lvl1pPr>
+            <a:lvl2pPr marL="457200" algn="l" defTabSz="457200" rtl="0" eaLnBrk="1" latinLnBrk="0" hangingPunct="1">
+              <a:defRPr sz="1800" kern="1200">
+                <a:solidFill>
+                  <a:schemeClr val="tx1"/>
+                </a:solidFill>
+                <a:latin typeface="+mn-lt"/>
+                <a:ea typeface="+mn-ea"/>
+                <a:cs typeface="+mn-cs"/>
+              </a:defRPr>
+            </a:lvl2pPr>
+            <a:lvl3pPr marL="914400" algn="l" defTabSz="457200" rtl="0" eaLnBrk="1" latinLnBrk="0" hangingPunct="1">
+              <a:defRPr sz="1800" kern="1200">
+                <a:solidFill>
+                  <a:schemeClr val="tx1"/>
+                </a:solidFill>
+                <a:latin typeface="+mn-lt"/>
+                <a:ea typeface="+mn-ea"/>
+                <a:cs typeface="+mn-cs"/>
+              </a:defRPr>
+            </a:lvl3pPr>
+            <a:lvl4pPr marL="1371600" algn="l" defTabSz="457200" rtl="0" eaLnBrk="1" latinLnBrk="0" hangingPunct="1">
+              <a:defRPr sz="1800" kern="1200">
+                <a:solidFill>
+                  <a:schemeClr val="tx1"/>
+                </a:solidFill>
+                <a:latin typeface="+mn-lt"/>
+                <a:ea typeface="+mn-ea"/>
+                <a:cs typeface="+mn-cs"/>
+              </a:defRPr>
+            </a:lvl4pPr>
+            <a:lvl5pPr marL="1828800" algn="l" defTabSz="457200" rtl="0" eaLnBrk="1" latinLnBrk="0" hangingPunct="1">
+              <a:defRPr sz="1800" kern="1200">
+                <a:solidFill>
+                  <a:schemeClr val="tx1"/>
+                </a:solidFill>
+                <a:latin typeface="+mn-lt"/>
+                <a:ea typeface="+mn-ea"/>
+                <a:cs typeface="+mn-cs"/>
+              </a:defRPr>
+            </a:lvl5pPr>
+            <a:lvl6pPr marL="2286000" algn="l" defTabSz="457200" rtl="0" eaLnBrk="1" latinLnBrk="0" hangingPunct="1">
+              <a:defRPr sz="1800" kern="1200">
+                <a:solidFill>
+                  <a:schemeClr val="tx1"/>
+                </a:solidFill>
+                <a:latin typeface="+mn-lt"/>
+                <a:ea typeface="+mn-ea"/>
+                <a:cs typeface="+mn-cs"/>
+              </a:defRPr>
+            </a:lvl6pPr>
+            <a:lvl7pPr marL="2743200" algn="l" defTabSz="457200" rtl="0" eaLnBrk="1" latinLnBrk="0" hangingPunct="1">
+              <a:defRPr sz="1800" kern="1200">
+                <a:solidFill>
+                  <a:schemeClr val="tx1"/>
+                </a:solidFill>
+                <a:latin typeface="+mn-lt"/>
+                <a:ea typeface="+mn-ea"/>
+                <a:cs typeface="+mn-cs"/>
+              </a:defRPr>
+            </a:lvl7pPr>
+            <a:lvl8pPr marL="3200400" algn="l" defTabSz="457200" rtl="0" eaLnBrk="1" latinLnBrk="0" hangingPunct="1">
+              <a:defRPr sz="1800" kern="1200">
+                <a:solidFill>
+                  <a:schemeClr val="tx1"/>
+                </a:solidFill>
+                <a:latin typeface="+mn-lt"/>
+                <a:ea typeface="+mn-ea"/>
+                <a:cs typeface="+mn-cs"/>
+              </a:defRPr>
+            </a:lvl8pPr>
+            <a:lvl9pPr marL="3657600" algn="l" defTabSz="457200" rtl="0" eaLnBrk="1" latinLnBrk="0" hangingPunct="1">
+              <a:defRPr sz="1800" kern="1200">
+                <a:solidFill>
+                  <a:schemeClr val="tx1"/>
+                </a:solidFill>
+                <a:latin typeface="+mn-lt"/>
+                <a:ea typeface="+mn-ea"/>
+                <a:cs typeface="+mn-cs"/>
+              </a:defRPr>
+            </a:lvl9pPr>
+          </a:lstStyle>
+          <a:p>
+            <a:r>
+              <a:rPr lang="en-US" sz="1000" dirty="0" err="1" smtClean="0"/>
+              <a:t>PCRpt</a:t>
+            </a:r>
+            <a:endParaRPr lang="en-IN" sz="1000" dirty="0"/>
+          </a:p>
+        </p:txBody>
+      </p:sp>
+      <p:sp>
+        <p:nvSpPr>
+          <p:cNvPr id="31" name="TextBox 30"/>
+          <p:cNvSpPr txBox="1"/>
+          <p:nvPr/>
+        </p:nvSpPr>
+        <p:spPr>
+          <a:xfrm>
+            <a:off x="7858964" y="4517108"/>
+            <a:ext cx="3075797" cy="369332"/>
+          </a:xfrm>
+          <a:prstGeom prst="rect">
+            <a:avLst/>
+          </a:prstGeom>
+          <a:noFill/>
+        </p:spPr>
+        <p:txBody>
+          <a:bodyPr wrap="square" rtlCol="0">
+            <a:spAutoFit/>
+          </a:bodyPr>
+          <a:lstStyle/>
+          <a:p>
+            <a:r>
+              <a:rPr lang="en-US" dirty="0" err="1" smtClean="0"/>
+              <a:t>PCInitiate</a:t>
+            </a:r>
+            <a:r>
+              <a:rPr lang="en-US" dirty="0" smtClean="0"/>
+              <a:t>, CC-ID=Z, PLSP-ID=2</a:t>
+            </a:r>
+            <a:endParaRPr lang="en-IN" dirty="0"/>
+          </a:p>
+        </p:txBody>
+      </p:sp>
+      <p:sp>
+        <p:nvSpPr>
+          <p:cNvPr id="32" name="TextBox 31"/>
+          <p:cNvSpPr txBox="1"/>
+          <p:nvPr/>
+        </p:nvSpPr>
+        <p:spPr>
+          <a:xfrm rot="16200000">
+            <a:off x="10966169" y="4044733"/>
+            <a:ext cx="1816239" cy="584775"/>
+          </a:xfrm>
+          <a:prstGeom prst="rect">
+            <a:avLst/>
+          </a:prstGeom>
+          <a:noFill/>
+        </p:spPr>
+        <p:txBody>
+          <a:bodyPr wrap="square" rtlCol="0">
+            <a:spAutoFit/>
+          </a:bodyPr>
+          <a:lstStyle/>
+          <a:p>
+            <a:pPr algn="ctr"/>
+            <a:r>
+              <a:rPr lang="en-US" sz="1600" dirty="0" smtClean="0"/>
+              <a:t>Label Download</a:t>
+            </a:r>
+          </a:p>
+          <a:p>
+            <a:pPr algn="ctr"/>
+            <a:r>
+              <a:rPr lang="en-US" sz="1600" dirty="0"/>
+              <a:t>a</a:t>
+            </a:r>
+            <a:r>
+              <a:rPr lang="en-US" sz="1600" dirty="0" smtClean="0"/>
+              <a:t>long the path</a:t>
+            </a:r>
+            <a:endParaRPr lang="en-IN" sz="1600" dirty="0"/>
+          </a:p>
+        </p:txBody>
+      </p:sp>
+      <p:sp>
+        <p:nvSpPr>
+          <p:cNvPr id="33" name="TextBox 32"/>
+          <p:cNvSpPr txBox="1"/>
+          <p:nvPr/>
+        </p:nvSpPr>
+        <p:spPr>
+          <a:xfrm>
+            <a:off x="7858964" y="5275097"/>
+            <a:ext cx="3075797" cy="369332"/>
+          </a:xfrm>
+          <a:prstGeom prst="rect">
+            <a:avLst/>
+          </a:prstGeom>
+          <a:noFill/>
+        </p:spPr>
+        <p:txBody>
+          <a:bodyPr wrap="square" rtlCol="0">
+            <a:spAutoFit/>
+          </a:bodyPr>
+          <a:lstStyle/>
+          <a:p>
+            <a:r>
+              <a:rPr lang="en-US" dirty="0" err="1" smtClean="0"/>
+              <a:t>PCUpd</a:t>
+            </a:r>
+            <a:r>
+              <a:rPr lang="en-US" dirty="0" smtClean="0"/>
+              <a:t>, PLSP-ID=2,PST,D=1</a:t>
+            </a:r>
+            <a:endParaRPr lang="en-IN" dirty="0"/>
+          </a:p>
+        </p:txBody>
+      </p:sp>
+      <p:cxnSp>
+        <p:nvCxnSpPr>
+          <p:cNvPr id="34" name="Straight Arrow Connector 33"/>
+          <p:cNvCxnSpPr/>
+          <p:nvPr/>
+        </p:nvCxnSpPr>
+        <p:spPr>
+          <a:xfrm flipV="1">
+            <a:off x="7844403" y="5848355"/>
+            <a:ext cx="3746804" cy="8160"/>
+          </a:xfrm>
+          <a:prstGeom prst="straightConnector1">
+            <a:avLst/>
+          </a:prstGeom>
+          <a:ln>
+            <a:tailEnd type="triangle"/>
+          </a:ln>
+        </p:spPr>
+        <p:style>
+          <a:lnRef idx="1">
+            <a:schemeClr val="accent1"/>
+          </a:lnRef>
+          <a:fillRef idx="0">
+            <a:schemeClr val="accent1"/>
+          </a:fillRef>
+          <a:effectRef idx="0">
+            <a:schemeClr val="accent1"/>
+          </a:effectRef>
+          <a:fontRef idx="minor">
+            <a:schemeClr val="tx1"/>
+          </a:fontRef>
+        </p:style>
+      </p:cxnSp>
+      <p:sp>
+        <p:nvSpPr>
+          <p:cNvPr id="35" name="TextBox 41"/>
+          <p:cNvSpPr txBox="1"/>
+          <p:nvPr/>
+        </p:nvSpPr>
+        <p:spPr>
+          <a:xfrm>
+            <a:off x="7851294" y="5884147"/>
+            <a:ext cx="515815" cy="246221"/>
+          </a:xfrm>
+          <a:prstGeom prst="rect">
+            <a:avLst/>
+          </a:prstGeom>
+          <a:noFill/>
+        </p:spPr>
+        <p:txBody>
+          <a:bodyPr wrap="square" rtlCol="0">
+            <a:spAutoFit/>
+          </a:bodyPr>
+          <a:lstStyle>
+            <a:defPPr>
+              <a:defRPr lang="en-US"/>
+            </a:defPPr>
+            <a:lvl1pPr marL="0" algn="l" defTabSz="457200" rtl="0" eaLnBrk="1" latinLnBrk="0" hangingPunct="1">
+              <a:defRPr sz="1800" kern="1200">
+                <a:solidFill>
+                  <a:schemeClr val="tx1"/>
+                </a:solidFill>
+                <a:latin typeface="+mn-lt"/>
+                <a:ea typeface="+mn-ea"/>
+                <a:cs typeface="+mn-cs"/>
+              </a:defRPr>
+            </a:lvl1pPr>
+            <a:lvl2pPr marL="457200" algn="l" defTabSz="457200" rtl="0" eaLnBrk="1" latinLnBrk="0" hangingPunct="1">
+              <a:defRPr sz="1800" kern="1200">
+                <a:solidFill>
+                  <a:schemeClr val="tx1"/>
+                </a:solidFill>
+                <a:latin typeface="+mn-lt"/>
+                <a:ea typeface="+mn-ea"/>
+                <a:cs typeface="+mn-cs"/>
+              </a:defRPr>
+            </a:lvl2pPr>
+            <a:lvl3pPr marL="914400" algn="l" defTabSz="457200" rtl="0" eaLnBrk="1" latinLnBrk="0" hangingPunct="1">
+              <a:defRPr sz="1800" kern="1200">
+                <a:solidFill>
+                  <a:schemeClr val="tx1"/>
+                </a:solidFill>
+                <a:latin typeface="+mn-lt"/>
+                <a:ea typeface="+mn-ea"/>
+                <a:cs typeface="+mn-cs"/>
+              </a:defRPr>
+            </a:lvl3pPr>
+            <a:lvl4pPr marL="1371600" algn="l" defTabSz="457200" rtl="0" eaLnBrk="1" latinLnBrk="0" hangingPunct="1">
+              <a:defRPr sz="1800" kern="1200">
+                <a:solidFill>
+                  <a:schemeClr val="tx1"/>
+                </a:solidFill>
+                <a:latin typeface="+mn-lt"/>
+                <a:ea typeface="+mn-ea"/>
+                <a:cs typeface="+mn-cs"/>
+              </a:defRPr>
+            </a:lvl4pPr>
+            <a:lvl5pPr marL="1828800" algn="l" defTabSz="457200" rtl="0" eaLnBrk="1" latinLnBrk="0" hangingPunct="1">
+              <a:defRPr sz="1800" kern="1200">
+                <a:solidFill>
+                  <a:schemeClr val="tx1"/>
+                </a:solidFill>
+                <a:latin typeface="+mn-lt"/>
+                <a:ea typeface="+mn-ea"/>
+                <a:cs typeface="+mn-cs"/>
+              </a:defRPr>
+            </a:lvl5pPr>
+            <a:lvl6pPr marL="2286000" algn="l" defTabSz="457200" rtl="0" eaLnBrk="1" latinLnBrk="0" hangingPunct="1">
+              <a:defRPr sz="1800" kern="1200">
+                <a:solidFill>
+                  <a:schemeClr val="tx1"/>
+                </a:solidFill>
+                <a:latin typeface="+mn-lt"/>
+                <a:ea typeface="+mn-ea"/>
+                <a:cs typeface="+mn-cs"/>
+              </a:defRPr>
+            </a:lvl6pPr>
+            <a:lvl7pPr marL="2743200" algn="l" defTabSz="457200" rtl="0" eaLnBrk="1" latinLnBrk="0" hangingPunct="1">
+              <a:defRPr sz="1800" kern="1200">
+                <a:solidFill>
+                  <a:schemeClr val="tx1"/>
+                </a:solidFill>
+                <a:latin typeface="+mn-lt"/>
+                <a:ea typeface="+mn-ea"/>
+                <a:cs typeface="+mn-cs"/>
+              </a:defRPr>
+            </a:lvl7pPr>
+            <a:lvl8pPr marL="3200400" algn="l" defTabSz="457200" rtl="0" eaLnBrk="1" latinLnBrk="0" hangingPunct="1">
+              <a:defRPr sz="1800" kern="1200">
+                <a:solidFill>
+                  <a:schemeClr val="tx1"/>
+                </a:solidFill>
+                <a:latin typeface="+mn-lt"/>
+                <a:ea typeface="+mn-ea"/>
+                <a:cs typeface="+mn-cs"/>
+              </a:defRPr>
+            </a:lvl8pPr>
+            <a:lvl9pPr marL="3657600" algn="l" defTabSz="457200" rtl="0" eaLnBrk="1" latinLnBrk="0" hangingPunct="1">
+              <a:defRPr sz="1800" kern="1200">
+                <a:solidFill>
+                  <a:schemeClr val="tx1"/>
+                </a:solidFill>
+                <a:latin typeface="+mn-lt"/>
+                <a:ea typeface="+mn-ea"/>
+                <a:cs typeface="+mn-cs"/>
+              </a:defRPr>
+            </a:lvl9pPr>
+          </a:lstStyle>
+          <a:p>
+            <a:r>
+              <a:rPr lang="en-US" sz="1000" dirty="0" err="1" smtClean="0"/>
+              <a:t>PCRpt</a:t>
+            </a:r>
+            <a:endParaRPr lang="en-IN" sz="1000" dirty="0"/>
+          </a:p>
+        </p:txBody>
+      </p:sp>
+      <p:cxnSp>
+        <p:nvCxnSpPr>
+          <p:cNvPr id="36" name="Straight Arrow Connector 35"/>
+          <p:cNvCxnSpPr/>
+          <p:nvPr/>
+        </p:nvCxnSpPr>
+        <p:spPr>
+          <a:xfrm flipH="1">
+            <a:off x="7844402" y="2590989"/>
+            <a:ext cx="3746805" cy="0"/>
+          </a:xfrm>
+          <a:prstGeom prst="straightConnector1">
+            <a:avLst/>
+          </a:prstGeom>
+          <a:ln>
+            <a:tailEnd type="triangle"/>
+          </a:ln>
+        </p:spPr>
+        <p:style>
+          <a:lnRef idx="1">
+            <a:schemeClr val="accent1"/>
+          </a:lnRef>
+          <a:fillRef idx="0">
+            <a:schemeClr val="accent1"/>
+          </a:fillRef>
+          <a:effectRef idx="0">
+            <a:schemeClr val="accent1"/>
+          </a:effectRef>
+          <a:fontRef idx="minor">
+            <a:schemeClr val="tx1"/>
+          </a:fontRef>
+        </p:style>
+      </p:cxnSp>
+      <p:sp>
+        <p:nvSpPr>
+          <p:cNvPr id="37" name="TextBox 36"/>
+          <p:cNvSpPr txBox="1"/>
+          <p:nvPr/>
+        </p:nvSpPr>
+        <p:spPr>
+          <a:xfrm>
+            <a:off x="8367109" y="2223143"/>
+            <a:ext cx="3075797" cy="369332"/>
+          </a:xfrm>
+          <a:prstGeom prst="rect">
+            <a:avLst/>
+          </a:prstGeom>
+          <a:noFill/>
+        </p:spPr>
+        <p:txBody>
+          <a:bodyPr wrap="square" rtlCol="0">
+            <a:spAutoFit/>
+          </a:bodyPr>
+          <a:lstStyle/>
+          <a:p>
+            <a:r>
+              <a:rPr lang="en-US" dirty="0" err="1" smtClean="0"/>
+              <a:t>PCInitiate</a:t>
+            </a:r>
+            <a:r>
+              <a:rPr lang="en-US" dirty="0" smtClean="0"/>
+              <a:t>, PLSP-ID=0, PST</a:t>
+            </a:r>
+            <a:endParaRPr lang="en-IN" dirty="0"/>
+          </a:p>
+        </p:txBody>
+      </p:sp>
+      <p:sp>
+        <p:nvSpPr>
+          <p:cNvPr id="38" name="TextBox 37"/>
+          <p:cNvSpPr txBox="1"/>
+          <p:nvPr/>
+        </p:nvSpPr>
+        <p:spPr>
+          <a:xfrm>
+            <a:off x="7328586" y="2841589"/>
+            <a:ext cx="515815" cy="400110"/>
+          </a:xfrm>
+          <a:prstGeom prst="rect">
+            <a:avLst/>
+          </a:prstGeom>
+          <a:noFill/>
+        </p:spPr>
+        <p:txBody>
+          <a:bodyPr wrap="square" rtlCol="0">
+            <a:spAutoFit/>
+          </a:bodyPr>
+          <a:lstStyle/>
+          <a:p>
+            <a:r>
+              <a:rPr lang="en-US" sz="1000" dirty="0" smtClean="0"/>
+              <a:t>LSP is down</a:t>
+            </a:r>
+            <a:endParaRPr lang="en-IN" sz="1000" dirty="0"/>
+          </a:p>
+        </p:txBody>
+      </p:sp>
+      <p:sp>
+        <p:nvSpPr>
+          <p:cNvPr id="39" name="TextBox 38"/>
+          <p:cNvSpPr txBox="1"/>
+          <p:nvPr/>
+        </p:nvSpPr>
+        <p:spPr>
+          <a:xfrm>
+            <a:off x="7330826" y="5807572"/>
+            <a:ext cx="515815" cy="400110"/>
+          </a:xfrm>
+          <a:prstGeom prst="rect">
+            <a:avLst/>
+          </a:prstGeom>
+          <a:noFill/>
+        </p:spPr>
+        <p:txBody>
+          <a:bodyPr wrap="square" rtlCol="0">
+            <a:spAutoFit/>
+          </a:bodyPr>
+          <a:lstStyle/>
+          <a:p>
+            <a:r>
+              <a:rPr lang="en-US" sz="1000" dirty="0" smtClean="0"/>
+              <a:t>LSP is Up!</a:t>
+            </a:r>
+            <a:endParaRPr lang="en-IN" sz="1000" dirty="0"/>
+          </a:p>
+        </p:txBody>
+      </p:sp>
     </p:spTree>
     <p:extLst>
       <p:ext uri="{BB962C8B-B14F-4D97-AF65-F5344CB8AC3E}">
-        <p14:creationId xmlns:p14="http://schemas.microsoft.com/office/powerpoint/2010/main" val="2282219591"/>
+        <p14:creationId xmlns:p14="http://schemas.microsoft.com/office/powerpoint/2010/main" val="513025306"/>
       </p:ext>
     </p:extLst>
   </p:cSld>
@@ -16088,14 +18925,16 @@
         </p:nvSpPr>
         <p:spPr/>
         <p:txBody>
-          <a:bodyPr/>
+          <a:bodyPr>
+            <a:normAutofit/>
+          </a:bodyPr>
           <a:lstStyle/>
           <a:p>
             <a:r>
-              <a:rPr lang="en-US" dirty="0" smtClean="0"/>
+              <a:rPr lang="en-US" sz="4400" dirty="0" smtClean="0"/>
               <a:t>CCI – LSP Modification</a:t>
             </a:r>
-            <a:endParaRPr lang="en-US" dirty="0"/>
+            <a:endParaRPr lang="en-US" sz="4400" dirty="0"/>
           </a:p>
         </p:txBody>
       </p:sp>
@@ -16112,7 +18951,7 @@
         <p:spPr>
           <a:xfrm>
             <a:off x="1097279" y="1845733"/>
-            <a:ext cx="5813659" cy="4487689"/>
+            <a:ext cx="5271897" cy="4487689"/>
           </a:xfrm>
         </p:spPr>
         <p:txBody>
@@ -16181,34 +19020,9 @@
               <a:rPr lang="en-US" dirty="0"/>
               <a:t> message, the PCE does cleanup operation for the old LSP.</a:t>
             </a:r>
-            <a:endParaRPr lang="en-US" dirty="0"/>
           </a:p>
         </p:txBody>
       </p:sp>
-      <p:pic>
-        <p:nvPicPr>
-          <p:cNvPr id="5" name="Picture 4"/>
-          <p:cNvPicPr>
-            <a:picLocks noChangeAspect="1"/>
-          </p:cNvPicPr>
-          <p:nvPr/>
-        </p:nvPicPr>
-        <p:blipFill>
-          <a:blip r:embed="rId2"/>
-          <a:stretch>
-            <a:fillRect/>
-          </a:stretch>
-        </p:blipFill>
-        <p:spPr>
-          <a:xfrm>
-            <a:off x="7141944" y="86625"/>
-            <a:ext cx="4955758" cy="6662838"/>
-          </a:xfrm>
-          <a:prstGeom prst="rect">
-            <a:avLst/>
-          </a:prstGeom>
-        </p:spPr>
-      </p:pic>
       <p:sp>
         <p:nvSpPr>
           <p:cNvPr id="6" name="Footer Placeholder 5"/>
@@ -16255,10 +19069,1884 @@
           </a:p>
         </p:txBody>
       </p:sp>
+      <p:sp>
+        <p:nvSpPr>
+          <p:cNvPr id="8" name="Rounded Rectangle 7"/>
+          <p:cNvSpPr/>
+          <p:nvPr/>
+        </p:nvSpPr>
+        <p:spPr>
+          <a:xfrm>
+            <a:off x="6096000" y="895486"/>
+            <a:ext cx="847288" cy="503340"/>
+          </a:xfrm>
+          <a:prstGeom prst="roundRect">
+            <a:avLst/>
+          </a:prstGeom>
+        </p:spPr>
+        <p:style>
+          <a:lnRef idx="2">
+            <a:schemeClr val="accent2">
+              <a:shade val="50000"/>
+            </a:schemeClr>
+          </a:lnRef>
+          <a:fillRef idx="1">
+            <a:schemeClr val="accent2"/>
+          </a:fillRef>
+          <a:effectRef idx="0">
+            <a:schemeClr val="accent2"/>
+          </a:effectRef>
+          <a:fontRef idx="minor">
+            <a:schemeClr val="lt1"/>
+          </a:fontRef>
+        </p:style>
+        <p:txBody>
+          <a:bodyPr rtlCol="0" anchor="ctr"/>
+          <a:lstStyle/>
+          <a:p>
+            <a:pPr algn="ctr"/>
+            <a:r>
+              <a:rPr lang="en-US" dirty="0" smtClean="0"/>
+              <a:t>Egress</a:t>
+            </a:r>
+            <a:endParaRPr lang="en-IN" dirty="0"/>
+          </a:p>
+        </p:txBody>
+      </p:sp>
+      <p:sp>
+        <p:nvSpPr>
+          <p:cNvPr id="9" name="Rounded Rectangle 8"/>
+          <p:cNvSpPr/>
+          <p:nvPr/>
+        </p:nvSpPr>
+        <p:spPr>
+          <a:xfrm>
+            <a:off x="6685786" y="481334"/>
+            <a:ext cx="938169" cy="503340"/>
+          </a:xfrm>
+          <a:prstGeom prst="roundRect">
+            <a:avLst/>
+          </a:prstGeom>
+        </p:spPr>
+        <p:style>
+          <a:lnRef idx="2">
+            <a:schemeClr val="accent3">
+              <a:shade val="50000"/>
+            </a:schemeClr>
+          </a:lnRef>
+          <a:fillRef idx="1">
+            <a:schemeClr val="accent3"/>
+          </a:fillRef>
+          <a:effectRef idx="0">
+            <a:schemeClr val="accent3"/>
+          </a:effectRef>
+          <a:fontRef idx="minor">
+            <a:schemeClr val="lt1"/>
+          </a:fontRef>
+        </p:style>
+        <p:txBody>
+          <a:bodyPr rtlCol="0" anchor="ctr"/>
+          <a:lstStyle/>
+          <a:p>
+            <a:pPr algn="ctr"/>
+            <a:r>
+              <a:rPr lang="en-US" dirty="0" smtClean="0"/>
+              <a:t>Transit</a:t>
+            </a:r>
+            <a:endParaRPr lang="en-IN" dirty="0"/>
+          </a:p>
+        </p:txBody>
+      </p:sp>
+      <p:sp>
+        <p:nvSpPr>
+          <p:cNvPr id="10" name="Rounded Rectangle 9"/>
+          <p:cNvSpPr/>
+          <p:nvPr/>
+        </p:nvSpPr>
+        <p:spPr>
+          <a:xfrm>
+            <a:off x="7375320" y="67182"/>
+            <a:ext cx="938169" cy="503340"/>
+          </a:xfrm>
+          <a:prstGeom prst="roundRect">
+            <a:avLst/>
+          </a:prstGeom>
+        </p:spPr>
+        <p:style>
+          <a:lnRef idx="2">
+            <a:schemeClr val="accent4">
+              <a:shade val="50000"/>
+            </a:schemeClr>
+          </a:lnRef>
+          <a:fillRef idx="1">
+            <a:schemeClr val="accent4"/>
+          </a:fillRef>
+          <a:effectRef idx="0">
+            <a:schemeClr val="accent4"/>
+          </a:effectRef>
+          <a:fontRef idx="minor">
+            <a:schemeClr val="lt1"/>
+          </a:fontRef>
+        </p:style>
+        <p:txBody>
+          <a:bodyPr rot="0" spcFirstLastPara="0" vert="horz" wrap="square" lIns="91440" tIns="45720" rIns="91440" bIns="45720" numCol="1" spcCol="0" rtlCol="0" fromWordArt="0" anchor="ctr" anchorCtr="0" forceAA="0" compatLnSpc="1">
+            <a:prstTxWarp prst="textNoShape">
+              <a:avLst/>
+            </a:prstTxWarp>
+            <a:noAutofit/>
+          </a:bodyPr>
+          <a:lstStyle>
+            <a:defPPr>
+              <a:defRPr lang="en-US"/>
+            </a:defPPr>
+            <a:lvl1pPr marL="0" algn="l" defTabSz="457200" rtl="0" eaLnBrk="1" latinLnBrk="0" hangingPunct="1">
+              <a:defRPr sz="1800" kern="1200">
+                <a:solidFill>
+                  <a:schemeClr val="lt1"/>
+                </a:solidFill>
+                <a:latin typeface="+mn-lt"/>
+                <a:ea typeface="+mn-ea"/>
+                <a:cs typeface="+mn-cs"/>
+              </a:defRPr>
+            </a:lvl1pPr>
+            <a:lvl2pPr marL="457200" algn="l" defTabSz="457200" rtl="0" eaLnBrk="1" latinLnBrk="0" hangingPunct="1">
+              <a:defRPr sz="1800" kern="1200">
+                <a:solidFill>
+                  <a:schemeClr val="lt1"/>
+                </a:solidFill>
+                <a:latin typeface="+mn-lt"/>
+                <a:ea typeface="+mn-ea"/>
+                <a:cs typeface="+mn-cs"/>
+              </a:defRPr>
+            </a:lvl2pPr>
+            <a:lvl3pPr marL="914400" algn="l" defTabSz="457200" rtl="0" eaLnBrk="1" latinLnBrk="0" hangingPunct="1">
+              <a:defRPr sz="1800" kern="1200">
+                <a:solidFill>
+                  <a:schemeClr val="lt1"/>
+                </a:solidFill>
+                <a:latin typeface="+mn-lt"/>
+                <a:ea typeface="+mn-ea"/>
+                <a:cs typeface="+mn-cs"/>
+              </a:defRPr>
+            </a:lvl3pPr>
+            <a:lvl4pPr marL="1371600" algn="l" defTabSz="457200" rtl="0" eaLnBrk="1" latinLnBrk="0" hangingPunct="1">
+              <a:defRPr sz="1800" kern="1200">
+                <a:solidFill>
+                  <a:schemeClr val="lt1"/>
+                </a:solidFill>
+                <a:latin typeface="+mn-lt"/>
+                <a:ea typeface="+mn-ea"/>
+                <a:cs typeface="+mn-cs"/>
+              </a:defRPr>
+            </a:lvl4pPr>
+            <a:lvl5pPr marL="1828800" algn="l" defTabSz="457200" rtl="0" eaLnBrk="1" latinLnBrk="0" hangingPunct="1">
+              <a:defRPr sz="1800" kern="1200">
+                <a:solidFill>
+                  <a:schemeClr val="lt1"/>
+                </a:solidFill>
+                <a:latin typeface="+mn-lt"/>
+                <a:ea typeface="+mn-ea"/>
+                <a:cs typeface="+mn-cs"/>
+              </a:defRPr>
+            </a:lvl5pPr>
+            <a:lvl6pPr marL="2286000" algn="l" defTabSz="457200" rtl="0" eaLnBrk="1" latinLnBrk="0" hangingPunct="1">
+              <a:defRPr sz="1800" kern="1200">
+                <a:solidFill>
+                  <a:schemeClr val="lt1"/>
+                </a:solidFill>
+                <a:latin typeface="+mn-lt"/>
+                <a:ea typeface="+mn-ea"/>
+                <a:cs typeface="+mn-cs"/>
+              </a:defRPr>
+            </a:lvl6pPr>
+            <a:lvl7pPr marL="2743200" algn="l" defTabSz="457200" rtl="0" eaLnBrk="1" latinLnBrk="0" hangingPunct="1">
+              <a:defRPr sz="1800" kern="1200">
+                <a:solidFill>
+                  <a:schemeClr val="lt1"/>
+                </a:solidFill>
+                <a:latin typeface="+mn-lt"/>
+                <a:ea typeface="+mn-ea"/>
+                <a:cs typeface="+mn-cs"/>
+              </a:defRPr>
+            </a:lvl7pPr>
+            <a:lvl8pPr marL="3200400" algn="l" defTabSz="457200" rtl="0" eaLnBrk="1" latinLnBrk="0" hangingPunct="1">
+              <a:defRPr sz="1800" kern="1200">
+                <a:solidFill>
+                  <a:schemeClr val="lt1"/>
+                </a:solidFill>
+                <a:latin typeface="+mn-lt"/>
+                <a:ea typeface="+mn-ea"/>
+                <a:cs typeface="+mn-cs"/>
+              </a:defRPr>
+            </a:lvl8pPr>
+            <a:lvl9pPr marL="3657600" algn="l" defTabSz="457200" rtl="0" eaLnBrk="1" latinLnBrk="0" hangingPunct="1">
+              <a:defRPr sz="1800" kern="1200">
+                <a:solidFill>
+                  <a:schemeClr val="lt1"/>
+                </a:solidFill>
+                <a:latin typeface="+mn-lt"/>
+                <a:ea typeface="+mn-ea"/>
+                <a:cs typeface="+mn-cs"/>
+              </a:defRPr>
+            </a:lvl9pPr>
+          </a:lstStyle>
+          <a:p>
+            <a:pPr algn="ctr"/>
+            <a:r>
+              <a:rPr lang="en-US" dirty="0" smtClean="0"/>
+              <a:t>Ingress</a:t>
+            </a:r>
+            <a:endParaRPr lang="en-IN" dirty="0"/>
+          </a:p>
+        </p:txBody>
+      </p:sp>
+      <p:sp>
+        <p:nvSpPr>
+          <p:cNvPr id="11" name="Rounded Rectangle 10"/>
+          <p:cNvSpPr/>
+          <p:nvPr/>
+        </p:nvSpPr>
+        <p:spPr>
+          <a:xfrm>
+            <a:off x="11122123" y="67182"/>
+            <a:ext cx="938169" cy="503340"/>
+          </a:xfrm>
+          <a:prstGeom prst="roundRect">
+            <a:avLst/>
+          </a:prstGeom>
+        </p:spPr>
+        <p:style>
+          <a:lnRef idx="2">
+            <a:schemeClr val="accent1">
+              <a:shade val="50000"/>
+            </a:schemeClr>
+          </a:lnRef>
+          <a:fillRef idx="1">
+            <a:schemeClr val="accent1"/>
+          </a:fillRef>
+          <a:effectRef idx="0">
+            <a:schemeClr val="accent1"/>
+          </a:effectRef>
+          <a:fontRef idx="minor">
+            <a:schemeClr val="lt1"/>
+          </a:fontRef>
+        </p:style>
+        <p:txBody>
+          <a:bodyPr rot="0" spcFirstLastPara="0" vert="horz" wrap="square" lIns="91440" tIns="45720" rIns="91440" bIns="45720" numCol="1" spcCol="0" rtlCol="0" fromWordArt="0" anchor="ctr" anchorCtr="0" forceAA="0" compatLnSpc="1">
+            <a:prstTxWarp prst="textNoShape">
+              <a:avLst/>
+            </a:prstTxWarp>
+            <a:noAutofit/>
+          </a:bodyPr>
+          <a:lstStyle>
+            <a:defPPr>
+              <a:defRPr lang="en-US"/>
+            </a:defPPr>
+            <a:lvl1pPr marL="0" algn="l" defTabSz="457200" rtl="0" eaLnBrk="1" latinLnBrk="0" hangingPunct="1">
+              <a:defRPr sz="1800" kern="1200">
+                <a:solidFill>
+                  <a:schemeClr val="lt1"/>
+                </a:solidFill>
+                <a:latin typeface="+mn-lt"/>
+                <a:ea typeface="+mn-ea"/>
+                <a:cs typeface="+mn-cs"/>
+              </a:defRPr>
+            </a:lvl1pPr>
+            <a:lvl2pPr marL="457200" algn="l" defTabSz="457200" rtl="0" eaLnBrk="1" latinLnBrk="0" hangingPunct="1">
+              <a:defRPr sz="1800" kern="1200">
+                <a:solidFill>
+                  <a:schemeClr val="lt1"/>
+                </a:solidFill>
+                <a:latin typeface="+mn-lt"/>
+                <a:ea typeface="+mn-ea"/>
+                <a:cs typeface="+mn-cs"/>
+              </a:defRPr>
+            </a:lvl2pPr>
+            <a:lvl3pPr marL="914400" algn="l" defTabSz="457200" rtl="0" eaLnBrk="1" latinLnBrk="0" hangingPunct="1">
+              <a:defRPr sz="1800" kern="1200">
+                <a:solidFill>
+                  <a:schemeClr val="lt1"/>
+                </a:solidFill>
+                <a:latin typeface="+mn-lt"/>
+                <a:ea typeface="+mn-ea"/>
+                <a:cs typeface="+mn-cs"/>
+              </a:defRPr>
+            </a:lvl3pPr>
+            <a:lvl4pPr marL="1371600" algn="l" defTabSz="457200" rtl="0" eaLnBrk="1" latinLnBrk="0" hangingPunct="1">
+              <a:defRPr sz="1800" kern="1200">
+                <a:solidFill>
+                  <a:schemeClr val="lt1"/>
+                </a:solidFill>
+                <a:latin typeface="+mn-lt"/>
+                <a:ea typeface="+mn-ea"/>
+                <a:cs typeface="+mn-cs"/>
+              </a:defRPr>
+            </a:lvl4pPr>
+            <a:lvl5pPr marL="1828800" algn="l" defTabSz="457200" rtl="0" eaLnBrk="1" latinLnBrk="0" hangingPunct="1">
+              <a:defRPr sz="1800" kern="1200">
+                <a:solidFill>
+                  <a:schemeClr val="lt1"/>
+                </a:solidFill>
+                <a:latin typeface="+mn-lt"/>
+                <a:ea typeface="+mn-ea"/>
+                <a:cs typeface="+mn-cs"/>
+              </a:defRPr>
+            </a:lvl5pPr>
+            <a:lvl6pPr marL="2286000" algn="l" defTabSz="457200" rtl="0" eaLnBrk="1" latinLnBrk="0" hangingPunct="1">
+              <a:defRPr sz="1800" kern="1200">
+                <a:solidFill>
+                  <a:schemeClr val="lt1"/>
+                </a:solidFill>
+                <a:latin typeface="+mn-lt"/>
+                <a:ea typeface="+mn-ea"/>
+                <a:cs typeface="+mn-cs"/>
+              </a:defRPr>
+            </a:lvl6pPr>
+            <a:lvl7pPr marL="2743200" algn="l" defTabSz="457200" rtl="0" eaLnBrk="1" latinLnBrk="0" hangingPunct="1">
+              <a:defRPr sz="1800" kern="1200">
+                <a:solidFill>
+                  <a:schemeClr val="lt1"/>
+                </a:solidFill>
+                <a:latin typeface="+mn-lt"/>
+                <a:ea typeface="+mn-ea"/>
+                <a:cs typeface="+mn-cs"/>
+              </a:defRPr>
+            </a:lvl7pPr>
+            <a:lvl8pPr marL="3200400" algn="l" defTabSz="457200" rtl="0" eaLnBrk="1" latinLnBrk="0" hangingPunct="1">
+              <a:defRPr sz="1800" kern="1200">
+                <a:solidFill>
+                  <a:schemeClr val="lt1"/>
+                </a:solidFill>
+                <a:latin typeface="+mn-lt"/>
+                <a:ea typeface="+mn-ea"/>
+                <a:cs typeface="+mn-cs"/>
+              </a:defRPr>
+            </a:lvl8pPr>
+            <a:lvl9pPr marL="3657600" algn="l" defTabSz="457200" rtl="0" eaLnBrk="1" latinLnBrk="0" hangingPunct="1">
+              <a:defRPr sz="1800" kern="1200">
+                <a:solidFill>
+                  <a:schemeClr val="lt1"/>
+                </a:solidFill>
+                <a:latin typeface="+mn-lt"/>
+                <a:ea typeface="+mn-ea"/>
+                <a:cs typeface="+mn-cs"/>
+              </a:defRPr>
+            </a:lvl9pPr>
+          </a:lstStyle>
+          <a:p>
+            <a:pPr algn="ctr"/>
+            <a:r>
+              <a:rPr lang="en-US" dirty="0" smtClean="0"/>
+              <a:t>PCE</a:t>
+            </a:r>
+            <a:endParaRPr lang="en-IN" dirty="0"/>
+          </a:p>
+        </p:txBody>
+      </p:sp>
+      <p:cxnSp>
+        <p:nvCxnSpPr>
+          <p:cNvPr id="12" name="Straight Connector 11"/>
+          <p:cNvCxnSpPr>
+            <a:stCxn id="11" idx="2"/>
+          </p:cNvCxnSpPr>
+          <p:nvPr/>
+        </p:nvCxnSpPr>
+        <p:spPr>
+          <a:xfrm>
+            <a:off x="11591208" y="570522"/>
+            <a:ext cx="21885" cy="6189897"/>
+          </a:xfrm>
+          <a:prstGeom prst="line">
+            <a:avLst/>
+          </a:prstGeom>
+        </p:spPr>
+        <p:style>
+          <a:lnRef idx="1">
+            <a:schemeClr val="accent1"/>
+          </a:lnRef>
+          <a:fillRef idx="0">
+            <a:schemeClr val="accent1"/>
+          </a:fillRef>
+          <a:effectRef idx="0">
+            <a:schemeClr val="accent1"/>
+          </a:effectRef>
+          <a:fontRef idx="minor">
+            <a:schemeClr val="tx1"/>
+          </a:fontRef>
+        </p:style>
+      </p:cxnSp>
+      <p:cxnSp>
+        <p:nvCxnSpPr>
+          <p:cNvPr id="13" name="Straight Connector 12"/>
+          <p:cNvCxnSpPr/>
+          <p:nvPr/>
+        </p:nvCxnSpPr>
+        <p:spPr>
+          <a:xfrm>
+            <a:off x="7844405" y="549500"/>
+            <a:ext cx="1676" cy="6210919"/>
+          </a:xfrm>
+          <a:prstGeom prst="line">
+            <a:avLst/>
+          </a:prstGeom>
+        </p:spPr>
+        <p:style>
+          <a:lnRef idx="1">
+            <a:schemeClr val="accent1"/>
+          </a:lnRef>
+          <a:fillRef idx="0">
+            <a:schemeClr val="accent1"/>
+          </a:fillRef>
+          <a:effectRef idx="0">
+            <a:schemeClr val="accent1"/>
+          </a:effectRef>
+          <a:fontRef idx="minor">
+            <a:schemeClr val="tx1"/>
+          </a:fontRef>
+        </p:style>
+      </p:cxnSp>
+      <p:cxnSp>
+        <p:nvCxnSpPr>
+          <p:cNvPr id="14" name="Straight Connector 13"/>
+          <p:cNvCxnSpPr>
+            <a:stCxn id="9" idx="2"/>
+          </p:cNvCxnSpPr>
+          <p:nvPr/>
+        </p:nvCxnSpPr>
+        <p:spPr>
+          <a:xfrm flipH="1">
+            <a:off x="7151681" y="984674"/>
+            <a:ext cx="3190" cy="5265401"/>
+          </a:xfrm>
+          <a:prstGeom prst="line">
+            <a:avLst/>
+          </a:prstGeom>
+        </p:spPr>
+        <p:style>
+          <a:lnRef idx="1">
+            <a:schemeClr val="accent1"/>
+          </a:lnRef>
+          <a:fillRef idx="0">
+            <a:schemeClr val="accent1"/>
+          </a:fillRef>
+          <a:effectRef idx="0">
+            <a:schemeClr val="accent1"/>
+          </a:effectRef>
+          <a:fontRef idx="minor">
+            <a:schemeClr val="tx1"/>
+          </a:fontRef>
+        </p:style>
+      </p:cxnSp>
+      <p:cxnSp>
+        <p:nvCxnSpPr>
+          <p:cNvPr id="15" name="Straight Connector 14"/>
+          <p:cNvCxnSpPr/>
+          <p:nvPr/>
+        </p:nvCxnSpPr>
+        <p:spPr>
+          <a:xfrm>
+            <a:off x="6504117" y="1398826"/>
+            <a:ext cx="7578" cy="4851249"/>
+          </a:xfrm>
+          <a:prstGeom prst="line">
+            <a:avLst/>
+          </a:prstGeom>
+        </p:spPr>
+        <p:style>
+          <a:lnRef idx="1">
+            <a:schemeClr val="accent1"/>
+          </a:lnRef>
+          <a:fillRef idx="0">
+            <a:schemeClr val="accent1"/>
+          </a:fillRef>
+          <a:effectRef idx="0">
+            <a:schemeClr val="accent1"/>
+          </a:effectRef>
+          <a:fontRef idx="minor">
+            <a:schemeClr val="tx1"/>
+          </a:fontRef>
+        </p:style>
+      </p:cxnSp>
+      <p:cxnSp>
+        <p:nvCxnSpPr>
+          <p:cNvPr id="17" name="Straight Arrow Connector 16"/>
+          <p:cNvCxnSpPr/>
+          <p:nvPr/>
+        </p:nvCxnSpPr>
+        <p:spPr>
+          <a:xfrm flipH="1">
+            <a:off x="6504117" y="1509777"/>
+            <a:ext cx="5087090" cy="0"/>
+          </a:xfrm>
+          <a:prstGeom prst="straightConnector1">
+            <a:avLst/>
+          </a:prstGeom>
+          <a:ln>
+            <a:tailEnd type="triangle"/>
+          </a:ln>
+        </p:spPr>
+        <p:style>
+          <a:lnRef idx="1">
+            <a:schemeClr val="accent1"/>
+          </a:lnRef>
+          <a:fillRef idx="0">
+            <a:schemeClr val="accent1"/>
+          </a:fillRef>
+          <a:effectRef idx="0">
+            <a:schemeClr val="accent1"/>
+          </a:effectRef>
+          <a:fontRef idx="minor">
+            <a:schemeClr val="tx1"/>
+          </a:fontRef>
+        </p:style>
+      </p:cxnSp>
+      <p:cxnSp>
+        <p:nvCxnSpPr>
+          <p:cNvPr id="18" name="Straight Arrow Connector 17"/>
+          <p:cNvCxnSpPr/>
+          <p:nvPr/>
+        </p:nvCxnSpPr>
+        <p:spPr>
+          <a:xfrm>
+            <a:off x="6504117" y="1728329"/>
+            <a:ext cx="5087090" cy="10048"/>
+          </a:xfrm>
+          <a:prstGeom prst="straightConnector1">
+            <a:avLst/>
+          </a:prstGeom>
+          <a:ln>
+            <a:tailEnd type="triangle"/>
+          </a:ln>
+        </p:spPr>
+        <p:style>
+          <a:lnRef idx="1">
+            <a:schemeClr val="accent1"/>
+          </a:lnRef>
+          <a:fillRef idx="0">
+            <a:schemeClr val="accent1"/>
+          </a:fillRef>
+          <a:effectRef idx="0">
+            <a:schemeClr val="accent1"/>
+          </a:effectRef>
+          <a:fontRef idx="minor">
+            <a:schemeClr val="tx1"/>
+          </a:fontRef>
+        </p:style>
+      </p:cxnSp>
+      <p:cxnSp>
+        <p:nvCxnSpPr>
+          <p:cNvPr id="19" name="Straight Arrow Connector 18"/>
+          <p:cNvCxnSpPr/>
+          <p:nvPr/>
+        </p:nvCxnSpPr>
+        <p:spPr>
+          <a:xfrm flipH="1" flipV="1">
+            <a:off x="7173397" y="2220698"/>
+            <a:ext cx="4417810" cy="24284"/>
+          </a:xfrm>
+          <a:prstGeom prst="straightConnector1">
+            <a:avLst/>
+          </a:prstGeom>
+          <a:ln>
+            <a:tailEnd type="triangle"/>
+          </a:ln>
+        </p:spPr>
+        <p:style>
+          <a:lnRef idx="1">
+            <a:schemeClr val="accent1"/>
+          </a:lnRef>
+          <a:fillRef idx="0">
+            <a:schemeClr val="accent1"/>
+          </a:fillRef>
+          <a:effectRef idx="0">
+            <a:schemeClr val="accent1"/>
+          </a:effectRef>
+          <a:fontRef idx="minor">
+            <a:schemeClr val="tx1"/>
+          </a:fontRef>
+        </p:style>
+      </p:cxnSp>
+      <p:cxnSp>
+        <p:nvCxnSpPr>
+          <p:cNvPr id="20" name="Straight Arrow Connector 19"/>
+          <p:cNvCxnSpPr/>
+          <p:nvPr/>
+        </p:nvCxnSpPr>
+        <p:spPr>
+          <a:xfrm>
+            <a:off x="7173397" y="2494033"/>
+            <a:ext cx="4417810" cy="15767"/>
+          </a:xfrm>
+          <a:prstGeom prst="straightConnector1">
+            <a:avLst/>
+          </a:prstGeom>
+          <a:ln>
+            <a:tailEnd type="triangle"/>
+          </a:ln>
+        </p:spPr>
+        <p:style>
+          <a:lnRef idx="1">
+            <a:schemeClr val="accent1"/>
+          </a:lnRef>
+          <a:fillRef idx="0">
+            <a:schemeClr val="accent1"/>
+          </a:fillRef>
+          <a:effectRef idx="0">
+            <a:schemeClr val="accent1"/>
+          </a:effectRef>
+          <a:fontRef idx="minor">
+            <a:schemeClr val="tx1"/>
+          </a:fontRef>
+        </p:style>
+      </p:cxnSp>
+      <p:cxnSp>
+        <p:nvCxnSpPr>
+          <p:cNvPr id="21" name="Straight Arrow Connector 20"/>
+          <p:cNvCxnSpPr/>
+          <p:nvPr/>
+        </p:nvCxnSpPr>
+        <p:spPr>
+          <a:xfrm flipH="1" flipV="1">
+            <a:off x="7844403" y="2953125"/>
+            <a:ext cx="3746804" cy="14092"/>
+          </a:xfrm>
+          <a:prstGeom prst="straightConnector1">
+            <a:avLst/>
+          </a:prstGeom>
+          <a:ln>
+            <a:tailEnd type="triangle"/>
+          </a:ln>
+        </p:spPr>
+        <p:style>
+          <a:lnRef idx="1">
+            <a:schemeClr val="accent1"/>
+          </a:lnRef>
+          <a:fillRef idx="0">
+            <a:schemeClr val="accent1"/>
+          </a:fillRef>
+          <a:effectRef idx="0">
+            <a:schemeClr val="accent1"/>
+          </a:effectRef>
+          <a:fontRef idx="minor">
+            <a:schemeClr val="tx1"/>
+          </a:fontRef>
+        </p:style>
+      </p:cxnSp>
+      <p:cxnSp>
+        <p:nvCxnSpPr>
+          <p:cNvPr id="22" name="Straight Arrow Connector 21"/>
+          <p:cNvCxnSpPr/>
+          <p:nvPr/>
+        </p:nvCxnSpPr>
+        <p:spPr>
+          <a:xfrm flipV="1">
+            <a:off x="7844403" y="3151939"/>
+            <a:ext cx="3746804" cy="8160"/>
+          </a:xfrm>
+          <a:prstGeom prst="straightConnector1">
+            <a:avLst/>
+          </a:prstGeom>
+          <a:ln>
+            <a:tailEnd type="triangle"/>
+          </a:ln>
+        </p:spPr>
+        <p:style>
+          <a:lnRef idx="1">
+            <a:schemeClr val="accent1"/>
+          </a:lnRef>
+          <a:fillRef idx="0">
+            <a:schemeClr val="accent1"/>
+          </a:fillRef>
+          <a:effectRef idx="0">
+            <a:schemeClr val="accent1"/>
+          </a:effectRef>
+          <a:fontRef idx="minor">
+            <a:schemeClr val="tx1"/>
+          </a:fontRef>
+        </p:style>
+      </p:cxnSp>
+      <p:cxnSp>
+        <p:nvCxnSpPr>
+          <p:cNvPr id="23" name="Straight Arrow Connector 22"/>
+          <p:cNvCxnSpPr/>
+          <p:nvPr/>
+        </p:nvCxnSpPr>
+        <p:spPr>
+          <a:xfrm flipH="1" flipV="1">
+            <a:off x="7844403" y="3833947"/>
+            <a:ext cx="3746804" cy="14092"/>
+          </a:xfrm>
+          <a:prstGeom prst="straightConnector1">
+            <a:avLst/>
+          </a:prstGeom>
+          <a:ln>
+            <a:tailEnd type="triangle"/>
+          </a:ln>
+        </p:spPr>
+        <p:style>
+          <a:lnRef idx="1">
+            <a:schemeClr val="accent1"/>
+          </a:lnRef>
+          <a:fillRef idx="0">
+            <a:schemeClr val="accent1"/>
+          </a:fillRef>
+          <a:effectRef idx="0">
+            <a:schemeClr val="accent1"/>
+          </a:effectRef>
+          <a:fontRef idx="minor">
+            <a:schemeClr val="tx1"/>
+          </a:fontRef>
+        </p:style>
+      </p:cxnSp>
+      <p:sp>
+        <p:nvSpPr>
+          <p:cNvPr id="26" name="TextBox 25"/>
+          <p:cNvSpPr txBox="1"/>
+          <p:nvPr/>
+        </p:nvSpPr>
+        <p:spPr>
+          <a:xfrm>
+            <a:off x="7844402" y="1125892"/>
+            <a:ext cx="3443030" cy="369332"/>
+          </a:xfrm>
+          <a:prstGeom prst="rect">
+            <a:avLst/>
+          </a:prstGeom>
+          <a:noFill/>
+        </p:spPr>
+        <p:txBody>
+          <a:bodyPr wrap="square" rtlCol="0">
+            <a:spAutoFit/>
+          </a:bodyPr>
+          <a:lstStyle/>
+          <a:p>
+            <a:r>
+              <a:rPr lang="en-US" dirty="0" err="1" smtClean="0"/>
+              <a:t>PCInitiate</a:t>
+            </a:r>
+            <a:r>
+              <a:rPr lang="en-US" dirty="0" smtClean="0"/>
+              <a:t>, CC-ID=XX, PLSP-ID=1</a:t>
+            </a:r>
+            <a:endParaRPr lang="en-IN" dirty="0"/>
+          </a:p>
+        </p:txBody>
+      </p:sp>
+      <p:sp>
+        <p:nvSpPr>
+          <p:cNvPr id="27" name="TextBox 26"/>
+          <p:cNvSpPr txBox="1"/>
+          <p:nvPr/>
+        </p:nvSpPr>
+        <p:spPr>
+          <a:xfrm>
+            <a:off x="6504116" y="1744259"/>
+            <a:ext cx="515815" cy="246221"/>
+          </a:xfrm>
+          <a:prstGeom prst="rect">
+            <a:avLst/>
+          </a:prstGeom>
+          <a:noFill/>
+        </p:spPr>
+        <p:txBody>
+          <a:bodyPr wrap="square" rtlCol="0">
+            <a:spAutoFit/>
+          </a:bodyPr>
+          <a:lstStyle/>
+          <a:p>
+            <a:r>
+              <a:rPr lang="en-US" sz="1000" dirty="0" err="1" smtClean="0"/>
+              <a:t>PCRpt</a:t>
+            </a:r>
+            <a:endParaRPr lang="en-IN" sz="1000" dirty="0"/>
+          </a:p>
+        </p:txBody>
+      </p:sp>
+      <p:sp>
+        <p:nvSpPr>
+          <p:cNvPr id="28" name="TextBox 27"/>
+          <p:cNvSpPr txBox="1"/>
+          <p:nvPr/>
+        </p:nvSpPr>
+        <p:spPr>
+          <a:xfrm>
+            <a:off x="7844402" y="1851363"/>
+            <a:ext cx="3075797" cy="369332"/>
+          </a:xfrm>
+          <a:prstGeom prst="rect">
+            <a:avLst/>
+          </a:prstGeom>
+          <a:noFill/>
+        </p:spPr>
+        <p:txBody>
+          <a:bodyPr wrap="square" rtlCol="0">
+            <a:spAutoFit/>
+          </a:bodyPr>
+          <a:lstStyle/>
+          <a:p>
+            <a:r>
+              <a:rPr lang="en-US" dirty="0" err="1" smtClean="0"/>
+              <a:t>PCInitiate</a:t>
+            </a:r>
+            <a:r>
+              <a:rPr lang="en-US" dirty="0" smtClean="0"/>
+              <a:t>, CC-ID=YY, PLSP-ID=1</a:t>
+            </a:r>
+            <a:endParaRPr lang="en-IN" dirty="0"/>
+          </a:p>
+        </p:txBody>
+      </p:sp>
+      <p:sp>
+        <p:nvSpPr>
+          <p:cNvPr id="29" name="TextBox 28"/>
+          <p:cNvSpPr txBox="1"/>
+          <p:nvPr/>
+        </p:nvSpPr>
+        <p:spPr>
+          <a:xfrm>
+            <a:off x="7196836" y="2509800"/>
+            <a:ext cx="515815" cy="246221"/>
+          </a:xfrm>
+          <a:prstGeom prst="rect">
+            <a:avLst/>
+          </a:prstGeom>
+          <a:noFill/>
+        </p:spPr>
+        <p:txBody>
+          <a:bodyPr wrap="square" rtlCol="0">
+            <a:spAutoFit/>
+          </a:bodyPr>
+          <a:lstStyle/>
+          <a:p>
+            <a:r>
+              <a:rPr lang="en-US" sz="1000" dirty="0" err="1" smtClean="0"/>
+              <a:t>PCRpt</a:t>
+            </a:r>
+            <a:endParaRPr lang="en-IN" sz="1000" dirty="0"/>
+          </a:p>
+        </p:txBody>
+      </p:sp>
+      <p:sp>
+        <p:nvSpPr>
+          <p:cNvPr id="30" name="TextBox 41"/>
+          <p:cNvSpPr txBox="1"/>
+          <p:nvPr/>
+        </p:nvSpPr>
+        <p:spPr>
+          <a:xfrm>
+            <a:off x="7851294" y="3328403"/>
+            <a:ext cx="515815" cy="246221"/>
+          </a:xfrm>
+          <a:prstGeom prst="rect">
+            <a:avLst/>
+          </a:prstGeom>
+          <a:noFill/>
+        </p:spPr>
+        <p:txBody>
+          <a:bodyPr wrap="square" rtlCol="0">
+            <a:spAutoFit/>
+          </a:bodyPr>
+          <a:lstStyle>
+            <a:defPPr>
+              <a:defRPr lang="en-US"/>
+            </a:defPPr>
+            <a:lvl1pPr marL="0" algn="l" defTabSz="457200" rtl="0" eaLnBrk="1" latinLnBrk="0" hangingPunct="1">
+              <a:defRPr sz="1800" kern="1200">
+                <a:solidFill>
+                  <a:schemeClr val="tx1"/>
+                </a:solidFill>
+                <a:latin typeface="+mn-lt"/>
+                <a:ea typeface="+mn-ea"/>
+                <a:cs typeface="+mn-cs"/>
+              </a:defRPr>
+            </a:lvl1pPr>
+            <a:lvl2pPr marL="457200" algn="l" defTabSz="457200" rtl="0" eaLnBrk="1" latinLnBrk="0" hangingPunct="1">
+              <a:defRPr sz="1800" kern="1200">
+                <a:solidFill>
+                  <a:schemeClr val="tx1"/>
+                </a:solidFill>
+                <a:latin typeface="+mn-lt"/>
+                <a:ea typeface="+mn-ea"/>
+                <a:cs typeface="+mn-cs"/>
+              </a:defRPr>
+            </a:lvl2pPr>
+            <a:lvl3pPr marL="914400" algn="l" defTabSz="457200" rtl="0" eaLnBrk="1" latinLnBrk="0" hangingPunct="1">
+              <a:defRPr sz="1800" kern="1200">
+                <a:solidFill>
+                  <a:schemeClr val="tx1"/>
+                </a:solidFill>
+                <a:latin typeface="+mn-lt"/>
+                <a:ea typeface="+mn-ea"/>
+                <a:cs typeface="+mn-cs"/>
+              </a:defRPr>
+            </a:lvl3pPr>
+            <a:lvl4pPr marL="1371600" algn="l" defTabSz="457200" rtl="0" eaLnBrk="1" latinLnBrk="0" hangingPunct="1">
+              <a:defRPr sz="1800" kern="1200">
+                <a:solidFill>
+                  <a:schemeClr val="tx1"/>
+                </a:solidFill>
+                <a:latin typeface="+mn-lt"/>
+                <a:ea typeface="+mn-ea"/>
+                <a:cs typeface="+mn-cs"/>
+              </a:defRPr>
+            </a:lvl4pPr>
+            <a:lvl5pPr marL="1828800" algn="l" defTabSz="457200" rtl="0" eaLnBrk="1" latinLnBrk="0" hangingPunct="1">
+              <a:defRPr sz="1800" kern="1200">
+                <a:solidFill>
+                  <a:schemeClr val="tx1"/>
+                </a:solidFill>
+                <a:latin typeface="+mn-lt"/>
+                <a:ea typeface="+mn-ea"/>
+                <a:cs typeface="+mn-cs"/>
+              </a:defRPr>
+            </a:lvl5pPr>
+            <a:lvl6pPr marL="2286000" algn="l" defTabSz="457200" rtl="0" eaLnBrk="1" latinLnBrk="0" hangingPunct="1">
+              <a:defRPr sz="1800" kern="1200">
+                <a:solidFill>
+                  <a:schemeClr val="tx1"/>
+                </a:solidFill>
+                <a:latin typeface="+mn-lt"/>
+                <a:ea typeface="+mn-ea"/>
+                <a:cs typeface="+mn-cs"/>
+              </a:defRPr>
+            </a:lvl6pPr>
+            <a:lvl7pPr marL="2743200" algn="l" defTabSz="457200" rtl="0" eaLnBrk="1" latinLnBrk="0" hangingPunct="1">
+              <a:defRPr sz="1800" kern="1200">
+                <a:solidFill>
+                  <a:schemeClr val="tx1"/>
+                </a:solidFill>
+                <a:latin typeface="+mn-lt"/>
+                <a:ea typeface="+mn-ea"/>
+                <a:cs typeface="+mn-cs"/>
+              </a:defRPr>
+            </a:lvl7pPr>
+            <a:lvl8pPr marL="3200400" algn="l" defTabSz="457200" rtl="0" eaLnBrk="1" latinLnBrk="0" hangingPunct="1">
+              <a:defRPr sz="1800" kern="1200">
+                <a:solidFill>
+                  <a:schemeClr val="tx1"/>
+                </a:solidFill>
+                <a:latin typeface="+mn-lt"/>
+                <a:ea typeface="+mn-ea"/>
+                <a:cs typeface="+mn-cs"/>
+              </a:defRPr>
+            </a:lvl8pPr>
+            <a:lvl9pPr marL="3657600" algn="l" defTabSz="457200" rtl="0" eaLnBrk="1" latinLnBrk="0" hangingPunct="1">
+              <a:defRPr sz="1800" kern="1200">
+                <a:solidFill>
+                  <a:schemeClr val="tx1"/>
+                </a:solidFill>
+                <a:latin typeface="+mn-lt"/>
+                <a:ea typeface="+mn-ea"/>
+                <a:cs typeface="+mn-cs"/>
+              </a:defRPr>
+            </a:lvl9pPr>
+          </a:lstStyle>
+          <a:p>
+            <a:r>
+              <a:rPr lang="en-US" sz="1000" dirty="0" err="1" smtClean="0"/>
+              <a:t>PCRpt</a:t>
+            </a:r>
+            <a:endParaRPr lang="en-IN" sz="1000" dirty="0"/>
+          </a:p>
+        </p:txBody>
+      </p:sp>
+      <p:sp>
+        <p:nvSpPr>
+          <p:cNvPr id="31" name="TextBox 30"/>
+          <p:cNvSpPr txBox="1"/>
+          <p:nvPr/>
+        </p:nvSpPr>
+        <p:spPr>
+          <a:xfrm>
+            <a:off x="7858964" y="2597885"/>
+            <a:ext cx="3075797" cy="369332"/>
+          </a:xfrm>
+          <a:prstGeom prst="rect">
+            <a:avLst/>
+          </a:prstGeom>
+          <a:noFill/>
+        </p:spPr>
+        <p:txBody>
+          <a:bodyPr wrap="square" rtlCol="0">
+            <a:spAutoFit/>
+          </a:bodyPr>
+          <a:lstStyle/>
+          <a:p>
+            <a:r>
+              <a:rPr lang="en-US" dirty="0" err="1" smtClean="0"/>
+              <a:t>PCInitiate</a:t>
+            </a:r>
+            <a:r>
+              <a:rPr lang="en-US" dirty="0" smtClean="0"/>
+              <a:t>, CC-ID=ZZ, PLSP-ID=1</a:t>
+            </a:r>
+            <a:endParaRPr lang="en-IN" dirty="0"/>
+          </a:p>
+        </p:txBody>
+      </p:sp>
+      <p:sp>
+        <p:nvSpPr>
+          <p:cNvPr id="32" name="TextBox 31"/>
+          <p:cNvSpPr txBox="1"/>
+          <p:nvPr/>
+        </p:nvSpPr>
+        <p:spPr>
+          <a:xfrm rot="16200000">
+            <a:off x="10966169" y="2125510"/>
+            <a:ext cx="1816239" cy="584775"/>
+          </a:xfrm>
+          <a:prstGeom prst="rect">
+            <a:avLst/>
+          </a:prstGeom>
+          <a:noFill/>
+        </p:spPr>
+        <p:txBody>
+          <a:bodyPr wrap="square" rtlCol="0">
+            <a:spAutoFit/>
+          </a:bodyPr>
+          <a:lstStyle/>
+          <a:p>
+            <a:pPr algn="ctr"/>
+            <a:r>
+              <a:rPr lang="en-US" sz="1600" dirty="0" smtClean="0"/>
+              <a:t>Label Download</a:t>
+            </a:r>
+          </a:p>
+          <a:p>
+            <a:pPr algn="ctr"/>
+            <a:r>
+              <a:rPr lang="en-US" sz="1600" dirty="0"/>
+              <a:t>a</a:t>
+            </a:r>
+            <a:r>
+              <a:rPr lang="en-US" sz="1600" dirty="0" smtClean="0"/>
+              <a:t>long the new path</a:t>
+            </a:r>
+            <a:endParaRPr lang="en-IN" sz="1600" dirty="0"/>
+          </a:p>
+        </p:txBody>
+      </p:sp>
+      <p:sp>
+        <p:nvSpPr>
+          <p:cNvPr id="33" name="TextBox 32"/>
+          <p:cNvSpPr txBox="1"/>
+          <p:nvPr/>
+        </p:nvSpPr>
+        <p:spPr>
+          <a:xfrm>
+            <a:off x="7858964" y="3496546"/>
+            <a:ext cx="3428468" cy="369332"/>
+          </a:xfrm>
+          <a:prstGeom prst="rect">
+            <a:avLst/>
+          </a:prstGeom>
+          <a:noFill/>
+        </p:spPr>
+        <p:txBody>
+          <a:bodyPr wrap="square" rtlCol="0">
+            <a:spAutoFit/>
+          </a:bodyPr>
+          <a:lstStyle/>
+          <a:p>
+            <a:r>
+              <a:rPr lang="en-US" dirty="0" err="1" smtClean="0"/>
+              <a:t>PCUpd</a:t>
+            </a:r>
+            <a:r>
+              <a:rPr lang="en-US" dirty="0" smtClean="0"/>
+              <a:t>, PLSP-ID=1,PST,D=1,SRP=S</a:t>
+            </a:r>
+            <a:endParaRPr lang="en-IN" dirty="0"/>
+          </a:p>
+        </p:txBody>
+      </p:sp>
+      <p:cxnSp>
+        <p:nvCxnSpPr>
+          <p:cNvPr id="34" name="Straight Arrow Connector 33"/>
+          <p:cNvCxnSpPr/>
+          <p:nvPr/>
+        </p:nvCxnSpPr>
+        <p:spPr>
+          <a:xfrm flipV="1">
+            <a:off x="7844403" y="4069804"/>
+            <a:ext cx="3746804" cy="8160"/>
+          </a:xfrm>
+          <a:prstGeom prst="straightConnector1">
+            <a:avLst/>
+          </a:prstGeom>
+          <a:ln>
+            <a:tailEnd type="triangle"/>
+          </a:ln>
+        </p:spPr>
+        <p:style>
+          <a:lnRef idx="1">
+            <a:schemeClr val="accent1"/>
+          </a:lnRef>
+          <a:fillRef idx="0">
+            <a:schemeClr val="accent1"/>
+          </a:fillRef>
+          <a:effectRef idx="0">
+            <a:schemeClr val="accent1"/>
+          </a:effectRef>
+          <a:fontRef idx="minor">
+            <a:schemeClr val="tx1"/>
+          </a:fontRef>
+        </p:style>
+      </p:cxnSp>
+      <p:sp>
+        <p:nvSpPr>
+          <p:cNvPr id="35" name="TextBox 41"/>
+          <p:cNvSpPr txBox="1"/>
+          <p:nvPr/>
+        </p:nvSpPr>
+        <p:spPr>
+          <a:xfrm>
+            <a:off x="7851294" y="4105596"/>
+            <a:ext cx="515815" cy="246221"/>
+          </a:xfrm>
+          <a:prstGeom prst="rect">
+            <a:avLst/>
+          </a:prstGeom>
+          <a:noFill/>
+        </p:spPr>
+        <p:txBody>
+          <a:bodyPr wrap="square" rtlCol="0">
+            <a:spAutoFit/>
+          </a:bodyPr>
+          <a:lstStyle>
+            <a:defPPr>
+              <a:defRPr lang="en-US"/>
+            </a:defPPr>
+            <a:lvl1pPr marL="0" algn="l" defTabSz="457200" rtl="0" eaLnBrk="1" latinLnBrk="0" hangingPunct="1">
+              <a:defRPr sz="1800" kern="1200">
+                <a:solidFill>
+                  <a:schemeClr val="tx1"/>
+                </a:solidFill>
+                <a:latin typeface="+mn-lt"/>
+                <a:ea typeface="+mn-ea"/>
+                <a:cs typeface="+mn-cs"/>
+              </a:defRPr>
+            </a:lvl1pPr>
+            <a:lvl2pPr marL="457200" algn="l" defTabSz="457200" rtl="0" eaLnBrk="1" latinLnBrk="0" hangingPunct="1">
+              <a:defRPr sz="1800" kern="1200">
+                <a:solidFill>
+                  <a:schemeClr val="tx1"/>
+                </a:solidFill>
+                <a:latin typeface="+mn-lt"/>
+                <a:ea typeface="+mn-ea"/>
+                <a:cs typeface="+mn-cs"/>
+              </a:defRPr>
+            </a:lvl2pPr>
+            <a:lvl3pPr marL="914400" algn="l" defTabSz="457200" rtl="0" eaLnBrk="1" latinLnBrk="0" hangingPunct="1">
+              <a:defRPr sz="1800" kern="1200">
+                <a:solidFill>
+                  <a:schemeClr val="tx1"/>
+                </a:solidFill>
+                <a:latin typeface="+mn-lt"/>
+                <a:ea typeface="+mn-ea"/>
+                <a:cs typeface="+mn-cs"/>
+              </a:defRPr>
+            </a:lvl3pPr>
+            <a:lvl4pPr marL="1371600" algn="l" defTabSz="457200" rtl="0" eaLnBrk="1" latinLnBrk="0" hangingPunct="1">
+              <a:defRPr sz="1800" kern="1200">
+                <a:solidFill>
+                  <a:schemeClr val="tx1"/>
+                </a:solidFill>
+                <a:latin typeface="+mn-lt"/>
+                <a:ea typeface="+mn-ea"/>
+                <a:cs typeface="+mn-cs"/>
+              </a:defRPr>
+            </a:lvl4pPr>
+            <a:lvl5pPr marL="1828800" algn="l" defTabSz="457200" rtl="0" eaLnBrk="1" latinLnBrk="0" hangingPunct="1">
+              <a:defRPr sz="1800" kern="1200">
+                <a:solidFill>
+                  <a:schemeClr val="tx1"/>
+                </a:solidFill>
+                <a:latin typeface="+mn-lt"/>
+                <a:ea typeface="+mn-ea"/>
+                <a:cs typeface="+mn-cs"/>
+              </a:defRPr>
+            </a:lvl5pPr>
+            <a:lvl6pPr marL="2286000" algn="l" defTabSz="457200" rtl="0" eaLnBrk="1" latinLnBrk="0" hangingPunct="1">
+              <a:defRPr sz="1800" kern="1200">
+                <a:solidFill>
+                  <a:schemeClr val="tx1"/>
+                </a:solidFill>
+                <a:latin typeface="+mn-lt"/>
+                <a:ea typeface="+mn-ea"/>
+                <a:cs typeface="+mn-cs"/>
+              </a:defRPr>
+            </a:lvl6pPr>
+            <a:lvl7pPr marL="2743200" algn="l" defTabSz="457200" rtl="0" eaLnBrk="1" latinLnBrk="0" hangingPunct="1">
+              <a:defRPr sz="1800" kern="1200">
+                <a:solidFill>
+                  <a:schemeClr val="tx1"/>
+                </a:solidFill>
+                <a:latin typeface="+mn-lt"/>
+                <a:ea typeface="+mn-ea"/>
+                <a:cs typeface="+mn-cs"/>
+              </a:defRPr>
+            </a:lvl7pPr>
+            <a:lvl8pPr marL="3200400" algn="l" defTabSz="457200" rtl="0" eaLnBrk="1" latinLnBrk="0" hangingPunct="1">
+              <a:defRPr sz="1800" kern="1200">
+                <a:solidFill>
+                  <a:schemeClr val="tx1"/>
+                </a:solidFill>
+                <a:latin typeface="+mn-lt"/>
+                <a:ea typeface="+mn-ea"/>
+                <a:cs typeface="+mn-cs"/>
+              </a:defRPr>
+            </a:lvl8pPr>
+            <a:lvl9pPr marL="3657600" algn="l" defTabSz="457200" rtl="0" eaLnBrk="1" latinLnBrk="0" hangingPunct="1">
+              <a:defRPr sz="1800" kern="1200">
+                <a:solidFill>
+                  <a:schemeClr val="tx1"/>
+                </a:solidFill>
+                <a:latin typeface="+mn-lt"/>
+                <a:ea typeface="+mn-ea"/>
+                <a:cs typeface="+mn-cs"/>
+              </a:defRPr>
+            </a:lvl9pPr>
+          </a:lstStyle>
+          <a:p>
+            <a:r>
+              <a:rPr lang="en-US" sz="1000" dirty="0" err="1" smtClean="0"/>
+              <a:t>PCRpt</a:t>
+            </a:r>
+            <a:endParaRPr lang="en-IN" sz="1000" dirty="0"/>
+          </a:p>
+        </p:txBody>
+      </p:sp>
+      <p:sp>
+        <p:nvSpPr>
+          <p:cNvPr id="41" name="TextBox 40"/>
+          <p:cNvSpPr txBox="1"/>
+          <p:nvPr/>
+        </p:nvSpPr>
+        <p:spPr>
+          <a:xfrm>
+            <a:off x="11565657" y="3918853"/>
+            <a:ext cx="601019" cy="553998"/>
+          </a:xfrm>
+          <a:prstGeom prst="rect">
+            <a:avLst/>
+          </a:prstGeom>
+          <a:noFill/>
+        </p:spPr>
+        <p:txBody>
+          <a:bodyPr wrap="square" rtlCol="0">
+            <a:spAutoFit/>
+          </a:bodyPr>
+          <a:lstStyle/>
+          <a:p>
+            <a:r>
+              <a:rPr lang="en-US" sz="1000" dirty="0" smtClean="0"/>
+              <a:t>Trigger delete for old</a:t>
+            </a:r>
+            <a:endParaRPr lang="en-IN" sz="1000" dirty="0"/>
+          </a:p>
+        </p:txBody>
+      </p:sp>
+      <p:cxnSp>
+        <p:nvCxnSpPr>
+          <p:cNvPr id="42" name="Straight Arrow Connector 41"/>
+          <p:cNvCxnSpPr/>
+          <p:nvPr/>
+        </p:nvCxnSpPr>
+        <p:spPr>
+          <a:xfrm flipH="1">
+            <a:off x="6505797" y="4716871"/>
+            <a:ext cx="5087090" cy="0"/>
+          </a:xfrm>
+          <a:prstGeom prst="straightConnector1">
+            <a:avLst/>
+          </a:prstGeom>
+          <a:ln>
+            <a:tailEnd type="triangle"/>
+          </a:ln>
+        </p:spPr>
+        <p:style>
+          <a:lnRef idx="1">
+            <a:schemeClr val="accent1"/>
+          </a:lnRef>
+          <a:fillRef idx="0">
+            <a:schemeClr val="accent1"/>
+          </a:fillRef>
+          <a:effectRef idx="0">
+            <a:schemeClr val="accent1"/>
+          </a:effectRef>
+          <a:fontRef idx="minor">
+            <a:schemeClr val="tx1"/>
+          </a:fontRef>
+        </p:style>
+      </p:cxnSp>
+      <p:cxnSp>
+        <p:nvCxnSpPr>
+          <p:cNvPr id="43" name="Straight Arrow Connector 42"/>
+          <p:cNvCxnSpPr/>
+          <p:nvPr/>
+        </p:nvCxnSpPr>
+        <p:spPr>
+          <a:xfrm>
+            <a:off x="6505797" y="4935423"/>
+            <a:ext cx="5087090" cy="10048"/>
+          </a:xfrm>
+          <a:prstGeom prst="straightConnector1">
+            <a:avLst/>
+          </a:prstGeom>
+          <a:ln>
+            <a:tailEnd type="triangle"/>
+          </a:ln>
+        </p:spPr>
+        <p:style>
+          <a:lnRef idx="1">
+            <a:schemeClr val="accent1"/>
+          </a:lnRef>
+          <a:fillRef idx="0">
+            <a:schemeClr val="accent1"/>
+          </a:fillRef>
+          <a:effectRef idx="0">
+            <a:schemeClr val="accent1"/>
+          </a:effectRef>
+          <a:fontRef idx="minor">
+            <a:schemeClr val="tx1"/>
+          </a:fontRef>
+        </p:style>
+      </p:cxnSp>
+      <p:cxnSp>
+        <p:nvCxnSpPr>
+          <p:cNvPr id="44" name="Straight Arrow Connector 43"/>
+          <p:cNvCxnSpPr/>
+          <p:nvPr/>
+        </p:nvCxnSpPr>
+        <p:spPr>
+          <a:xfrm flipH="1" flipV="1">
+            <a:off x="7175077" y="5427792"/>
+            <a:ext cx="4417810" cy="24284"/>
+          </a:xfrm>
+          <a:prstGeom prst="straightConnector1">
+            <a:avLst/>
+          </a:prstGeom>
+          <a:ln>
+            <a:tailEnd type="triangle"/>
+          </a:ln>
+        </p:spPr>
+        <p:style>
+          <a:lnRef idx="1">
+            <a:schemeClr val="accent1"/>
+          </a:lnRef>
+          <a:fillRef idx="0">
+            <a:schemeClr val="accent1"/>
+          </a:fillRef>
+          <a:effectRef idx="0">
+            <a:schemeClr val="accent1"/>
+          </a:effectRef>
+          <a:fontRef idx="minor">
+            <a:schemeClr val="tx1"/>
+          </a:fontRef>
+        </p:style>
+      </p:cxnSp>
+      <p:cxnSp>
+        <p:nvCxnSpPr>
+          <p:cNvPr id="45" name="Straight Arrow Connector 44"/>
+          <p:cNvCxnSpPr/>
+          <p:nvPr/>
+        </p:nvCxnSpPr>
+        <p:spPr>
+          <a:xfrm>
+            <a:off x="7175077" y="5701127"/>
+            <a:ext cx="4417810" cy="15767"/>
+          </a:xfrm>
+          <a:prstGeom prst="straightConnector1">
+            <a:avLst/>
+          </a:prstGeom>
+          <a:ln>
+            <a:tailEnd type="triangle"/>
+          </a:ln>
+        </p:spPr>
+        <p:style>
+          <a:lnRef idx="1">
+            <a:schemeClr val="accent1"/>
+          </a:lnRef>
+          <a:fillRef idx="0">
+            <a:schemeClr val="accent1"/>
+          </a:fillRef>
+          <a:effectRef idx="0">
+            <a:schemeClr val="accent1"/>
+          </a:effectRef>
+          <a:fontRef idx="minor">
+            <a:schemeClr val="tx1"/>
+          </a:fontRef>
+        </p:style>
+      </p:cxnSp>
+      <p:cxnSp>
+        <p:nvCxnSpPr>
+          <p:cNvPr id="46" name="Straight Arrow Connector 45"/>
+          <p:cNvCxnSpPr/>
+          <p:nvPr/>
+        </p:nvCxnSpPr>
+        <p:spPr>
+          <a:xfrm flipH="1" flipV="1">
+            <a:off x="7846083" y="6160219"/>
+            <a:ext cx="3746804" cy="14092"/>
+          </a:xfrm>
+          <a:prstGeom prst="straightConnector1">
+            <a:avLst/>
+          </a:prstGeom>
+          <a:ln>
+            <a:tailEnd type="triangle"/>
+          </a:ln>
+        </p:spPr>
+        <p:style>
+          <a:lnRef idx="1">
+            <a:schemeClr val="accent1"/>
+          </a:lnRef>
+          <a:fillRef idx="0">
+            <a:schemeClr val="accent1"/>
+          </a:fillRef>
+          <a:effectRef idx="0">
+            <a:schemeClr val="accent1"/>
+          </a:effectRef>
+          <a:fontRef idx="minor">
+            <a:schemeClr val="tx1"/>
+          </a:fontRef>
+        </p:style>
+      </p:cxnSp>
+      <p:cxnSp>
+        <p:nvCxnSpPr>
+          <p:cNvPr id="47" name="Straight Arrow Connector 46"/>
+          <p:cNvCxnSpPr/>
+          <p:nvPr/>
+        </p:nvCxnSpPr>
+        <p:spPr>
+          <a:xfrm flipV="1">
+            <a:off x="7846083" y="6359033"/>
+            <a:ext cx="3746804" cy="8160"/>
+          </a:xfrm>
+          <a:prstGeom prst="straightConnector1">
+            <a:avLst/>
+          </a:prstGeom>
+          <a:ln>
+            <a:tailEnd type="triangle"/>
+          </a:ln>
+        </p:spPr>
+        <p:style>
+          <a:lnRef idx="1">
+            <a:schemeClr val="accent1"/>
+          </a:lnRef>
+          <a:fillRef idx="0">
+            <a:schemeClr val="accent1"/>
+          </a:fillRef>
+          <a:effectRef idx="0">
+            <a:schemeClr val="accent1"/>
+          </a:effectRef>
+          <a:fontRef idx="minor">
+            <a:schemeClr val="tx1"/>
+          </a:fontRef>
+        </p:style>
+      </p:cxnSp>
+      <p:sp>
+        <p:nvSpPr>
+          <p:cNvPr id="48" name="TextBox 47"/>
+          <p:cNvSpPr txBox="1"/>
+          <p:nvPr/>
+        </p:nvSpPr>
+        <p:spPr>
+          <a:xfrm>
+            <a:off x="7846082" y="4332986"/>
+            <a:ext cx="3443030" cy="369332"/>
+          </a:xfrm>
+          <a:prstGeom prst="rect">
+            <a:avLst/>
+          </a:prstGeom>
+          <a:noFill/>
+        </p:spPr>
+        <p:txBody>
+          <a:bodyPr wrap="square" rtlCol="0">
+            <a:spAutoFit/>
+          </a:bodyPr>
+          <a:lstStyle/>
+          <a:p>
+            <a:r>
+              <a:rPr lang="en-US" dirty="0" err="1" smtClean="0"/>
+              <a:t>PCInitiate</a:t>
+            </a:r>
+            <a:r>
+              <a:rPr lang="en-US" dirty="0" smtClean="0"/>
+              <a:t>, CC-ID=X, PLSP-ID=1,R=1</a:t>
+            </a:r>
+            <a:endParaRPr lang="en-IN" dirty="0"/>
+          </a:p>
+        </p:txBody>
+      </p:sp>
+      <p:sp>
+        <p:nvSpPr>
+          <p:cNvPr id="49" name="TextBox 48"/>
+          <p:cNvSpPr txBox="1"/>
+          <p:nvPr/>
+        </p:nvSpPr>
+        <p:spPr>
+          <a:xfrm>
+            <a:off x="6505796" y="4951353"/>
+            <a:ext cx="515815" cy="246221"/>
+          </a:xfrm>
+          <a:prstGeom prst="rect">
+            <a:avLst/>
+          </a:prstGeom>
+          <a:noFill/>
+        </p:spPr>
+        <p:txBody>
+          <a:bodyPr wrap="square" rtlCol="0">
+            <a:spAutoFit/>
+          </a:bodyPr>
+          <a:lstStyle/>
+          <a:p>
+            <a:r>
+              <a:rPr lang="en-US" sz="1000" dirty="0" err="1" smtClean="0"/>
+              <a:t>PCRpt</a:t>
+            </a:r>
+            <a:endParaRPr lang="en-IN" sz="1000" dirty="0"/>
+          </a:p>
+        </p:txBody>
+      </p:sp>
+      <p:sp>
+        <p:nvSpPr>
+          <p:cNvPr id="50" name="TextBox 49"/>
+          <p:cNvSpPr txBox="1"/>
+          <p:nvPr/>
+        </p:nvSpPr>
+        <p:spPr>
+          <a:xfrm>
+            <a:off x="7846082" y="5058457"/>
+            <a:ext cx="3366401" cy="369332"/>
+          </a:xfrm>
+          <a:prstGeom prst="rect">
+            <a:avLst/>
+          </a:prstGeom>
+          <a:noFill/>
+        </p:spPr>
+        <p:txBody>
+          <a:bodyPr wrap="square" rtlCol="0">
+            <a:spAutoFit/>
+          </a:bodyPr>
+          <a:lstStyle/>
+          <a:p>
+            <a:r>
+              <a:rPr lang="en-US" dirty="0" err="1" smtClean="0"/>
+              <a:t>PCInitiate</a:t>
+            </a:r>
+            <a:r>
+              <a:rPr lang="en-US" dirty="0" smtClean="0"/>
+              <a:t>, CC-ID=Y, PLSP-ID=1,R=1</a:t>
+            </a:r>
+            <a:endParaRPr lang="en-IN" dirty="0"/>
+          </a:p>
+        </p:txBody>
+      </p:sp>
+      <p:sp>
+        <p:nvSpPr>
+          <p:cNvPr id="51" name="TextBox 50"/>
+          <p:cNvSpPr txBox="1"/>
+          <p:nvPr/>
+        </p:nvSpPr>
+        <p:spPr>
+          <a:xfrm>
+            <a:off x="7198516" y="5716894"/>
+            <a:ext cx="515815" cy="246221"/>
+          </a:xfrm>
+          <a:prstGeom prst="rect">
+            <a:avLst/>
+          </a:prstGeom>
+          <a:noFill/>
+        </p:spPr>
+        <p:txBody>
+          <a:bodyPr wrap="square" rtlCol="0">
+            <a:spAutoFit/>
+          </a:bodyPr>
+          <a:lstStyle/>
+          <a:p>
+            <a:r>
+              <a:rPr lang="en-US" sz="1000" dirty="0" err="1" smtClean="0"/>
+              <a:t>PCRpt</a:t>
+            </a:r>
+            <a:endParaRPr lang="en-IN" sz="1000" dirty="0"/>
+          </a:p>
+        </p:txBody>
+      </p:sp>
+      <p:sp>
+        <p:nvSpPr>
+          <p:cNvPr id="52" name="TextBox 51"/>
+          <p:cNvSpPr txBox="1"/>
+          <p:nvPr/>
+        </p:nvSpPr>
+        <p:spPr>
+          <a:xfrm>
+            <a:off x="7860644" y="5804979"/>
+            <a:ext cx="3426788" cy="369332"/>
+          </a:xfrm>
+          <a:prstGeom prst="rect">
+            <a:avLst/>
+          </a:prstGeom>
+          <a:noFill/>
+        </p:spPr>
+        <p:txBody>
+          <a:bodyPr wrap="square" rtlCol="0">
+            <a:spAutoFit/>
+          </a:bodyPr>
+          <a:lstStyle/>
+          <a:p>
+            <a:r>
+              <a:rPr lang="en-US" dirty="0" err="1" smtClean="0"/>
+              <a:t>PCInitiate</a:t>
+            </a:r>
+            <a:r>
+              <a:rPr lang="en-US" dirty="0" smtClean="0"/>
+              <a:t>, CC-ID=Z, PLSP-ID=1,R=1</a:t>
+            </a:r>
+            <a:endParaRPr lang="en-IN" dirty="0"/>
+          </a:p>
+        </p:txBody>
+      </p:sp>
+      <p:sp>
+        <p:nvSpPr>
+          <p:cNvPr id="55" name="TextBox 41"/>
+          <p:cNvSpPr txBox="1"/>
+          <p:nvPr/>
+        </p:nvSpPr>
+        <p:spPr>
+          <a:xfrm>
+            <a:off x="7891205" y="6468066"/>
+            <a:ext cx="515815" cy="246221"/>
+          </a:xfrm>
+          <a:prstGeom prst="rect">
+            <a:avLst/>
+          </a:prstGeom>
+          <a:noFill/>
+        </p:spPr>
+        <p:txBody>
+          <a:bodyPr wrap="square" rtlCol="0">
+            <a:spAutoFit/>
+          </a:bodyPr>
+          <a:lstStyle>
+            <a:defPPr>
+              <a:defRPr lang="en-US"/>
+            </a:defPPr>
+            <a:lvl1pPr marL="0" algn="l" defTabSz="457200" rtl="0" eaLnBrk="1" latinLnBrk="0" hangingPunct="1">
+              <a:defRPr sz="1800" kern="1200">
+                <a:solidFill>
+                  <a:schemeClr val="tx1"/>
+                </a:solidFill>
+                <a:latin typeface="+mn-lt"/>
+                <a:ea typeface="+mn-ea"/>
+                <a:cs typeface="+mn-cs"/>
+              </a:defRPr>
+            </a:lvl1pPr>
+            <a:lvl2pPr marL="457200" algn="l" defTabSz="457200" rtl="0" eaLnBrk="1" latinLnBrk="0" hangingPunct="1">
+              <a:defRPr sz="1800" kern="1200">
+                <a:solidFill>
+                  <a:schemeClr val="tx1"/>
+                </a:solidFill>
+                <a:latin typeface="+mn-lt"/>
+                <a:ea typeface="+mn-ea"/>
+                <a:cs typeface="+mn-cs"/>
+              </a:defRPr>
+            </a:lvl2pPr>
+            <a:lvl3pPr marL="914400" algn="l" defTabSz="457200" rtl="0" eaLnBrk="1" latinLnBrk="0" hangingPunct="1">
+              <a:defRPr sz="1800" kern="1200">
+                <a:solidFill>
+                  <a:schemeClr val="tx1"/>
+                </a:solidFill>
+                <a:latin typeface="+mn-lt"/>
+                <a:ea typeface="+mn-ea"/>
+                <a:cs typeface="+mn-cs"/>
+              </a:defRPr>
+            </a:lvl3pPr>
+            <a:lvl4pPr marL="1371600" algn="l" defTabSz="457200" rtl="0" eaLnBrk="1" latinLnBrk="0" hangingPunct="1">
+              <a:defRPr sz="1800" kern="1200">
+                <a:solidFill>
+                  <a:schemeClr val="tx1"/>
+                </a:solidFill>
+                <a:latin typeface="+mn-lt"/>
+                <a:ea typeface="+mn-ea"/>
+                <a:cs typeface="+mn-cs"/>
+              </a:defRPr>
+            </a:lvl4pPr>
+            <a:lvl5pPr marL="1828800" algn="l" defTabSz="457200" rtl="0" eaLnBrk="1" latinLnBrk="0" hangingPunct="1">
+              <a:defRPr sz="1800" kern="1200">
+                <a:solidFill>
+                  <a:schemeClr val="tx1"/>
+                </a:solidFill>
+                <a:latin typeface="+mn-lt"/>
+                <a:ea typeface="+mn-ea"/>
+                <a:cs typeface="+mn-cs"/>
+              </a:defRPr>
+            </a:lvl5pPr>
+            <a:lvl6pPr marL="2286000" algn="l" defTabSz="457200" rtl="0" eaLnBrk="1" latinLnBrk="0" hangingPunct="1">
+              <a:defRPr sz="1800" kern="1200">
+                <a:solidFill>
+                  <a:schemeClr val="tx1"/>
+                </a:solidFill>
+                <a:latin typeface="+mn-lt"/>
+                <a:ea typeface="+mn-ea"/>
+                <a:cs typeface="+mn-cs"/>
+              </a:defRPr>
+            </a:lvl6pPr>
+            <a:lvl7pPr marL="2743200" algn="l" defTabSz="457200" rtl="0" eaLnBrk="1" latinLnBrk="0" hangingPunct="1">
+              <a:defRPr sz="1800" kern="1200">
+                <a:solidFill>
+                  <a:schemeClr val="tx1"/>
+                </a:solidFill>
+                <a:latin typeface="+mn-lt"/>
+                <a:ea typeface="+mn-ea"/>
+                <a:cs typeface="+mn-cs"/>
+              </a:defRPr>
+            </a:lvl7pPr>
+            <a:lvl8pPr marL="3200400" algn="l" defTabSz="457200" rtl="0" eaLnBrk="1" latinLnBrk="0" hangingPunct="1">
+              <a:defRPr sz="1800" kern="1200">
+                <a:solidFill>
+                  <a:schemeClr val="tx1"/>
+                </a:solidFill>
+                <a:latin typeface="+mn-lt"/>
+                <a:ea typeface="+mn-ea"/>
+                <a:cs typeface="+mn-cs"/>
+              </a:defRPr>
+            </a:lvl8pPr>
+            <a:lvl9pPr marL="3657600" algn="l" defTabSz="457200" rtl="0" eaLnBrk="1" latinLnBrk="0" hangingPunct="1">
+              <a:defRPr sz="1800" kern="1200">
+                <a:solidFill>
+                  <a:schemeClr val="tx1"/>
+                </a:solidFill>
+                <a:latin typeface="+mn-lt"/>
+                <a:ea typeface="+mn-ea"/>
+                <a:cs typeface="+mn-cs"/>
+              </a:defRPr>
+            </a:lvl9pPr>
+          </a:lstStyle>
+          <a:p>
+            <a:r>
+              <a:rPr lang="en-US" sz="1000" dirty="0" err="1" smtClean="0"/>
+              <a:t>PCRpt</a:t>
+            </a:r>
+            <a:endParaRPr lang="en-IN" sz="1000" dirty="0"/>
+          </a:p>
+        </p:txBody>
+      </p:sp>
+      <p:sp>
+        <p:nvSpPr>
+          <p:cNvPr id="56" name="TextBox 55"/>
+          <p:cNvSpPr txBox="1"/>
+          <p:nvPr/>
+        </p:nvSpPr>
+        <p:spPr>
+          <a:xfrm rot="16200000">
+            <a:off x="10999385" y="5318017"/>
+            <a:ext cx="1816239" cy="584775"/>
+          </a:xfrm>
+          <a:prstGeom prst="rect">
+            <a:avLst/>
+          </a:prstGeom>
+          <a:noFill/>
+        </p:spPr>
+        <p:txBody>
+          <a:bodyPr wrap="square" rtlCol="0">
+            <a:spAutoFit/>
+          </a:bodyPr>
+          <a:lstStyle/>
+          <a:p>
+            <a:pPr algn="ctr"/>
+            <a:r>
+              <a:rPr lang="en-US" sz="1600" dirty="0" smtClean="0"/>
+              <a:t>Label Cleanu</a:t>
+            </a:r>
+            <a:r>
+              <a:rPr lang="en-US" sz="1600" dirty="0"/>
+              <a:t>p</a:t>
+            </a:r>
+            <a:endParaRPr lang="en-US" sz="1600" dirty="0" smtClean="0"/>
+          </a:p>
+          <a:p>
+            <a:pPr algn="ctr"/>
+            <a:r>
+              <a:rPr lang="en-US" sz="1600" dirty="0"/>
+              <a:t>a</a:t>
+            </a:r>
+            <a:r>
+              <a:rPr lang="en-US" sz="1600" dirty="0" smtClean="0"/>
+              <a:t>long the old path</a:t>
+            </a:r>
+            <a:endParaRPr lang="en-IN" sz="1600" dirty="0"/>
+          </a:p>
+        </p:txBody>
+      </p:sp>
+      <p:sp>
+        <p:nvSpPr>
+          <p:cNvPr id="57" name="Rectangle 56"/>
+          <p:cNvSpPr/>
+          <p:nvPr/>
+        </p:nvSpPr>
+        <p:spPr>
+          <a:xfrm rot="16200000">
+            <a:off x="-1931694" y="3761655"/>
+            <a:ext cx="4486869" cy="707886"/>
+          </a:xfrm>
+          <a:prstGeom prst="rect">
+            <a:avLst/>
+          </a:prstGeom>
+          <a:noFill/>
+        </p:spPr>
+        <p:txBody>
+          <a:bodyPr wrap="none" lIns="91440" tIns="45720" rIns="91440" bIns="45720">
+            <a:spAutoFit/>
+          </a:bodyPr>
+          <a:lstStyle/>
+          <a:p>
+            <a:pPr algn="ctr"/>
+            <a:r>
+              <a:rPr lang="en-US" sz="4000" b="1" cap="none" spc="0" dirty="0" smtClean="0">
+                <a:ln w="10160">
+                  <a:solidFill>
+                    <a:schemeClr val="accent5"/>
+                  </a:solidFill>
+                  <a:prstDash val="solid"/>
+                </a:ln>
+                <a:solidFill>
+                  <a:srgbClr val="FFFFFF"/>
+                </a:solidFill>
+                <a:effectLst>
+                  <a:outerShdw blurRad="38100" dist="22860" dir="5400000" algn="tl" rotWithShape="0">
+                    <a:srgbClr val="000000">
+                      <a:alpha val="30000"/>
+                    </a:srgbClr>
+                  </a:outerShdw>
+                </a:effectLst>
+              </a:rPr>
+              <a:t>Make-Before-Break!</a:t>
+            </a:r>
+            <a:endParaRPr lang="en-US" sz="4000" b="1" cap="none" spc="0" dirty="0">
+              <a:ln w="10160">
+                <a:solidFill>
+                  <a:schemeClr val="accent5"/>
+                </a:solidFill>
+                <a:prstDash val="solid"/>
+              </a:ln>
+              <a:solidFill>
+                <a:srgbClr val="FFFFFF"/>
+              </a:solidFill>
+              <a:effectLst>
+                <a:outerShdw blurRad="38100" dist="22860" dir="5400000" algn="tl" rotWithShape="0">
+                  <a:srgbClr val="000000">
+                    <a:alpha val="30000"/>
+                  </a:srgbClr>
+                </a:outerShdw>
+              </a:effectLst>
+            </a:endParaRPr>
+          </a:p>
+        </p:txBody>
+      </p:sp>
     </p:spTree>
     <p:extLst>
       <p:ext uri="{BB962C8B-B14F-4D97-AF65-F5344CB8AC3E}">
-        <p14:creationId xmlns:p14="http://schemas.microsoft.com/office/powerpoint/2010/main" val="3488716783"/>
+        <p14:creationId xmlns:p14="http://schemas.microsoft.com/office/powerpoint/2010/main" val="1175233318"/>
       </p:ext>
     </p:extLst>
   </p:cSld>
@@ -17747,11 +22435,7 @@
           <a:p>
             <a:r>
               <a:rPr lang="en-US" dirty="0" smtClean="0"/>
-              <a:t>CCI: </a:t>
-            </a:r>
-            <a:r>
-              <a:rPr lang="en-US" dirty="0" smtClean="0"/>
-              <a:t>SR Node SID</a:t>
+              <a:t>CCI: SR Node SID</a:t>
             </a:r>
             <a:endParaRPr lang="en-US" dirty="0"/>
           </a:p>
@@ -17941,30 +22625,6 @@
           </a:p>
         </p:txBody>
       </p:sp>
-      <p:pic>
-        <p:nvPicPr>
-          <p:cNvPr id="4" name="Picture 3"/>
-          <p:cNvPicPr>
-            <a:picLocks noChangeAspect="1"/>
-          </p:cNvPicPr>
-          <p:nvPr/>
-        </p:nvPicPr>
-        <p:blipFill>
-          <a:blip r:embed="rId2"/>
-          <a:stretch>
-            <a:fillRect/>
-          </a:stretch>
-        </p:blipFill>
-        <p:spPr>
-          <a:xfrm>
-            <a:off x="6675771" y="2013127"/>
-            <a:ext cx="5000625" cy="4152900"/>
-          </a:xfrm>
-          <a:prstGeom prst="rect">
-            <a:avLst/>
-          </a:prstGeom>
-        </p:spPr>
-      </p:pic>
       <p:sp>
         <p:nvSpPr>
           <p:cNvPr id="7" name="Footer Placeholder 6"/>
@@ -18011,10 +22671,1152 @@
           </a:p>
         </p:txBody>
       </p:sp>
+      <p:sp>
+        <p:nvSpPr>
+          <p:cNvPr id="9" name="Rounded Rectangle 8"/>
+          <p:cNvSpPr/>
+          <p:nvPr/>
+        </p:nvSpPr>
+        <p:spPr>
+          <a:xfrm>
+            <a:off x="6096000" y="2674037"/>
+            <a:ext cx="847288" cy="503340"/>
+          </a:xfrm>
+          <a:prstGeom prst="roundRect">
+            <a:avLst/>
+          </a:prstGeom>
+        </p:spPr>
+        <p:style>
+          <a:lnRef idx="2">
+            <a:schemeClr val="accent2">
+              <a:shade val="50000"/>
+            </a:schemeClr>
+          </a:lnRef>
+          <a:fillRef idx="1">
+            <a:schemeClr val="accent2"/>
+          </a:fillRef>
+          <a:effectRef idx="0">
+            <a:schemeClr val="accent2"/>
+          </a:effectRef>
+          <a:fontRef idx="minor">
+            <a:schemeClr val="lt1"/>
+          </a:fontRef>
+        </p:style>
+        <p:txBody>
+          <a:bodyPr rtlCol="0" anchor="ctr"/>
+          <a:lstStyle/>
+          <a:p>
+            <a:pPr algn="ctr"/>
+            <a:r>
+              <a:rPr lang="en-US" sz="1200" dirty="0" smtClean="0"/>
+              <a:t>192.0.2.1</a:t>
+            </a:r>
+            <a:endParaRPr lang="en-IN" sz="1200" dirty="0"/>
+          </a:p>
+        </p:txBody>
+      </p:sp>
+      <p:sp>
+        <p:nvSpPr>
+          <p:cNvPr id="10" name="Rounded Rectangle 9"/>
+          <p:cNvSpPr/>
+          <p:nvPr/>
+        </p:nvSpPr>
+        <p:spPr>
+          <a:xfrm>
+            <a:off x="6685786" y="2259885"/>
+            <a:ext cx="938169" cy="503340"/>
+          </a:xfrm>
+          <a:prstGeom prst="roundRect">
+            <a:avLst/>
+          </a:prstGeom>
+        </p:spPr>
+        <p:style>
+          <a:lnRef idx="2">
+            <a:schemeClr val="accent3">
+              <a:shade val="50000"/>
+            </a:schemeClr>
+          </a:lnRef>
+          <a:fillRef idx="1">
+            <a:schemeClr val="accent3"/>
+          </a:fillRef>
+          <a:effectRef idx="0">
+            <a:schemeClr val="accent3"/>
+          </a:effectRef>
+          <a:fontRef idx="minor">
+            <a:schemeClr val="lt1"/>
+          </a:fontRef>
+        </p:style>
+        <p:txBody>
+          <a:bodyPr rtlCol="0" anchor="ctr"/>
+          <a:lstStyle/>
+          <a:p>
+            <a:pPr algn="ctr"/>
+            <a:r>
+              <a:rPr lang="en-US" sz="1400" dirty="0" smtClean="0"/>
+              <a:t>192.0.2.2</a:t>
+            </a:r>
+            <a:endParaRPr lang="en-IN" sz="1400" dirty="0"/>
+          </a:p>
+        </p:txBody>
+      </p:sp>
+      <p:sp>
+        <p:nvSpPr>
+          <p:cNvPr id="11" name="Rounded Rectangle 10"/>
+          <p:cNvSpPr/>
+          <p:nvPr/>
+        </p:nvSpPr>
+        <p:spPr>
+          <a:xfrm>
+            <a:off x="7375320" y="1845733"/>
+            <a:ext cx="938169" cy="503340"/>
+          </a:xfrm>
+          <a:prstGeom prst="roundRect">
+            <a:avLst/>
+          </a:prstGeom>
+        </p:spPr>
+        <p:style>
+          <a:lnRef idx="2">
+            <a:schemeClr val="accent4">
+              <a:shade val="50000"/>
+            </a:schemeClr>
+          </a:lnRef>
+          <a:fillRef idx="1">
+            <a:schemeClr val="accent4"/>
+          </a:fillRef>
+          <a:effectRef idx="0">
+            <a:schemeClr val="accent4"/>
+          </a:effectRef>
+          <a:fontRef idx="minor">
+            <a:schemeClr val="lt1"/>
+          </a:fontRef>
+        </p:style>
+        <p:txBody>
+          <a:bodyPr rot="0" spcFirstLastPara="0" vert="horz" wrap="square" lIns="91440" tIns="45720" rIns="91440" bIns="45720" numCol="1" spcCol="0" rtlCol="0" fromWordArt="0" anchor="ctr" anchorCtr="0" forceAA="0" compatLnSpc="1">
+            <a:prstTxWarp prst="textNoShape">
+              <a:avLst/>
+            </a:prstTxWarp>
+            <a:noAutofit/>
+          </a:bodyPr>
+          <a:lstStyle>
+            <a:defPPr>
+              <a:defRPr lang="en-US"/>
+            </a:defPPr>
+            <a:lvl1pPr marL="0" algn="l" defTabSz="457200" rtl="0" eaLnBrk="1" latinLnBrk="0" hangingPunct="1">
+              <a:defRPr sz="1800" kern="1200">
+                <a:solidFill>
+                  <a:schemeClr val="lt1"/>
+                </a:solidFill>
+                <a:latin typeface="+mn-lt"/>
+                <a:ea typeface="+mn-ea"/>
+                <a:cs typeface="+mn-cs"/>
+              </a:defRPr>
+            </a:lvl1pPr>
+            <a:lvl2pPr marL="457200" algn="l" defTabSz="457200" rtl="0" eaLnBrk="1" latinLnBrk="0" hangingPunct="1">
+              <a:defRPr sz="1800" kern="1200">
+                <a:solidFill>
+                  <a:schemeClr val="lt1"/>
+                </a:solidFill>
+                <a:latin typeface="+mn-lt"/>
+                <a:ea typeface="+mn-ea"/>
+                <a:cs typeface="+mn-cs"/>
+              </a:defRPr>
+            </a:lvl2pPr>
+            <a:lvl3pPr marL="914400" algn="l" defTabSz="457200" rtl="0" eaLnBrk="1" latinLnBrk="0" hangingPunct="1">
+              <a:defRPr sz="1800" kern="1200">
+                <a:solidFill>
+                  <a:schemeClr val="lt1"/>
+                </a:solidFill>
+                <a:latin typeface="+mn-lt"/>
+                <a:ea typeface="+mn-ea"/>
+                <a:cs typeface="+mn-cs"/>
+              </a:defRPr>
+            </a:lvl3pPr>
+            <a:lvl4pPr marL="1371600" algn="l" defTabSz="457200" rtl="0" eaLnBrk="1" latinLnBrk="0" hangingPunct="1">
+              <a:defRPr sz="1800" kern="1200">
+                <a:solidFill>
+                  <a:schemeClr val="lt1"/>
+                </a:solidFill>
+                <a:latin typeface="+mn-lt"/>
+                <a:ea typeface="+mn-ea"/>
+                <a:cs typeface="+mn-cs"/>
+              </a:defRPr>
+            </a:lvl4pPr>
+            <a:lvl5pPr marL="1828800" algn="l" defTabSz="457200" rtl="0" eaLnBrk="1" latinLnBrk="0" hangingPunct="1">
+              <a:defRPr sz="1800" kern="1200">
+                <a:solidFill>
+                  <a:schemeClr val="lt1"/>
+                </a:solidFill>
+                <a:latin typeface="+mn-lt"/>
+                <a:ea typeface="+mn-ea"/>
+                <a:cs typeface="+mn-cs"/>
+              </a:defRPr>
+            </a:lvl5pPr>
+            <a:lvl6pPr marL="2286000" algn="l" defTabSz="457200" rtl="0" eaLnBrk="1" latinLnBrk="0" hangingPunct="1">
+              <a:defRPr sz="1800" kern="1200">
+                <a:solidFill>
+                  <a:schemeClr val="lt1"/>
+                </a:solidFill>
+                <a:latin typeface="+mn-lt"/>
+                <a:ea typeface="+mn-ea"/>
+                <a:cs typeface="+mn-cs"/>
+              </a:defRPr>
+            </a:lvl6pPr>
+            <a:lvl7pPr marL="2743200" algn="l" defTabSz="457200" rtl="0" eaLnBrk="1" latinLnBrk="0" hangingPunct="1">
+              <a:defRPr sz="1800" kern="1200">
+                <a:solidFill>
+                  <a:schemeClr val="lt1"/>
+                </a:solidFill>
+                <a:latin typeface="+mn-lt"/>
+                <a:ea typeface="+mn-ea"/>
+                <a:cs typeface="+mn-cs"/>
+              </a:defRPr>
+            </a:lvl7pPr>
+            <a:lvl8pPr marL="3200400" algn="l" defTabSz="457200" rtl="0" eaLnBrk="1" latinLnBrk="0" hangingPunct="1">
+              <a:defRPr sz="1800" kern="1200">
+                <a:solidFill>
+                  <a:schemeClr val="lt1"/>
+                </a:solidFill>
+                <a:latin typeface="+mn-lt"/>
+                <a:ea typeface="+mn-ea"/>
+                <a:cs typeface="+mn-cs"/>
+              </a:defRPr>
+            </a:lvl8pPr>
+            <a:lvl9pPr marL="3657600" algn="l" defTabSz="457200" rtl="0" eaLnBrk="1" latinLnBrk="0" hangingPunct="1">
+              <a:defRPr sz="1800" kern="1200">
+                <a:solidFill>
+                  <a:schemeClr val="lt1"/>
+                </a:solidFill>
+                <a:latin typeface="+mn-lt"/>
+                <a:ea typeface="+mn-ea"/>
+                <a:cs typeface="+mn-cs"/>
+              </a:defRPr>
+            </a:lvl9pPr>
+          </a:lstStyle>
+          <a:p>
+            <a:pPr algn="ctr"/>
+            <a:r>
+              <a:rPr lang="en-US" sz="1400" dirty="0" smtClean="0"/>
+              <a:t>192.0.2.3</a:t>
+            </a:r>
+            <a:endParaRPr lang="en-IN" sz="1400" dirty="0"/>
+          </a:p>
+        </p:txBody>
+      </p:sp>
+      <p:sp>
+        <p:nvSpPr>
+          <p:cNvPr id="12" name="Rounded Rectangle 11"/>
+          <p:cNvSpPr/>
+          <p:nvPr/>
+        </p:nvSpPr>
+        <p:spPr>
+          <a:xfrm>
+            <a:off x="11122123" y="1845733"/>
+            <a:ext cx="938169" cy="503340"/>
+          </a:xfrm>
+          <a:prstGeom prst="roundRect">
+            <a:avLst/>
+          </a:prstGeom>
+        </p:spPr>
+        <p:style>
+          <a:lnRef idx="2">
+            <a:schemeClr val="accent1">
+              <a:shade val="50000"/>
+            </a:schemeClr>
+          </a:lnRef>
+          <a:fillRef idx="1">
+            <a:schemeClr val="accent1"/>
+          </a:fillRef>
+          <a:effectRef idx="0">
+            <a:schemeClr val="accent1"/>
+          </a:effectRef>
+          <a:fontRef idx="minor">
+            <a:schemeClr val="lt1"/>
+          </a:fontRef>
+        </p:style>
+        <p:txBody>
+          <a:bodyPr rot="0" spcFirstLastPara="0" vert="horz" wrap="square" lIns="91440" tIns="45720" rIns="91440" bIns="45720" numCol="1" spcCol="0" rtlCol="0" fromWordArt="0" anchor="ctr" anchorCtr="0" forceAA="0" compatLnSpc="1">
+            <a:prstTxWarp prst="textNoShape">
+              <a:avLst/>
+            </a:prstTxWarp>
+            <a:noAutofit/>
+          </a:bodyPr>
+          <a:lstStyle>
+            <a:defPPr>
+              <a:defRPr lang="en-US"/>
+            </a:defPPr>
+            <a:lvl1pPr marL="0" algn="l" defTabSz="457200" rtl="0" eaLnBrk="1" latinLnBrk="0" hangingPunct="1">
+              <a:defRPr sz="1800" kern="1200">
+                <a:solidFill>
+                  <a:schemeClr val="lt1"/>
+                </a:solidFill>
+                <a:latin typeface="+mn-lt"/>
+                <a:ea typeface="+mn-ea"/>
+                <a:cs typeface="+mn-cs"/>
+              </a:defRPr>
+            </a:lvl1pPr>
+            <a:lvl2pPr marL="457200" algn="l" defTabSz="457200" rtl="0" eaLnBrk="1" latinLnBrk="0" hangingPunct="1">
+              <a:defRPr sz="1800" kern="1200">
+                <a:solidFill>
+                  <a:schemeClr val="lt1"/>
+                </a:solidFill>
+                <a:latin typeface="+mn-lt"/>
+                <a:ea typeface="+mn-ea"/>
+                <a:cs typeface="+mn-cs"/>
+              </a:defRPr>
+            </a:lvl2pPr>
+            <a:lvl3pPr marL="914400" algn="l" defTabSz="457200" rtl="0" eaLnBrk="1" latinLnBrk="0" hangingPunct="1">
+              <a:defRPr sz="1800" kern="1200">
+                <a:solidFill>
+                  <a:schemeClr val="lt1"/>
+                </a:solidFill>
+                <a:latin typeface="+mn-lt"/>
+                <a:ea typeface="+mn-ea"/>
+                <a:cs typeface="+mn-cs"/>
+              </a:defRPr>
+            </a:lvl3pPr>
+            <a:lvl4pPr marL="1371600" algn="l" defTabSz="457200" rtl="0" eaLnBrk="1" latinLnBrk="0" hangingPunct="1">
+              <a:defRPr sz="1800" kern="1200">
+                <a:solidFill>
+                  <a:schemeClr val="lt1"/>
+                </a:solidFill>
+                <a:latin typeface="+mn-lt"/>
+                <a:ea typeface="+mn-ea"/>
+                <a:cs typeface="+mn-cs"/>
+              </a:defRPr>
+            </a:lvl4pPr>
+            <a:lvl5pPr marL="1828800" algn="l" defTabSz="457200" rtl="0" eaLnBrk="1" latinLnBrk="0" hangingPunct="1">
+              <a:defRPr sz="1800" kern="1200">
+                <a:solidFill>
+                  <a:schemeClr val="lt1"/>
+                </a:solidFill>
+                <a:latin typeface="+mn-lt"/>
+                <a:ea typeface="+mn-ea"/>
+                <a:cs typeface="+mn-cs"/>
+              </a:defRPr>
+            </a:lvl5pPr>
+            <a:lvl6pPr marL="2286000" algn="l" defTabSz="457200" rtl="0" eaLnBrk="1" latinLnBrk="0" hangingPunct="1">
+              <a:defRPr sz="1800" kern="1200">
+                <a:solidFill>
+                  <a:schemeClr val="lt1"/>
+                </a:solidFill>
+                <a:latin typeface="+mn-lt"/>
+                <a:ea typeface="+mn-ea"/>
+                <a:cs typeface="+mn-cs"/>
+              </a:defRPr>
+            </a:lvl6pPr>
+            <a:lvl7pPr marL="2743200" algn="l" defTabSz="457200" rtl="0" eaLnBrk="1" latinLnBrk="0" hangingPunct="1">
+              <a:defRPr sz="1800" kern="1200">
+                <a:solidFill>
+                  <a:schemeClr val="lt1"/>
+                </a:solidFill>
+                <a:latin typeface="+mn-lt"/>
+                <a:ea typeface="+mn-ea"/>
+                <a:cs typeface="+mn-cs"/>
+              </a:defRPr>
+            </a:lvl7pPr>
+            <a:lvl8pPr marL="3200400" algn="l" defTabSz="457200" rtl="0" eaLnBrk="1" latinLnBrk="0" hangingPunct="1">
+              <a:defRPr sz="1800" kern="1200">
+                <a:solidFill>
+                  <a:schemeClr val="lt1"/>
+                </a:solidFill>
+                <a:latin typeface="+mn-lt"/>
+                <a:ea typeface="+mn-ea"/>
+                <a:cs typeface="+mn-cs"/>
+              </a:defRPr>
+            </a:lvl8pPr>
+            <a:lvl9pPr marL="3657600" algn="l" defTabSz="457200" rtl="0" eaLnBrk="1" latinLnBrk="0" hangingPunct="1">
+              <a:defRPr sz="1800" kern="1200">
+                <a:solidFill>
+                  <a:schemeClr val="lt1"/>
+                </a:solidFill>
+                <a:latin typeface="+mn-lt"/>
+                <a:ea typeface="+mn-ea"/>
+                <a:cs typeface="+mn-cs"/>
+              </a:defRPr>
+            </a:lvl9pPr>
+          </a:lstStyle>
+          <a:p>
+            <a:pPr algn="ctr"/>
+            <a:r>
+              <a:rPr lang="en-US" dirty="0" smtClean="0"/>
+              <a:t>PCE</a:t>
+            </a:r>
+            <a:endParaRPr lang="en-IN" dirty="0"/>
+          </a:p>
+        </p:txBody>
+      </p:sp>
+      <p:cxnSp>
+        <p:nvCxnSpPr>
+          <p:cNvPr id="13" name="Straight Connector 12"/>
+          <p:cNvCxnSpPr>
+            <a:stCxn id="12" idx="2"/>
+          </p:cNvCxnSpPr>
+          <p:nvPr/>
+        </p:nvCxnSpPr>
+        <p:spPr>
+          <a:xfrm flipH="1">
+            <a:off x="11591207" y="2349073"/>
+            <a:ext cx="1" cy="3825224"/>
+          </a:xfrm>
+          <a:prstGeom prst="line">
+            <a:avLst/>
+          </a:prstGeom>
+        </p:spPr>
+        <p:style>
+          <a:lnRef idx="1">
+            <a:schemeClr val="accent1"/>
+          </a:lnRef>
+          <a:fillRef idx="0">
+            <a:schemeClr val="accent1"/>
+          </a:fillRef>
+          <a:effectRef idx="0">
+            <a:schemeClr val="accent1"/>
+          </a:effectRef>
+          <a:fontRef idx="minor">
+            <a:schemeClr val="tx1"/>
+          </a:fontRef>
+        </p:style>
+      </p:cxnSp>
+      <p:cxnSp>
+        <p:nvCxnSpPr>
+          <p:cNvPr id="14" name="Straight Connector 13"/>
+          <p:cNvCxnSpPr/>
+          <p:nvPr/>
+        </p:nvCxnSpPr>
+        <p:spPr>
+          <a:xfrm flipH="1">
+            <a:off x="7844403" y="2328051"/>
+            <a:ext cx="1" cy="3825224"/>
+          </a:xfrm>
+          <a:prstGeom prst="line">
+            <a:avLst/>
+          </a:prstGeom>
+        </p:spPr>
+        <p:style>
+          <a:lnRef idx="1">
+            <a:schemeClr val="accent1"/>
+          </a:lnRef>
+          <a:fillRef idx="0">
+            <a:schemeClr val="accent1"/>
+          </a:fillRef>
+          <a:effectRef idx="0">
+            <a:schemeClr val="accent1"/>
+          </a:effectRef>
+          <a:fontRef idx="minor">
+            <a:schemeClr val="tx1"/>
+          </a:fontRef>
+        </p:style>
+      </p:cxnSp>
+      <p:cxnSp>
+        <p:nvCxnSpPr>
+          <p:cNvPr id="15" name="Straight Connector 14"/>
+          <p:cNvCxnSpPr>
+            <a:stCxn id="10" idx="2"/>
+          </p:cNvCxnSpPr>
+          <p:nvPr/>
+        </p:nvCxnSpPr>
+        <p:spPr>
+          <a:xfrm>
+            <a:off x="7154871" y="2763225"/>
+            <a:ext cx="18526" cy="3390050"/>
+          </a:xfrm>
+          <a:prstGeom prst="line">
+            <a:avLst/>
+          </a:prstGeom>
+        </p:spPr>
+        <p:style>
+          <a:lnRef idx="1">
+            <a:schemeClr val="accent1"/>
+          </a:lnRef>
+          <a:fillRef idx="0">
+            <a:schemeClr val="accent1"/>
+          </a:fillRef>
+          <a:effectRef idx="0">
+            <a:schemeClr val="accent1"/>
+          </a:effectRef>
+          <a:fontRef idx="minor">
+            <a:schemeClr val="tx1"/>
+          </a:fontRef>
+        </p:style>
+      </p:cxnSp>
+      <p:cxnSp>
+        <p:nvCxnSpPr>
+          <p:cNvPr id="16" name="Straight Connector 15"/>
+          <p:cNvCxnSpPr/>
+          <p:nvPr/>
+        </p:nvCxnSpPr>
+        <p:spPr>
+          <a:xfrm>
+            <a:off x="6504117" y="3177377"/>
+            <a:ext cx="15527" cy="2975898"/>
+          </a:xfrm>
+          <a:prstGeom prst="line">
+            <a:avLst/>
+          </a:prstGeom>
+        </p:spPr>
+        <p:style>
+          <a:lnRef idx="1">
+            <a:schemeClr val="accent1"/>
+          </a:lnRef>
+          <a:fillRef idx="0">
+            <a:schemeClr val="accent1"/>
+          </a:fillRef>
+          <a:effectRef idx="0">
+            <a:schemeClr val="accent1"/>
+          </a:effectRef>
+          <a:fontRef idx="minor">
+            <a:schemeClr val="tx1"/>
+          </a:fontRef>
+        </p:style>
+      </p:cxnSp>
+      <p:cxnSp>
+        <p:nvCxnSpPr>
+          <p:cNvPr id="18" name="Straight Arrow Connector 17"/>
+          <p:cNvCxnSpPr/>
+          <p:nvPr/>
+        </p:nvCxnSpPr>
+        <p:spPr>
+          <a:xfrm flipH="1">
+            <a:off x="6504117" y="3429000"/>
+            <a:ext cx="5087090" cy="0"/>
+          </a:xfrm>
+          <a:prstGeom prst="straightConnector1">
+            <a:avLst/>
+          </a:prstGeom>
+          <a:ln>
+            <a:tailEnd type="triangle"/>
+          </a:ln>
+        </p:spPr>
+        <p:style>
+          <a:lnRef idx="1">
+            <a:schemeClr val="accent1"/>
+          </a:lnRef>
+          <a:fillRef idx="0">
+            <a:schemeClr val="accent1"/>
+          </a:fillRef>
+          <a:effectRef idx="0">
+            <a:schemeClr val="accent1"/>
+          </a:effectRef>
+          <a:fontRef idx="minor">
+            <a:schemeClr val="tx1"/>
+          </a:fontRef>
+        </p:style>
+      </p:cxnSp>
+      <p:cxnSp>
+        <p:nvCxnSpPr>
+          <p:cNvPr id="19" name="Straight Arrow Connector 18"/>
+          <p:cNvCxnSpPr/>
+          <p:nvPr/>
+        </p:nvCxnSpPr>
+        <p:spPr>
+          <a:xfrm>
+            <a:off x="6504117" y="3647552"/>
+            <a:ext cx="5087090" cy="10048"/>
+          </a:xfrm>
+          <a:prstGeom prst="straightConnector1">
+            <a:avLst/>
+          </a:prstGeom>
+          <a:ln>
+            <a:tailEnd type="triangle"/>
+          </a:ln>
+        </p:spPr>
+        <p:style>
+          <a:lnRef idx="1">
+            <a:schemeClr val="accent1"/>
+          </a:lnRef>
+          <a:fillRef idx="0">
+            <a:schemeClr val="accent1"/>
+          </a:fillRef>
+          <a:effectRef idx="0">
+            <a:schemeClr val="accent1"/>
+          </a:effectRef>
+          <a:fontRef idx="minor">
+            <a:schemeClr val="tx1"/>
+          </a:fontRef>
+        </p:style>
+      </p:cxnSp>
+      <p:cxnSp>
+        <p:nvCxnSpPr>
+          <p:cNvPr id="20" name="Straight Arrow Connector 19"/>
+          <p:cNvCxnSpPr/>
+          <p:nvPr/>
+        </p:nvCxnSpPr>
+        <p:spPr>
+          <a:xfrm flipH="1" flipV="1">
+            <a:off x="7173397" y="4139921"/>
+            <a:ext cx="4417810" cy="24284"/>
+          </a:xfrm>
+          <a:prstGeom prst="straightConnector1">
+            <a:avLst/>
+          </a:prstGeom>
+          <a:ln>
+            <a:tailEnd type="triangle"/>
+          </a:ln>
+        </p:spPr>
+        <p:style>
+          <a:lnRef idx="1">
+            <a:schemeClr val="accent1"/>
+          </a:lnRef>
+          <a:fillRef idx="0">
+            <a:schemeClr val="accent1"/>
+          </a:fillRef>
+          <a:effectRef idx="0">
+            <a:schemeClr val="accent1"/>
+          </a:effectRef>
+          <a:fontRef idx="minor">
+            <a:schemeClr val="tx1"/>
+          </a:fontRef>
+        </p:style>
+      </p:cxnSp>
+      <p:cxnSp>
+        <p:nvCxnSpPr>
+          <p:cNvPr id="21" name="Straight Arrow Connector 20"/>
+          <p:cNvCxnSpPr/>
+          <p:nvPr/>
+        </p:nvCxnSpPr>
+        <p:spPr>
+          <a:xfrm>
+            <a:off x="7173397" y="4413256"/>
+            <a:ext cx="4417810" cy="15767"/>
+          </a:xfrm>
+          <a:prstGeom prst="straightConnector1">
+            <a:avLst/>
+          </a:prstGeom>
+          <a:ln>
+            <a:tailEnd type="triangle"/>
+          </a:ln>
+        </p:spPr>
+        <p:style>
+          <a:lnRef idx="1">
+            <a:schemeClr val="accent1"/>
+          </a:lnRef>
+          <a:fillRef idx="0">
+            <a:schemeClr val="accent1"/>
+          </a:fillRef>
+          <a:effectRef idx="0">
+            <a:schemeClr val="accent1"/>
+          </a:effectRef>
+          <a:fontRef idx="minor">
+            <a:schemeClr val="tx1"/>
+          </a:fontRef>
+        </p:style>
+      </p:cxnSp>
+      <p:cxnSp>
+        <p:nvCxnSpPr>
+          <p:cNvPr id="22" name="Straight Arrow Connector 21"/>
+          <p:cNvCxnSpPr/>
+          <p:nvPr/>
+        </p:nvCxnSpPr>
+        <p:spPr>
+          <a:xfrm flipH="1" flipV="1">
+            <a:off x="7844403" y="4872348"/>
+            <a:ext cx="3746804" cy="14092"/>
+          </a:xfrm>
+          <a:prstGeom prst="straightConnector1">
+            <a:avLst/>
+          </a:prstGeom>
+          <a:ln>
+            <a:tailEnd type="triangle"/>
+          </a:ln>
+        </p:spPr>
+        <p:style>
+          <a:lnRef idx="1">
+            <a:schemeClr val="accent1"/>
+          </a:lnRef>
+          <a:fillRef idx="0">
+            <a:schemeClr val="accent1"/>
+          </a:fillRef>
+          <a:effectRef idx="0">
+            <a:schemeClr val="accent1"/>
+          </a:effectRef>
+          <a:fontRef idx="minor">
+            <a:schemeClr val="tx1"/>
+          </a:fontRef>
+        </p:style>
+      </p:cxnSp>
+      <p:cxnSp>
+        <p:nvCxnSpPr>
+          <p:cNvPr id="23" name="Straight Arrow Connector 22"/>
+          <p:cNvCxnSpPr/>
+          <p:nvPr/>
+        </p:nvCxnSpPr>
+        <p:spPr>
+          <a:xfrm flipV="1">
+            <a:off x="7844403" y="5071162"/>
+            <a:ext cx="3746804" cy="8160"/>
+          </a:xfrm>
+          <a:prstGeom prst="straightConnector1">
+            <a:avLst/>
+          </a:prstGeom>
+          <a:ln>
+            <a:tailEnd type="triangle"/>
+          </a:ln>
+        </p:spPr>
+        <p:style>
+          <a:lnRef idx="1">
+            <a:schemeClr val="accent1"/>
+          </a:lnRef>
+          <a:fillRef idx="0">
+            <a:schemeClr val="accent1"/>
+          </a:fillRef>
+          <a:effectRef idx="0">
+            <a:schemeClr val="accent1"/>
+          </a:effectRef>
+          <a:fontRef idx="minor">
+            <a:schemeClr val="tx1"/>
+          </a:fontRef>
+        </p:style>
+      </p:cxnSp>
+      <p:sp>
+        <p:nvSpPr>
+          <p:cNvPr id="27" name="TextBox 26"/>
+          <p:cNvSpPr txBox="1"/>
+          <p:nvPr/>
+        </p:nvSpPr>
+        <p:spPr>
+          <a:xfrm>
+            <a:off x="7844402" y="3045115"/>
+            <a:ext cx="3516696" cy="369332"/>
+          </a:xfrm>
+          <a:prstGeom prst="rect">
+            <a:avLst/>
+          </a:prstGeom>
+          <a:noFill/>
+        </p:spPr>
+        <p:txBody>
+          <a:bodyPr wrap="square" rtlCol="0">
+            <a:spAutoFit/>
+          </a:bodyPr>
+          <a:lstStyle/>
+          <a:p>
+            <a:r>
+              <a:rPr lang="en-US" dirty="0" err="1" smtClean="0"/>
+              <a:t>PCInitiate</a:t>
+            </a:r>
+            <a:r>
+              <a:rPr lang="en-US" dirty="0" smtClean="0"/>
+              <a:t>, FEC=192.0.2.1, CC-ID=X</a:t>
+            </a:r>
+            <a:endParaRPr lang="en-IN" dirty="0"/>
+          </a:p>
+        </p:txBody>
+      </p:sp>
+      <p:sp>
+        <p:nvSpPr>
+          <p:cNvPr id="28" name="TextBox 27"/>
+          <p:cNvSpPr txBox="1"/>
+          <p:nvPr/>
+        </p:nvSpPr>
+        <p:spPr>
+          <a:xfrm>
+            <a:off x="6504116" y="3663482"/>
+            <a:ext cx="515815" cy="246221"/>
+          </a:xfrm>
+          <a:prstGeom prst="rect">
+            <a:avLst/>
+          </a:prstGeom>
+          <a:noFill/>
+        </p:spPr>
+        <p:txBody>
+          <a:bodyPr wrap="square" rtlCol="0">
+            <a:spAutoFit/>
+          </a:bodyPr>
+          <a:lstStyle/>
+          <a:p>
+            <a:r>
+              <a:rPr lang="en-US" sz="1000" dirty="0" err="1" smtClean="0"/>
+              <a:t>PCRpt</a:t>
+            </a:r>
+            <a:endParaRPr lang="en-IN" sz="1000" dirty="0"/>
+          </a:p>
+        </p:txBody>
+      </p:sp>
+      <p:sp>
+        <p:nvSpPr>
+          <p:cNvPr id="30" name="TextBox 29"/>
+          <p:cNvSpPr txBox="1"/>
+          <p:nvPr/>
+        </p:nvSpPr>
+        <p:spPr>
+          <a:xfrm>
+            <a:off x="7196836" y="4429023"/>
+            <a:ext cx="515815" cy="246221"/>
+          </a:xfrm>
+          <a:prstGeom prst="rect">
+            <a:avLst/>
+          </a:prstGeom>
+          <a:noFill/>
+        </p:spPr>
+        <p:txBody>
+          <a:bodyPr wrap="square" rtlCol="0">
+            <a:spAutoFit/>
+          </a:bodyPr>
+          <a:lstStyle/>
+          <a:p>
+            <a:r>
+              <a:rPr lang="en-US" sz="1000" dirty="0" err="1" smtClean="0"/>
+              <a:t>PCRpt</a:t>
+            </a:r>
+            <a:endParaRPr lang="en-IN" sz="1000" dirty="0"/>
+          </a:p>
+        </p:txBody>
+      </p:sp>
+      <p:sp>
+        <p:nvSpPr>
+          <p:cNvPr id="31" name="TextBox 41"/>
+          <p:cNvSpPr txBox="1"/>
+          <p:nvPr/>
+        </p:nvSpPr>
+        <p:spPr>
+          <a:xfrm>
+            <a:off x="7851294" y="5106954"/>
+            <a:ext cx="515815" cy="246221"/>
+          </a:xfrm>
+          <a:prstGeom prst="rect">
+            <a:avLst/>
+          </a:prstGeom>
+          <a:noFill/>
+        </p:spPr>
+        <p:txBody>
+          <a:bodyPr wrap="square" rtlCol="0">
+            <a:spAutoFit/>
+          </a:bodyPr>
+          <a:lstStyle>
+            <a:defPPr>
+              <a:defRPr lang="en-US"/>
+            </a:defPPr>
+            <a:lvl1pPr marL="0" algn="l" defTabSz="457200" rtl="0" eaLnBrk="1" latinLnBrk="0" hangingPunct="1">
+              <a:defRPr sz="1800" kern="1200">
+                <a:solidFill>
+                  <a:schemeClr val="tx1"/>
+                </a:solidFill>
+                <a:latin typeface="+mn-lt"/>
+                <a:ea typeface="+mn-ea"/>
+                <a:cs typeface="+mn-cs"/>
+              </a:defRPr>
+            </a:lvl1pPr>
+            <a:lvl2pPr marL="457200" algn="l" defTabSz="457200" rtl="0" eaLnBrk="1" latinLnBrk="0" hangingPunct="1">
+              <a:defRPr sz="1800" kern="1200">
+                <a:solidFill>
+                  <a:schemeClr val="tx1"/>
+                </a:solidFill>
+                <a:latin typeface="+mn-lt"/>
+                <a:ea typeface="+mn-ea"/>
+                <a:cs typeface="+mn-cs"/>
+              </a:defRPr>
+            </a:lvl2pPr>
+            <a:lvl3pPr marL="914400" algn="l" defTabSz="457200" rtl="0" eaLnBrk="1" latinLnBrk="0" hangingPunct="1">
+              <a:defRPr sz="1800" kern="1200">
+                <a:solidFill>
+                  <a:schemeClr val="tx1"/>
+                </a:solidFill>
+                <a:latin typeface="+mn-lt"/>
+                <a:ea typeface="+mn-ea"/>
+                <a:cs typeface="+mn-cs"/>
+              </a:defRPr>
+            </a:lvl3pPr>
+            <a:lvl4pPr marL="1371600" algn="l" defTabSz="457200" rtl="0" eaLnBrk="1" latinLnBrk="0" hangingPunct="1">
+              <a:defRPr sz="1800" kern="1200">
+                <a:solidFill>
+                  <a:schemeClr val="tx1"/>
+                </a:solidFill>
+                <a:latin typeface="+mn-lt"/>
+                <a:ea typeface="+mn-ea"/>
+                <a:cs typeface="+mn-cs"/>
+              </a:defRPr>
+            </a:lvl4pPr>
+            <a:lvl5pPr marL="1828800" algn="l" defTabSz="457200" rtl="0" eaLnBrk="1" latinLnBrk="0" hangingPunct="1">
+              <a:defRPr sz="1800" kern="1200">
+                <a:solidFill>
+                  <a:schemeClr val="tx1"/>
+                </a:solidFill>
+                <a:latin typeface="+mn-lt"/>
+                <a:ea typeface="+mn-ea"/>
+                <a:cs typeface="+mn-cs"/>
+              </a:defRPr>
+            </a:lvl5pPr>
+            <a:lvl6pPr marL="2286000" algn="l" defTabSz="457200" rtl="0" eaLnBrk="1" latinLnBrk="0" hangingPunct="1">
+              <a:defRPr sz="1800" kern="1200">
+                <a:solidFill>
+                  <a:schemeClr val="tx1"/>
+                </a:solidFill>
+                <a:latin typeface="+mn-lt"/>
+                <a:ea typeface="+mn-ea"/>
+                <a:cs typeface="+mn-cs"/>
+              </a:defRPr>
+            </a:lvl6pPr>
+            <a:lvl7pPr marL="2743200" algn="l" defTabSz="457200" rtl="0" eaLnBrk="1" latinLnBrk="0" hangingPunct="1">
+              <a:defRPr sz="1800" kern="1200">
+                <a:solidFill>
+                  <a:schemeClr val="tx1"/>
+                </a:solidFill>
+                <a:latin typeface="+mn-lt"/>
+                <a:ea typeface="+mn-ea"/>
+                <a:cs typeface="+mn-cs"/>
+              </a:defRPr>
+            </a:lvl7pPr>
+            <a:lvl8pPr marL="3200400" algn="l" defTabSz="457200" rtl="0" eaLnBrk="1" latinLnBrk="0" hangingPunct="1">
+              <a:defRPr sz="1800" kern="1200">
+                <a:solidFill>
+                  <a:schemeClr val="tx1"/>
+                </a:solidFill>
+                <a:latin typeface="+mn-lt"/>
+                <a:ea typeface="+mn-ea"/>
+                <a:cs typeface="+mn-cs"/>
+              </a:defRPr>
+            </a:lvl8pPr>
+            <a:lvl9pPr marL="3657600" algn="l" defTabSz="457200" rtl="0" eaLnBrk="1" latinLnBrk="0" hangingPunct="1">
+              <a:defRPr sz="1800" kern="1200">
+                <a:solidFill>
+                  <a:schemeClr val="tx1"/>
+                </a:solidFill>
+                <a:latin typeface="+mn-lt"/>
+                <a:ea typeface="+mn-ea"/>
+                <a:cs typeface="+mn-cs"/>
+              </a:defRPr>
+            </a:lvl9pPr>
+          </a:lstStyle>
+          <a:p>
+            <a:r>
+              <a:rPr lang="en-US" sz="1000" dirty="0" err="1" smtClean="0"/>
+              <a:t>PCRpt</a:t>
+            </a:r>
+            <a:endParaRPr lang="en-IN" sz="1000" dirty="0"/>
+          </a:p>
+        </p:txBody>
+      </p:sp>
+      <p:sp>
+        <p:nvSpPr>
+          <p:cNvPr id="33" name="TextBox 32"/>
+          <p:cNvSpPr txBox="1"/>
+          <p:nvPr/>
+        </p:nvSpPr>
+        <p:spPr>
+          <a:xfrm rot="16200000">
+            <a:off x="10437269" y="4118945"/>
+            <a:ext cx="2874042" cy="584775"/>
+          </a:xfrm>
+          <a:prstGeom prst="rect">
+            <a:avLst/>
+          </a:prstGeom>
+          <a:noFill/>
+        </p:spPr>
+        <p:txBody>
+          <a:bodyPr wrap="square" rtlCol="0">
+            <a:spAutoFit/>
+          </a:bodyPr>
+          <a:lstStyle/>
+          <a:p>
+            <a:pPr algn="ctr"/>
+            <a:r>
+              <a:rPr lang="en-US" sz="1600" dirty="0" smtClean="0"/>
+              <a:t>SR Node SID Central controller instructions</a:t>
+            </a:r>
+            <a:endParaRPr lang="en-IN" sz="1600" dirty="0"/>
+          </a:p>
+        </p:txBody>
+      </p:sp>
+      <p:sp>
+        <p:nvSpPr>
+          <p:cNvPr id="38" name="TextBox 37"/>
+          <p:cNvSpPr txBox="1"/>
+          <p:nvPr/>
+        </p:nvSpPr>
+        <p:spPr>
+          <a:xfrm>
+            <a:off x="7829843" y="3799266"/>
+            <a:ext cx="3516696" cy="369332"/>
+          </a:xfrm>
+          <a:prstGeom prst="rect">
+            <a:avLst/>
+          </a:prstGeom>
+          <a:noFill/>
+        </p:spPr>
+        <p:txBody>
+          <a:bodyPr wrap="square" rtlCol="0">
+            <a:spAutoFit/>
+          </a:bodyPr>
+          <a:lstStyle/>
+          <a:p>
+            <a:r>
+              <a:rPr lang="en-US" dirty="0" err="1" smtClean="0"/>
+              <a:t>PCInitiate</a:t>
+            </a:r>
+            <a:r>
+              <a:rPr lang="en-US" dirty="0" smtClean="0"/>
+              <a:t>, FEC=192.0.2.1, CC-ID=Y</a:t>
+            </a:r>
+            <a:endParaRPr lang="en-IN" dirty="0"/>
+          </a:p>
+        </p:txBody>
+      </p:sp>
+      <p:sp>
+        <p:nvSpPr>
+          <p:cNvPr id="39" name="TextBox 26"/>
+          <p:cNvSpPr txBox="1"/>
+          <p:nvPr/>
+        </p:nvSpPr>
+        <p:spPr>
+          <a:xfrm>
+            <a:off x="7844402" y="4480660"/>
+            <a:ext cx="3516696" cy="369332"/>
+          </a:xfrm>
+          <a:prstGeom prst="rect">
+            <a:avLst/>
+          </a:prstGeom>
+          <a:noFill/>
+        </p:spPr>
+        <p:txBody>
+          <a:bodyPr wrap="square" rtlCol="0">
+            <a:spAutoFit/>
+          </a:bodyPr>
+          <a:lstStyle>
+            <a:defPPr>
+              <a:defRPr lang="en-US"/>
+            </a:defPPr>
+            <a:lvl1pPr marL="0" algn="l" defTabSz="457200" rtl="0" eaLnBrk="1" latinLnBrk="0" hangingPunct="1">
+              <a:defRPr sz="1800" kern="1200">
+                <a:solidFill>
+                  <a:schemeClr val="tx1"/>
+                </a:solidFill>
+                <a:latin typeface="+mn-lt"/>
+                <a:ea typeface="+mn-ea"/>
+                <a:cs typeface="+mn-cs"/>
+              </a:defRPr>
+            </a:lvl1pPr>
+            <a:lvl2pPr marL="457200" algn="l" defTabSz="457200" rtl="0" eaLnBrk="1" latinLnBrk="0" hangingPunct="1">
+              <a:defRPr sz="1800" kern="1200">
+                <a:solidFill>
+                  <a:schemeClr val="tx1"/>
+                </a:solidFill>
+                <a:latin typeface="+mn-lt"/>
+                <a:ea typeface="+mn-ea"/>
+                <a:cs typeface="+mn-cs"/>
+              </a:defRPr>
+            </a:lvl2pPr>
+            <a:lvl3pPr marL="914400" algn="l" defTabSz="457200" rtl="0" eaLnBrk="1" latinLnBrk="0" hangingPunct="1">
+              <a:defRPr sz="1800" kern="1200">
+                <a:solidFill>
+                  <a:schemeClr val="tx1"/>
+                </a:solidFill>
+                <a:latin typeface="+mn-lt"/>
+                <a:ea typeface="+mn-ea"/>
+                <a:cs typeface="+mn-cs"/>
+              </a:defRPr>
+            </a:lvl3pPr>
+            <a:lvl4pPr marL="1371600" algn="l" defTabSz="457200" rtl="0" eaLnBrk="1" latinLnBrk="0" hangingPunct="1">
+              <a:defRPr sz="1800" kern="1200">
+                <a:solidFill>
+                  <a:schemeClr val="tx1"/>
+                </a:solidFill>
+                <a:latin typeface="+mn-lt"/>
+                <a:ea typeface="+mn-ea"/>
+                <a:cs typeface="+mn-cs"/>
+              </a:defRPr>
+            </a:lvl4pPr>
+            <a:lvl5pPr marL="1828800" algn="l" defTabSz="457200" rtl="0" eaLnBrk="1" latinLnBrk="0" hangingPunct="1">
+              <a:defRPr sz="1800" kern="1200">
+                <a:solidFill>
+                  <a:schemeClr val="tx1"/>
+                </a:solidFill>
+                <a:latin typeface="+mn-lt"/>
+                <a:ea typeface="+mn-ea"/>
+                <a:cs typeface="+mn-cs"/>
+              </a:defRPr>
+            </a:lvl5pPr>
+            <a:lvl6pPr marL="2286000" algn="l" defTabSz="457200" rtl="0" eaLnBrk="1" latinLnBrk="0" hangingPunct="1">
+              <a:defRPr sz="1800" kern="1200">
+                <a:solidFill>
+                  <a:schemeClr val="tx1"/>
+                </a:solidFill>
+                <a:latin typeface="+mn-lt"/>
+                <a:ea typeface="+mn-ea"/>
+                <a:cs typeface="+mn-cs"/>
+              </a:defRPr>
+            </a:lvl6pPr>
+            <a:lvl7pPr marL="2743200" algn="l" defTabSz="457200" rtl="0" eaLnBrk="1" latinLnBrk="0" hangingPunct="1">
+              <a:defRPr sz="1800" kern="1200">
+                <a:solidFill>
+                  <a:schemeClr val="tx1"/>
+                </a:solidFill>
+                <a:latin typeface="+mn-lt"/>
+                <a:ea typeface="+mn-ea"/>
+                <a:cs typeface="+mn-cs"/>
+              </a:defRPr>
+            </a:lvl7pPr>
+            <a:lvl8pPr marL="3200400" algn="l" defTabSz="457200" rtl="0" eaLnBrk="1" latinLnBrk="0" hangingPunct="1">
+              <a:defRPr sz="1800" kern="1200">
+                <a:solidFill>
+                  <a:schemeClr val="tx1"/>
+                </a:solidFill>
+                <a:latin typeface="+mn-lt"/>
+                <a:ea typeface="+mn-ea"/>
+                <a:cs typeface="+mn-cs"/>
+              </a:defRPr>
+            </a:lvl8pPr>
+            <a:lvl9pPr marL="3657600" algn="l" defTabSz="457200" rtl="0" eaLnBrk="1" latinLnBrk="0" hangingPunct="1">
+              <a:defRPr sz="1800" kern="1200">
+                <a:solidFill>
+                  <a:schemeClr val="tx1"/>
+                </a:solidFill>
+                <a:latin typeface="+mn-lt"/>
+                <a:ea typeface="+mn-ea"/>
+                <a:cs typeface="+mn-cs"/>
+              </a:defRPr>
+            </a:lvl9pPr>
+          </a:lstStyle>
+          <a:p>
+            <a:r>
+              <a:rPr lang="en-US" dirty="0" err="1" smtClean="0"/>
+              <a:t>PCInitiate</a:t>
+            </a:r>
+            <a:r>
+              <a:rPr lang="en-US" dirty="0" smtClean="0"/>
+              <a:t>, FEC=192.0.2.1, </a:t>
+            </a:r>
+            <a:r>
+              <a:rPr lang="en-US" dirty="0" smtClean="0"/>
+              <a:t>CC-ID=Z</a:t>
+            </a:r>
+            <a:endParaRPr lang="en-IN" dirty="0"/>
+          </a:p>
+        </p:txBody>
+      </p:sp>
+      <p:sp>
+        <p:nvSpPr>
+          <p:cNvPr id="40" name="TextBox 39"/>
+          <p:cNvSpPr txBox="1"/>
+          <p:nvPr/>
+        </p:nvSpPr>
+        <p:spPr>
+          <a:xfrm rot="16200000">
+            <a:off x="6127535" y="4518641"/>
+            <a:ext cx="1347178" cy="430887"/>
+          </a:xfrm>
+          <a:prstGeom prst="rect">
+            <a:avLst/>
+          </a:prstGeom>
+          <a:noFill/>
+        </p:spPr>
+        <p:txBody>
+          <a:bodyPr wrap="square" rtlCol="0">
+            <a:spAutoFit/>
+          </a:bodyPr>
+          <a:lstStyle/>
+          <a:p>
+            <a:pPr algn="ctr"/>
+            <a:r>
+              <a:rPr lang="en-US" sz="1100" dirty="0" smtClean="0"/>
+              <a:t>Find Next Hop locally</a:t>
+            </a:r>
+            <a:endParaRPr lang="en-IN" sz="1100" dirty="0"/>
+          </a:p>
+        </p:txBody>
+      </p:sp>
     </p:spTree>
     <p:extLst>
       <p:ext uri="{BB962C8B-B14F-4D97-AF65-F5344CB8AC3E}">
-        <p14:creationId xmlns:p14="http://schemas.microsoft.com/office/powerpoint/2010/main" val="1021679228"/>
+        <p14:creationId xmlns:p14="http://schemas.microsoft.com/office/powerpoint/2010/main" val="2471826234"/>
       </p:ext>
     </p:extLst>
   </p:cSld>
@@ -18065,11 +23867,7 @@
           <a:p>
             <a:r>
               <a:rPr lang="en-US" dirty="0" smtClean="0"/>
-              <a:t>CCI: </a:t>
-            </a:r>
-            <a:r>
-              <a:rPr lang="en-US" dirty="0" smtClean="0"/>
-              <a:t>SR </a:t>
+              <a:t>CCI: SR </a:t>
             </a:r>
             <a:r>
               <a:rPr lang="en-US" dirty="0" err="1" smtClean="0"/>
@@ -18245,30 +24043,6 @@
           </a:p>
         </p:txBody>
       </p:sp>
-      <p:pic>
-        <p:nvPicPr>
-          <p:cNvPr id="5" name="Picture 4"/>
-          <p:cNvPicPr>
-            <a:picLocks noChangeAspect="1"/>
-          </p:cNvPicPr>
-          <p:nvPr/>
-        </p:nvPicPr>
-        <p:blipFill>
-          <a:blip r:embed="rId2"/>
-          <a:stretch>
-            <a:fillRect/>
-          </a:stretch>
-        </p:blipFill>
-        <p:spPr>
-          <a:xfrm>
-            <a:off x="6753274" y="2043364"/>
-            <a:ext cx="5095875" cy="3733800"/>
-          </a:xfrm>
-          <a:prstGeom prst="rect">
-            <a:avLst/>
-          </a:prstGeom>
-        </p:spPr>
-      </p:pic>
       <p:sp>
         <p:nvSpPr>
           <p:cNvPr id="6" name="Rounded Rectangle 5"/>
@@ -18278,7 +24052,7 @@
         <p:spPr>
           <a:xfrm>
             <a:off x="711979" y="5170000"/>
-            <a:ext cx="5948412" cy="1289785"/>
+            <a:ext cx="5384021" cy="1289785"/>
           </a:xfrm>
           <a:prstGeom prst="roundRect">
             <a:avLst/>
@@ -18367,10 +24141,807 @@
           </a:p>
         </p:txBody>
       </p:sp>
+      <p:sp>
+        <p:nvSpPr>
+          <p:cNvPr id="9" name="Rounded Rectangle 8"/>
+          <p:cNvSpPr/>
+          <p:nvPr/>
+        </p:nvSpPr>
+        <p:spPr>
+          <a:xfrm>
+            <a:off x="6096000" y="2674037"/>
+            <a:ext cx="847288" cy="503340"/>
+          </a:xfrm>
+          <a:prstGeom prst="roundRect">
+            <a:avLst/>
+          </a:prstGeom>
+        </p:spPr>
+        <p:style>
+          <a:lnRef idx="2">
+            <a:schemeClr val="accent2">
+              <a:shade val="50000"/>
+            </a:schemeClr>
+          </a:lnRef>
+          <a:fillRef idx="1">
+            <a:schemeClr val="accent2"/>
+          </a:fillRef>
+          <a:effectRef idx="0">
+            <a:schemeClr val="accent2"/>
+          </a:effectRef>
+          <a:fontRef idx="minor">
+            <a:schemeClr val="lt1"/>
+          </a:fontRef>
+        </p:style>
+        <p:txBody>
+          <a:bodyPr rtlCol="0" anchor="ctr"/>
+          <a:lstStyle/>
+          <a:p>
+            <a:pPr algn="ctr"/>
+            <a:r>
+              <a:rPr lang="en-US" sz="1200" dirty="0" smtClean="0"/>
+              <a:t>192.0.2.1</a:t>
+            </a:r>
+            <a:endParaRPr lang="en-IN" sz="1200" dirty="0"/>
+          </a:p>
+        </p:txBody>
+      </p:sp>
+      <p:sp>
+        <p:nvSpPr>
+          <p:cNvPr id="10" name="Rounded Rectangle 9"/>
+          <p:cNvSpPr/>
+          <p:nvPr/>
+        </p:nvSpPr>
+        <p:spPr>
+          <a:xfrm>
+            <a:off x="6685786" y="2259885"/>
+            <a:ext cx="938169" cy="503340"/>
+          </a:xfrm>
+          <a:prstGeom prst="roundRect">
+            <a:avLst/>
+          </a:prstGeom>
+        </p:spPr>
+        <p:style>
+          <a:lnRef idx="2">
+            <a:schemeClr val="accent3">
+              <a:shade val="50000"/>
+            </a:schemeClr>
+          </a:lnRef>
+          <a:fillRef idx="1">
+            <a:schemeClr val="accent3"/>
+          </a:fillRef>
+          <a:effectRef idx="0">
+            <a:schemeClr val="accent3"/>
+          </a:effectRef>
+          <a:fontRef idx="minor">
+            <a:schemeClr val="lt1"/>
+          </a:fontRef>
+        </p:style>
+        <p:txBody>
+          <a:bodyPr rtlCol="0" anchor="ctr"/>
+          <a:lstStyle/>
+          <a:p>
+            <a:pPr algn="ctr"/>
+            <a:r>
+              <a:rPr lang="en-US" sz="1400" dirty="0" smtClean="0"/>
+              <a:t>192.0.2.2</a:t>
+            </a:r>
+            <a:endParaRPr lang="en-IN" sz="1400" dirty="0"/>
+          </a:p>
+        </p:txBody>
+      </p:sp>
+      <p:sp>
+        <p:nvSpPr>
+          <p:cNvPr id="11" name="Rounded Rectangle 10"/>
+          <p:cNvSpPr/>
+          <p:nvPr/>
+        </p:nvSpPr>
+        <p:spPr>
+          <a:xfrm>
+            <a:off x="7375320" y="1845733"/>
+            <a:ext cx="938169" cy="503340"/>
+          </a:xfrm>
+          <a:prstGeom prst="roundRect">
+            <a:avLst/>
+          </a:prstGeom>
+        </p:spPr>
+        <p:style>
+          <a:lnRef idx="2">
+            <a:schemeClr val="accent4">
+              <a:shade val="50000"/>
+            </a:schemeClr>
+          </a:lnRef>
+          <a:fillRef idx="1">
+            <a:schemeClr val="accent4"/>
+          </a:fillRef>
+          <a:effectRef idx="0">
+            <a:schemeClr val="accent4"/>
+          </a:effectRef>
+          <a:fontRef idx="minor">
+            <a:schemeClr val="lt1"/>
+          </a:fontRef>
+        </p:style>
+        <p:txBody>
+          <a:bodyPr rot="0" spcFirstLastPara="0" vert="horz" wrap="square" lIns="91440" tIns="45720" rIns="91440" bIns="45720" numCol="1" spcCol="0" rtlCol="0" fromWordArt="0" anchor="ctr" anchorCtr="0" forceAA="0" compatLnSpc="1">
+            <a:prstTxWarp prst="textNoShape">
+              <a:avLst/>
+            </a:prstTxWarp>
+            <a:noAutofit/>
+          </a:bodyPr>
+          <a:lstStyle>
+            <a:defPPr>
+              <a:defRPr lang="en-US"/>
+            </a:defPPr>
+            <a:lvl1pPr marL="0" algn="l" defTabSz="457200" rtl="0" eaLnBrk="1" latinLnBrk="0" hangingPunct="1">
+              <a:defRPr sz="1800" kern="1200">
+                <a:solidFill>
+                  <a:schemeClr val="lt1"/>
+                </a:solidFill>
+                <a:latin typeface="+mn-lt"/>
+                <a:ea typeface="+mn-ea"/>
+                <a:cs typeface="+mn-cs"/>
+              </a:defRPr>
+            </a:lvl1pPr>
+            <a:lvl2pPr marL="457200" algn="l" defTabSz="457200" rtl="0" eaLnBrk="1" latinLnBrk="0" hangingPunct="1">
+              <a:defRPr sz="1800" kern="1200">
+                <a:solidFill>
+                  <a:schemeClr val="lt1"/>
+                </a:solidFill>
+                <a:latin typeface="+mn-lt"/>
+                <a:ea typeface="+mn-ea"/>
+                <a:cs typeface="+mn-cs"/>
+              </a:defRPr>
+            </a:lvl2pPr>
+            <a:lvl3pPr marL="914400" algn="l" defTabSz="457200" rtl="0" eaLnBrk="1" latinLnBrk="0" hangingPunct="1">
+              <a:defRPr sz="1800" kern="1200">
+                <a:solidFill>
+                  <a:schemeClr val="lt1"/>
+                </a:solidFill>
+                <a:latin typeface="+mn-lt"/>
+                <a:ea typeface="+mn-ea"/>
+                <a:cs typeface="+mn-cs"/>
+              </a:defRPr>
+            </a:lvl3pPr>
+            <a:lvl4pPr marL="1371600" algn="l" defTabSz="457200" rtl="0" eaLnBrk="1" latinLnBrk="0" hangingPunct="1">
+              <a:defRPr sz="1800" kern="1200">
+                <a:solidFill>
+                  <a:schemeClr val="lt1"/>
+                </a:solidFill>
+                <a:latin typeface="+mn-lt"/>
+                <a:ea typeface="+mn-ea"/>
+                <a:cs typeface="+mn-cs"/>
+              </a:defRPr>
+            </a:lvl4pPr>
+            <a:lvl5pPr marL="1828800" algn="l" defTabSz="457200" rtl="0" eaLnBrk="1" latinLnBrk="0" hangingPunct="1">
+              <a:defRPr sz="1800" kern="1200">
+                <a:solidFill>
+                  <a:schemeClr val="lt1"/>
+                </a:solidFill>
+                <a:latin typeface="+mn-lt"/>
+                <a:ea typeface="+mn-ea"/>
+                <a:cs typeface="+mn-cs"/>
+              </a:defRPr>
+            </a:lvl5pPr>
+            <a:lvl6pPr marL="2286000" algn="l" defTabSz="457200" rtl="0" eaLnBrk="1" latinLnBrk="0" hangingPunct="1">
+              <a:defRPr sz="1800" kern="1200">
+                <a:solidFill>
+                  <a:schemeClr val="lt1"/>
+                </a:solidFill>
+                <a:latin typeface="+mn-lt"/>
+                <a:ea typeface="+mn-ea"/>
+                <a:cs typeface="+mn-cs"/>
+              </a:defRPr>
+            </a:lvl6pPr>
+            <a:lvl7pPr marL="2743200" algn="l" defTabSz="457200" rtl="0" eaLnBrk="1" latinLnBrk="0" hangingPunct="1">
+              <a:defRPr sz="1800" kern="1200">
+                <a:solidFill>
+                  <a:schemeClr val="lt1"/>
+                </a:solidFill>
+                <a:latin typeface="+mn-lt"/>
+                <a:ea typeface="+mn-ea"/>
+                <a:cs typeface="+mn-cs"/>
+              </a:defRPr>
+            </a:lvl7pPr>
+            <a:lvl8pPr marL="3200400" algn="l" defTabSz="457200" rtl="0" eaLnBrk="1" latinLnBrk="0" hangingPunct="1">
+              <a:defRPr sz="1800" kern="1200">
+                <a:solidFill>
+                  <a:schemeClr val="lt1"/>
+                </a:solidFill>
+                <a:latin typeface="+mn-lt"/>
+                <a:ea typeface="+mn-ea"/>
+                <a:cs typeface="+mn-cs"/>
+              </a:defRPr>
+            </a:lvl8pPr>
+            <a:lvl9pPr marL="3657600" algn="l" defTabSz="457200" rtl="0" eaLnBrk="1" latinLnBrk="0" hangingPunct="1">
+              <a:defRPr sz="1800" kern="1200">
+                <a:solidFill>
+                  <a:schemeClr val="lt1"/>
+                </a:solidFill>
+                <a:latin typeface="+mn-lt"/>
+                <a:ea typeface="+mn-ea"/>
+                <a:cs typeface="+mn-cs"/>
+              </a:defRPr>
+            </a:lvl9pPr>
+          </a:lstStyle>
+          <a:p>
+            <a:pPr algn="ctr"/>
+            <a:r>
+              <a:rPr lang="en-US" sz="1400" dirty="0" smtClean="0"/>
+              <a:t>192.0.2.3</a:t>
+            </a:r>
+            <a:endParaRPr lang="en-IN" sz="1400" dirty="0"/>
+          </a:p>
+        </p:txBody>
+      </p:sp>
+      <p:sp>
+        <p:nvSpPr>
+          <p:cNvPr id="12" name="Rounded Rectangle 11"/>
+          <p:cNvSpPr/>
+          <p:nvPr/>
+        </p:nvSpPr>
+        <p:spPr>
+          <a:xfrm>
+            <a:off x="11122123" y="1845733"/>
+            <a:ext cx="938169" cy="503340"/>
+          </a:xfrm>
+          <a:prstGeom prst="roundRect">
+            <a:avLst/>
+          </a:prstGeom>
+        </p:spPr>
+        <p:style>
+          <a:lnRef idx="2">
+            <a:schemeClr val="accent1">
+              <a:shade val="50000"/>
+            </a:schemeClr>
+          </a:lnRef>
+          <a:fillRef idx="1">
+            <a:schemeClr val="accent1"/>
+          </a:fillRef>
+          <a:effectRef idx="0">
+            <a:schemeClr val="accent1"/>
+          </a:effectRef>
+          <a:fontRef idx="minor">
+            <a:schemeClr val="lt1"/>
+          </a:fontRef>
+        </p:style>
+        <p:txBody>
+          <a:bodyPr rot="0" spcFirstLastPara="0" vert="horz" wrap="square" lIns="91440" tIns="45720" rIns="91440" bIns="45720" numCol="1" spcCol="0" rtlCol="0" fromWordArt="0" anchor="ctr" anchorCtr="0" forceAA="0" compatLnSpc="1">
+            <a:prstTxWarp prst="textNoShape">
+              <a:avLst/>
+            </a:prstTxWarp>
+            <a:noAutofit/>
+          </a:bodyPr>
+          <a:lstStyle>
+            <a:defPPr>
+              <a:defRPr lang="en-US"/>
+            </a:defPPr>
+            <a:lvl1pPr marL="0" algn="l" defTabSz="457200" rtl="0" eaLnBrk="1" latinLnBrk="0" hangingPunct="1">
+              <a:defRPr sz="1800" kern="1200">
+                <a:solidFill>
+                  <a:schemeClr val="lt1"/>
+                </a:solidFill>
+                <a:latin typeface="+mn-lt"/>
+                <a:ea typeface="+mn-ea"/>
+                <a:cs typeface="+mn-cs"/>
+              </a:defRPr>
+            </a:lvl1pPr>
+            <a:lvl2pPr marL="457200" algn="l" defTabSz="457200" rtl="0" eaLnBrk="1" latinLnBrk="0" hangingPunct="1">
+              <a:defRPr sz="1800" kern="1200">
+                <a:solidFill>
+                  <a:schemeClr val="lt1"/>
+                </a:solidFill>
+                <a:latin typeface="+mn-lt"/>
+                <a:ea typeface="+mn-ea"/>
+                <a:cs typeface="+mn-cs"/>
+              </a:defRPr>
+            </a:lvl2pPr>
+            <a:lvl3pPr marL="914400" algn="l" defTabSz="457200" rtl="0" eaLnBrk="1" latinLnBrk="0" hangingPunct="1">
+              <a:defRPr sz="1800" kern="1200">
+                <a:solidFill>
+                  <a:schemeClr val="lt1"/>
+                </a:solidFill>
+                <a:latin typeface="+mn-lt"/>
+                <a:ea typeface="+mn-ea"/>
+                <a:cs typeface="+mn-cs"/>
+              </a:defRPr>
+            </a:lvl3pPr>
+            <a:lvl4pPr marL="1371600" algn="l" defTabSz="457200" rtl="0" eaLnBrk="1" latinLnBrk="0" hangingPunct="1">
+              <a:defRPr sz="1800" kern="1200">
+                <a:solidFill>
+                  <a:schemeClr val="lt1"/>
+                </a:solidFill>
+                <a:latin typeface="+mn-lt"/>
+                <a:ea typeface="+mn-ea"/>
+                <a:cs typeface="+mn-cs"/>
+              </a:defRPr>
+            </a:lvl4pPr>
+            <a:lvl5pPr marL="1828800" algn="l" defTabSz="457200" rtl="0" eaLnBrk="1" latinLnBrk="0" hangingPunct="1">
+              <a:defRPr sz="1800" kern="1200">
+                <a:solidFill>
+                  <a:schemeClr val="lt1"/>
+                </a:solidFill>
+                <a:latin typeface="+mn-lt"/>
+                <a:ea typeface="+mn-ea"/>
+                <a:cs typeface="+mn-cs"/>
+              </a:defRPr>
+            </a:lvl5pPr>
+            <a:lvl6pPr marL="2286000" algn="l" defTabSz="457200" rtl="0" eaLnBrk="1" latinLnBrk="0" hangingPunct="1">
+              <a:defRPr sz="1800" kern="1200">
+                <a:solidFill>
+                  <a:schemeClr val="lt1"/>
+                </a:solidFill>
+                <a:latin typeface="+mn-lt"/>
+                <a:ea typeface="+mn-ea"/>
+                <a:cs typeface="+mn-cs"/>
+              </a:defRPr>
+            </a:lvl6pPr>
+            <a:lvl7pPr marL="2743200" algn="l" defTabSz="457200" rtl="0" eaLnBrk="1" latinLnBrk="0" hangingPunct="1">
+              <a:defRPr sz="1800" kern="1200">
+                <a:solidFill>
+                  <a:schemeClr val="lt1"/>
+                </a:solidFill>
+                <a:latin typeface="+mn-lt"/>
+                <a:ea typeface="+mn-ea"/>
+                <a:cs typeface="+mn-cs"/>
+              </a:defRPr>
+            </a:lvl7pPr>
+            <a:lvl8pPr marL="3200400" algn="l" defTabSz="457200" rtl="0" eaLnBrk="1" latinLnBrk="0" hangingPunct="1">
+              <a:defRPr sz="1800" kern="1200">
+                <a:solidFill>
+                  <a:schemeClr val="lt1"/>
+                </a:solidFill>
+                <a:latin typeface="+mn-lt"/>
+                <a:ea typeface="+mn-ea"/>
+                <a:cs typeface="+mn-cs"/>
+              </a:defRPr>
+            </a:lvl8pPr>
+            <a:lvl9pPr marL="3657600" algn="l" defTabSz="457200" rtl="0" eaLnBrk="1" latinLnBrk="0" hangingPunct="1">
+              <a:defRPr sz="1800" kern="1200">
+                <a:solidFill>
+                  <a:schemeClr val="lt1"/>
+                </a:solidFill>
+                <a:latin typeface="+mn-lt"/>
+                <a:ea typeface="+mn-ea"/>
+                <a:cs typeface="+mn-cs"/>
+              </a:defRPr>
+            </a:lvl9pPr>
+          </a:lstStyle>
+          <a:p>
+            <a:pPr algn="ctr"/>
+            <a:r>
+              <a:rPr lang="en-US" dirty="0" smtClean="0"/>
+              <a:t>PCE</a:t>
+            </a:r>
+            <a:endParaRPr lang="en-IN" dirty="0"/>
+          </a:p>
+        </p:txBody>
+      </p:sp>
+      <p:cxnSp>
+        <p:nvCxnSpPr>
+          <p:cNvPr id="13" name="Straight Connector 12"/>
+          <p:cNvCxnSpPr>
+            <a:stCxn id="12" idx="2"/>
+          </p:cNvCxnSpPr>
+          <p:nvPr/>
+        </p:nvCxnSpPr>
+        <p:spPr>
+          <a:xfrm flipH="1">
+            <a:off x="11591207" y="2349073"/>
+            <a:ext cx="1" cy="3825224"/>
+          </a:xfrm>
+          <a:prstGeom prst="line">
+            <a:avLst/>
+          </a:prstGeom>
+        </p:spPr>
+        <p:style>
+          <a:lnRef idx="1">
+            <a:schemeClr val="accent1"/>
+          </a:lnRef>
+          <a:fillRef idx="0">
+            <a:schemeClr val="accent1"/>
+          </a:fillRef>
+          <a:effectRef idx="0">
+            <a:schemeClr val="accent1"/>
+          </a:effectRef>
+          <a:fontRef idx="minor">
+            <a:schemeClr val="tx1"/>
+          </a:fontRef>
+        </p:style>
+      </p:cxnSp>
+      <p:cxnSp>
+        <p:nvCxnSpPr>
+          <p:cNvPr id="14" name="Straight Connector 13"/>
+          <p:cNvCxnSpPr/>
+          <p:nvPr/>
+        </p:nvCxnSpPr>
+        <p:spPr>
+          <a:xfrm flipH="1">
+            <a:off x="7844403" y="2328051"/>
+            <a:ext cx="1" cy="3825224"/>
+          </a:xfrm>
+          <a:prstGeom prst="line">
+            <a:avLst/>
+          </a:prstGeom>
+        </p:spPr>
+        <p:style>
+          <a:lnRef idx="1">
+            <a:schemeClr val="accent1"/>
+          </a:lnRef>
+          <a:fillRef idx="0">
+            <a:schemeClr val="accent1"/>
+          </a:fillRef>
+          <a:effectRef idx="0">
+            <a:schemeClr val="accent1"/>
+          </a:effectRef>
+          <a:fontRef idx="minor">
+            <a:schemeClr val="tx1"/>
+          </a:fontRef>
+        </p:style>
+      </p:cxnSp>
+      <p:cxnSp>
+        <p:nvCxnSpPr>
+          <p:cNvPr id="15" name="Straight Connector 14"/>
+          <p:cNvCxnSpPr>
+            <a:stCxn id="10" idx="2"/>
+          </p:cNvCxnSpPr>
+          <p:nvPr/>
+        </p:nvCxnSpPr>
+        <p:spPr>
+          <a:xfrm>
+            <a:off x="7154871" y="2763225"/>
+            <a:ext cx="18526" cy="3390050"/>
+          </a:xfrm>
+          <a:prstGeom prst="line">
+            <a:avLst/>
+          </a:prstGeom>
+        </p:spPr>
+        <p:style>
+          <a:lnRef idx="1">
+            <a:schemeClr val="accent1"/>
+          </a:lnRef>
+          <a:fillRef idx="0">
+            <a:schemeClr val="accent1"/>
+          </a:fillRef>
+          <a:effectRef idx="0">
+            <a:schemeClr val="accent1"/>
+          </a:effectRef>
+          <a:fontRef idx="minor">
+            <a:schemeClr val="tx1"/>
+          </a:fontRef>
+        </p:style>
+      </p:cxnSp>
+      <p:cxnSp>
+        <p:nvCxnSpPr>
+          <p:cNvPr id="16" name="Straight Connector 15"/>
+          <p:cNvCxnSpPr/>
+          <p:nvPr/>
+        </p:nvCxnSpPr>
+        <p:spPr>
+          <a:xfrm>
+            <a:off x="6504117" y="3177377"/>
+            <a:ext cx="15527" cy="2975898"/>
+          </a:xfrm>
+          <a:prstGeom prst="line">
+            <a:avLst/>
+          </a:prstGeom>
+        </p:spPr>
+        <p:style>
+          <a:lnRef idx="1">
+            <a:schemeClr val="accent1"/>
+          </a:lnRef>
+          <a:fillRef idx="0">
+            <a:schemeClr val="accent1"/>
+          </a:fillRef>
+          <a:effectRef idx="0">
+            <a:schemeClr val="accent1"/>
+          </a:effectRef>
+          <a:fontRef idx="minor">
+            <a:schemeClr val="tx1"/>
+          </a:fontRef>
+        </p:style>
+      </p:cxnSp>
+      <p:cxnSp>
+        <p:nvCxnSpPr>
+          <p:cNvPr id="17" name="Straight Arrow Connector 16"/>
+          <p:cNvCxnSpPr/>
+          <p:nvPr/>
+        </p:nvCxnSpPr>
+        <p:spPr>
+          <a:xfrm flipH="1">
+            <a:off x="6504117" y="3429000"/>
+            <a:ext cx="5087090" cy="0"/>
+          </a:xfrm>
+          <a:prstGeom prst="straightConnector1">
+            <a:avLst/>
+          </a:prstGeom>
+          <a:ln>
+            <a:tailEnd type="triangle"/>
+          </a:ln>
+        </p:spPr>
+        <p:style>
+          <a:lnRef idx="1">
+            <a:schemeClr val="accent1"/>
+          </a:lnRef>
+          <a:fillRef idx="0">
+            <a:schemeClr val="accent1"/>
+          </a:fillRef>
+          <a:effectRef idx="0">
+            <a:schemeClr val="accent1"/>
+          </a:effectRef>
+          <a:fontRef idx="minor">
+            <a:schemeClr val="tx1"/>
+          </a:fontRef>
+        </p:style>
+      </p:cxnSp>
+      <p:cxnSp>
+        <p:nvCxnSpPr>
+          <p:cNvPr id="18" name="Straight Arrow Connector 17"/>
+          <p:cNvCxnSpPr/>
+          <p:nvPr/>
+        </p:nvCxnSpPr>
+        <p:spPr>
+          <a:xfrm>
+            <a:off x="6504117" y="3647552"/>
+            <a:ext cx="5087090" cy="10048"/>
+          </a:xfrm>
+          <a:prstGeom prst="straightConnector1">
+            <a:avLst/>
+          </a:prstGeom>
+          <a:ln>
+            <a:tailEnd type="triangle"/>
+          </a:ln>
+        </p:spPr>
+        <p:style>
+          <a:lnRef idx="1">
+            <a:schemeClr val="accent1"/>
+          </a:lnRef>
+          <a:fillRef idx="0">
+            <a:schemeClr val="accent1"/>
+          </a:fillRef>
+          <a:effectRef idx="0">
+            <a:schemeClr val="accent1"/>
+          </a:effectRef>
+          <a:fontRef idx="minor">
+            <a:schemeClr val="tx1"/>
+          </a:fontRef>
+        </p:style>
+      </p:cxnSp>
+      <p:cxnSp>
+        <p:nvCxnSpPr>
+          <p:cNvPr id="19" name="Straight Arrow Connector 18"/>
+          <p:cNvCxnSpPr/>
+          <p:nvPr/>
+        </p:nvCxnSpPr>
+        <p:spPr>
+          <a:xfrm flipH="1" flipV="1">
+            <a:off x="7173397" y="4139921"/>
+            <a:ext cx="4417810" cy="24284"/>
+          </a:xfrm>
+          <a:prstGeom prst="straightConnector1">
+            <a:avLst/>
+          </a:prstGeom>
+          <a:ln>
+            <a:tailEnd type="triangle"/>
+          </a:ln>
+        </p:spPr>
+        <p:style>
+          <a:lnRef idx="1">
+            <a:schemeClr val="accent1"/>
+          </a:lnRef>
+          <a:fillRef idx="0">
+            <a:schemeClr val="accent1"/>
+          </a:fillRef>
+          <a:effectRef idx="0">
+            <a:schemeClr val="accent1"/>
+          </a:effectRef>
+          <a:fontRef idx="minor">
+            <a:schemeClr val="tx1"/>
+          </a:fontRef>
+        </p:style>
+      </p:cxnSp>
+      <p:cxnSp>
+        <p:nvCxnSpPr>
+          <p:cNvPr id="20" name="Straight Arrow Connector 19"/>
+          <p:cNvCxnSpPr/>
+          <p:nvPr/>
+        </p:nvCxnSpPr>
+        <p:spPr>
+          <a:xfrm>
+            <a:off x="7173397" y="4413256"/>
+            <a:ext cx="4417810" cy="15767"/>
+          </a:xfrm>
+          <a:prstGeom prst="straightConnector1">
+            <a:avLst/>
+          </a:prstGeom>
+          <a:ln>
+            <a:tailEnd type="triangle"/>
+          </a:ln>
+        </p:spPr>
+        <p:style>
+          <a:lnRef idx="1">
+            <a:schemeClr val="accent1"/>
+          </a:lnRef>
+          <a:fillRef idx="0">
+            <a:schemeClr val="accent1"/>
+          </a:fillRef>
+          <a:effectRef idx="0">
+            <a:schemeClr val="accent1"/>
+          </a:effectRef>
+          <a:fontRef idx="minor">
+            <a:schemeClr val="tx1"/>
+          </a:fontRef>
+        </p:style>
+      </p:cxnSp>
+      <p:sp>
+        <p:nvSpPr>
+          <p:cNvPr id="23" name="TextBox 22"/>
+          <p:cNvSpPr txBox="1"/>
+          <p:nvPr/>
+        </p:nvSpPr>
+        <p:spPr>
+          <a:xfrm>
+            <a:off x="7844402" y="3045115"/>
+            <a:ext cx="3516696" cy="646331"/>
+          </a:xfrm>
+          <a:prstGeom prst="rect">
+            <a:avLst/>
+          </a:prstGeom>
+          <a:noFill/>
+        </p:spPr>
+        <p:txBody>
+          <a:bodyPr wrap="square" rtlCol="0">
+            <a:spAutoFit/>
+          </a:bodyPr>
+          <a:lstStyle/>
+          <a:p>
+            <a:r>
+              <a:rPr lang="en-US" dirty="0" err="1" smtClean="0"/>
+              <a:t>PCInitiate</a:t>
+            </a:r>
+            <a:r>
+              <a:rPr lang="en-US" dirty="0" smtClean="0"/>
+              <a:t>, FEC=192.0.2.1/192.0.2.2, CC-ID=A</a:t>
+            </a:r>
+            <a:endParaRPr lang="en-IN" dirty="0"/>
+          </a:p>
+        </p:txBody>
+      </p:sp>
+      <p:sp>
+        <p:nvSpPr>
+          <p:cNvPr id="24" name="TextBox 23"/>
+          <p:cNvSpPr txBox="1"/>
+          <p:nvPr/>
+        </p:nvSpPr>
+        <p:spPr>
+          <a:xfrm>
+            <a:off x="6504116" y="3663482"/>
+            <a:ext cx="515815" cy="246221"/>
+          </a:xfrm>
+          <a:prstGeom prst="rect">
+            <a:avLst/>
+          </a:prstGeom>
+          <a:noFill/>
+        </p:spPr>
+        <p:txBody>
+          <a:bodyPr wrap="square" rtlCol="0">
+            <a:spAutoFit/>
+          </a:bodyPr>
+          <a:lstStyle/>
+          <a:p>
+            <a:r>
+              <a:rPr lang="en-US" sz="1000" dirty="0" err="1" smtClean="0"/>
+              <a:t>PCRpt</a:t>
+            </a:r>
+            <a:endParaRPr lang="en-IN" sz="1000" dirty="0"/>
+          </a:p>
+        </p:txBody>
+      </p:sp>
+      <p:sp>
+        <p:nvSpPr>
+          <p:cNvPr id="25" name="TextBox 24"/>
+          <p:cNvSpPr txBox="1"/>
+          <p:nvPr/>
+        </p:nvSpPr>
+        <p:spPr>
+          <a:xfrm>
+            <a:off x="7196836" y="4429023"/>
+            <a:ext cx="515815" cy="246221"/>
+          </a:xfrm>
+          <a:prstGeom prst="rect">
+            <a:avLst/>
+          </a:prstGeom>
+          <a:noFill/>
+        </p:spPr>
+        <p:txBody>
+          <a:bodyPr wrap="square" rtlCol="0">
+            <a:spAutoFit/>
+          </a:bodyPr>
+          <a:lstStyle/>
+          <a:p>
+            <a:r>
+              <a:rPr lang="en-US" sz="1000" dirty="0" err="1" smtClean="0"/>
+              <a:t>PCRpt</a:t>
+            </a:r>
+            <a:endParaRPr lang="en-IN" sz="1000" dirty="0"/>
+          </a:p>
+        </p:txBody>
+      </p:sp>
+      <p:sp>
+        <p:nvSpPr>
+          <p:cNvPr id="27" name="TextBox 26"/>
+          <p:cNvSpPr txBox="1"/>
+          <p:nvPr/>
+        </p:nvSpPr>
+        <p:spPr>
+          <a:xfrm rot="16200000">
+            <a:off x="10437269" y="4118945"/>
+            <a:ext cx="2874042" cy="584775"/>
+          </a:xfrm>
+          <a:prstGeom prst="rect">
+            <a:avLst/>
+          </a:prstGeom>
+          <a:noFill/>
+        </p:spPr>
+        <p:txBody>
+          <a:bodyPr wrap="square" rtlCol="0">
+            <a:spAutoFit/>
+          </a:bodyPr>
+          <a:lstStyle/>
+          <a:p>
+            <a:pPr algn="ctr"/>
+            <a:r>
+              <a:rPr lang="en-US" sz="1600" dirty="0" smtClean="0"/>
+              <a:t>SR </a:t>
+            </a:r>
+            <a:r>
+              <a:rPr lang="en-US" sz="1600" dirty="0" err="1" smtClean="0"/>
+              <a:t>Adj</a:t>
+            </a:r>
+            <a:r>
+              <a:rPr lang="en-US" sz="1600" dirty="0" smtClean="0"/>
+              <a:t> SID Central controller instructions</a:t>
+            </a:r>
+            <a:endParaRPr lang="en-IN" sz="1600" dirty="0"/>
+          </a:p>
+        </p:txBody>
+      </p:sp>
+      <p:sp>
+        <p:nvSpPr>
+          <p:cNvPr id="28" name="TextBox 27"/>
+          <p:cNvSpPr txBox="1"/>
+          <p:nvPr/>
+        </p:nvSpPr>
+        <p:spPr>
+          <a:xfrm>
+            <a:off x="7829843" y="3799266"/>
+            <a:ext cx="3516696" cy="646331"/>
+          </a:xfrm>
+          <a:prstGeom prst="rect">
+            <a:avLst/>
+          </a:prstGeom>
+          <a:noFill/>
+        </p:spPr>
+        <p:txBody>
+          <a:bodyPr wrap="square" rtlCol="0">
+            <a:spAutoFit/>
+          </a:bodyPr>
+          <a:lstStyle/>
+          <a:p>
+            <a:r>
+              <a:rPr lang="en-US" dirty="0" err="1" smtClean="0"/>
+              <a:t>PCInitiate</a:t>
+            </a:r>
+            <a:r>
+              <a:rPr lang="en-US" dirty="0" smtClean="0"/>
+              <a:t>, FEC=192.0.2.2/192.0.2.1, CC-ID=B</a:t>
+            </a:r>
+            <a:endParaRPr lang="en-IN" dirty="0"/>
+          </a:p>
+        </p:txBody>
+      </p:sp>
     </p:spTree>
     <p:extLst>
       <p:ext uri="{BB962C8B-B14F-4D97-AF65-F5344CB8AC3E}">
-        <p14:creationId xmlns:p14="http://schemas.microsoft.com/office/powerpoint/2010/main" val="184247671"/>
+        <p14:creationId xmlns:p14="http://schemas.microsoft.com/office/powerpoint/2010/main" val="1771133599"/>
       </p:ext>
     </p:extLst>
   </p:cSld>
